--- a/Lecture 1/SLide 1.pptx
+++ b/Lecture 1/SLide 1.pptx
@@ -4,16 +4,23 @@
   <p:sldMasterIdLst>
     <p:sldMasterId id="2147483648" r:id="rId1"/>
   </p:sldMasterIdLst>
+  <p:notesMasterIdLst>
+    <p:notesMasterId r:id="rId15"/>
+  </p:notesMasterIdLst>
   <p:sldIdLst>
     <p:sldId id="256" r:id="rId2"/>
     <p:sldId id="257" r:id="rId3"/>
-    <p:sldId id="258" r:id="rId4"/>
-    <p:sldId id="259" r:id="rId5"/>
-    <p:sldId id="260" r:id="rId6"/>
-    <p:sldId id="261" r:id="rId7"/>
-    <p:sldId id="262" r:id="rId8"/>
-    <p:sldId id="263" r:id="rId9"/>
-    <p:sldId id="264" r:id="rId10"/>
+    <p:sldId id="265" r:id="rId4"/>
+    <p:sldId id="267" r:id="rId5"/>
+    <p:sldId id="268" r:id="rId6"/>
+    <p:sldId id="266" r:id="rId7"/>
+    <p:sldId id="258" r:id="rId8"/>
+    <p:sldId id="259" r:id="rId9"/>
+    <p:sldId id="260" r:id="rId10"/>
+    <p:sldId id="261" r:id="rId11"/>
+    <p:sldId id="262" r:id="rId12"/>
+    <p:sldId id="263" r:id="rId13"/>
+    <p:sldId id="264" r:id="rId14"/>
   </p:sldIdLst>
   <p:sldSz cx="12192000" cy="6858000"/>
   <p:notesSz cx="6858000" cy="9144000"/>
@@ -112,13 +119,18 @@
       </a:defRPr>
     </a:lvl9pPr>
   </p:defaultTextStyle>
+  <p:extLst>
+    <p:ext uri="{EFAFB233-063F-42B5-8137-9DF3F51BA10A}">
+      <p15:sldGuideLst xmlns:p15="http://schemas.microsoft.com/office/powerpoint/2012/main"/>
+    </p:ext>
+  </p:extLst>
 </p:presentation>
 </file>
 
 <file path=ppt/revisionInfo.xml><?xml version="1.0" encoding="utf-8"?>
 <p1510:revInfo xmlns:a="http://schemas.openxmlformats.org/drawingml/2006/main" xmlns:r="http://schemas.openxmlformats.org/officeDocument/2006/relationships" xmlns:p1510="http://schemas.microsoft.com/office/powerpoint/2015/10/main">
   <p1510:revLst>
-    <p1510:client id="{8AB6EA12-4FB9-433C-9F64-C0415415C2F9}" v="154" dt="2022-08-22T05:48:42.768"/>
+    <p1510:client id="{8AB6EA12-4FB9-433C-9F64-C0415415C2F9}" v="225" dt="2022-08-26T16:47:36.151"/>
   </p1510:revLst>
 </p1510:revInfo>
 </file>
@@ -128,7 +140,7 @@
   <pc:docChgLst>
     <pc:chgData name="Muhammad Murad Khan" userId="bd912e04-0706-416c-93fc-ead48d218782" providerId="ADAL" clId="{8AB6EA12-4FB9-433C-9F64-C0415415C2F9}"/>
     <pc:docChg chg="custSel addSld modSld">
-      <pc:chgData name="Muhammad Murad Khan" userId="bd912e04-0706-416c-93fc-ead48d218782" providerId="ADAL" clId="{8AB6EA12-4FB9-433C-9F64-C0415415C2F9}" dt="2022-08-22T07:33:08.068" v="924" actId="20577"/>
+      <pc:chgData name="Muhammad Murad Khan" userId="bd912e04-0706-416c-93fc-ead48d218782" providerId="ADAL" clId="{8AB6EA12-4FB9-433C-9F64-C0415415C2F9}" dt="2022-08-27T05:14:41.814" v="1594" actId="20577"/>
       <pc:docMkLst>
         <pc:docMk/>
       </pc:docMkLst>
@@ -271,7 +283,7 @@
         </pc:spChg>
       </pc:sldChg>
       <pc:sldChg chg="modSp new mod">
-        <pc:chgData name="Muhammad Murad Khan" userId="bd912e04-0706-416c-93fc-ead48d218782" providerId="ADAL" clId="{8AB6EA12-4FB9-433C-9F64-C0415415C2F9}" dt="2022-08-22T07:31:56.626" v="870" actId="20577"/>
+        <pc:chgData name="Muhammad Murad Khan" userId="bd912e04-0706-416c-93fc-ead48d218782" providerId="ADAL" clId="{8AB6EA12-4FB9-433C-9F64-C0415415C2F9}" dt="2022-08-22T08:59:15.532" v="927" actId="20577"/>
         <pc:sldMkLst>
           <pc:docMk/>
           <pc:sldMk cId="2768027149" sldId="263"/>
@@ -282,6 +294,14 @@
             <pc:docMk/>
             <pc:sldMk cId="2768027149" sldId="263"/>
             <ac:spMk id="2" creationId="{5F062825-8AAA-F69B-120C-F9BF6AE68E22}"/>
+          </ac:spMkLst>
+        </pc:spChg>
+        <pc:spChg chg="mod">
+          <ac:chgData name="Muhammad Murad Khan" userId="bd912e04-0706-416c-93fc-ead48d218782" providerId="ADAL" clId="{8AB6EA12-4FB9-433C-9F64-C0415415C2F9}" dt="2022-08-22T08:59:15.532" v="927" actId="20577"/>
+          <ac:spMkLst>
+            <pc:docMk/>
+            <pc:sldMk cId="2768027149" sldId="263"/>
+            <ac:spMk id="3" creationId="{9E58967C-BC24-CD36-B013-7A3D3BD05BA6}"/>
           </ac:spMkLst>
         </pc:spChg>
       </pc:sldChg>
@@ -308,6 +328,74 @@
           </ac:spMkLst>
         </pc:spChg>
       </pc:sldChg>
+      <pc:sldChg chg="addSp delSp modSp new mod modNotesTx">
+        <pc:chgData name="Muhammad Murad Khan" userId="bd912e04-0706-416c-93fc-ead48d218782" providerId="ADAL" clId="{8AB6EA12-4FB9-433C-9F64-C0415415C2F9}" dt="2022-08-26T16:50:40.890" v="1476" actId="20577"/>
+        <pc:sldMkLst>
+          <pc:docMk/>
+          <pc:sldMk cId="1749380231" sldId="265"/>
+        </pc:sldMkLst>
+        <pc:spChg chg="mod">
+          <ac:chgData name="Muhammad Murad Khan" userId="bd912e04-0706-416c-93fc-ead48d218782" providerId="ADAL" clId="{8AB6EA12-4FB9-433C-9F64-C0415415C2F9}" dt="2022-08-26T16:40:43.337" v="959" actId="20577"/>
+          <ac:spMkLst>
+            <pc:docMk/>
+            <pc:sldMk cId="1749380231" sldId="265"/>
+            <ac:spMk id="2" creationId="{604435D9-E907-D9B1-64EF-D0093BA6ACF8}"/>
+          </ac:spMkLst>
+        </pc:spChg>
+        <pc:spChg chg="del">
+          <ac:chgData name="Muhammad Murad Khan" userId="bd912e04-0706-416c-93fc-ead48d218782" providerId="ADAL" clId="{8AB6EA12-4FB9-433C-9F64-C0415415C2F9}" dt="2022-08-26T16:46:37.973" v="1096" actId="1032"/>
+          <ac:spMkLst>
+            <pc:docMk/>
+            <pc:sldMk cId="1749380231" sldId="265"/>
+            <ac:spMk id="3" creationId="{78128E02-1439-15A7-28B5-D3364227DE3D}"/>
+          </ac:spMkLst>
+        </pc:spChg>
+        <pc:graphicFrameChg chg="add mod">
+          <ac:chgData name="Muhammad Murad Khan" userId="bd912e04-0706-416c-93fc-ead48d218782" providerId="ADAL" clId="{8AB6EA12-4FB9-433C-9F64-C0415415C2F9}" dt="2022-08-26T16:47:36.150" v="1166" actId="20577"/>
+          <ac:graphicFrameMkLst>
+            <pc:docMk/>
+            <pc:sldMk cId="1749380231" sldId="265"/>
+            <ac:graphicFrameMk id="4" creationId="{2EDE0CD0-FC4A-0F85-4F18-946A5EC78034}"/>
+          </ac:graphicFrameMkLst>
+        </pc:graphicFrameChg>
+      </pc:sldChg>
+      <pc:sldChg chg="new">
+        <pc:chgData name="Muhammad Murad Khan" userId="bd912e04-0706-416c-93fc-ead48d218782" providerId="ADAL" clId="{8AB6EA12-4FB9-433C-9F64-C0415415C2F9}" dt="2022-08-26T16:50:43.696" v="1477" actId="680"/>
+        <pc:sldMkLst>
+          <pc:docMk/>
+          <pc:sldMk cId="2979415039" sldId="266"/>
+        </pc:sldMkLst>
+      </pc:sldChg>
+      <pc:sldChg chg="modSp new mod">
+        <pc:chgData name="Muhammad Murad Khan" userId="bd912e04-0706-416c-93fc-ead48d218782" providerId="ADAL" clId="{8AB6EA12-4FB9-433C-9F64-C0415415C2F9}" dt="2022-08-27T05:14:10.574" v="1512" actId="20577"/>
+        <pc:sldMkLst>
+          <pc:docMk/>
+          <pc:sldMk cId="3292712553" sldId="267"/>
+        </pc:sldMkLst>
+        <pc:spChg chg="mod">
+          <ac:chgData name="Muhammad Murad Khan" userId="bd912e04-0706-416c-93fc-ead48d218782" providerId="ADAL" clId="{8AB6EA12-4FB9-433C-9F64-C0415415C2F9}" dt="2022-08-27T05:14:10.574" v="1512" actId="20577"/>
+          <ac:spMkLst>
+            <pc:docMk/>
+            <pc:sldMk cId="3292712553" sldId="267"/>
+            <ac:spMk id="2" creationId="{DBB58D93-C29C-D061-204E-20883B75AEA7}"/>
+          </ac:spMkLst>
+        </pc:spChg>
+      </pc:sldChg>
+      <pc:sldChg chg="modSp new mod">
+        <pc:chgData name="Muhammad Murad Khan" userId="bd912e04-0706-416c-93fc-ead48d218782" providerId="ADAL" clId="{8AB6EA12-4FB9-433C-9F64-C0415415C2F9}" dt="2022-08-27T05:14:41.814" v="1594" actId="20577"/>
+        <pc:sldMkLst>
+          <pc:docMk/>
+          <pc:sldMk cId="131468330" sldId="268"/>
+        </pc:sldMkLst>
+        <pc:spChg chg="mod">
+          <ac:chgData name="Muhammad Murad Khan" userId="bd912e04-0706-416c-93fc-ead48d218782" providerId="ADAL" clId="{8AB6EA12-4FB9-433C-9F64-C0415415C2F9}" dt="2022-08-27T05:14:41.814" v="1594" actId="20577"/>
+          <ac:spMkLst>
+            <pc:docMk/>
+            <pc:sldMk cId="131468330" sldId="268"/>
+            <ac:spMk id="2" creationId="{31234EA0-5F4C-C94C-819D-43A2D6B45476}"/>
+          </ac:spMkLst>
+        </pc:spChg>
+      </pc:sldChg>
     </pc:docChg>
   </pc:docChgLst>
 </pc:chgInfo>
@@ -1060,7 +1148,966 @@
 </dgm:colorsDef>
 </file>
 
+<file path=ppt/diagrams/colors2.xml><?xml version="1.0" encoding="utf-8"?>
+<dgm:colorsDef xmlns:dgm="http://schemas.openxmlformats.org/drawingml/2006/diagram" xmlns:a="http://schemas.openxmlformats.org/drawingml/2006/main" uniqueId="urn:microsoft.com/office/officeart/2005/8/colors/accent1_2">
+  <dgm:title val=""/>
+  <dgm:desc val=""/>
+  <dgm:catLst>
+    <dgm:cat type="accent1" pri="11200"/>
+  </dgm:catLst>
+  <dgm:styleLbl name="node0">
+    <dgm:fillClrLst meth="repeat">
+      <a:schemeClr val="accent1"/>
+    </dgm:fillClrLst>
+    <dgm:linClrLst meth="repeat">
+      <a:schemeClr val="lt1"/>
+    </dgm:linClrLst>
+    <dgm:effectClrLst/>
+    <dgm:txLinClrLst/>
+    <dgm:txFillClrLst/>
+    <dgm:txEffectClrLst/>
+  </dgm:styleLbl>
+  <dgm:styleLbl name="alignNode1">
+    <dgm:fillClrLst meth="repeat">
+      <a:schemeClr val="accent1"/>
+    </dgm:fillClrLst>
+    <dgm:linClrLst meth="repeat">
+      <a:schemeClr val="accent1"/>
+    </dgm:linClrLst>
+    <dgm:effectClrLst/>
+    <dgm:txLinClrLst/>
+    <dgm:txFillClrLst/>
+    <dgm:txEffectClrLst/>
+  </dgm:styleLbl>
+  <dgm:styleLbl name="node1">
+    <dgm:fillClrLst meth="repeat">
+      <a:schemeClr val="accent1"/>
+    </dgm:fillClrLst>
+    <dgm:linClrLst meth="repeat">
+      <a:schemeClr val="lt1"/>
+    </dgm:linClrLst>
+    <dgm:effectClrLst/>
+    <dgm:txLinClrLst/>
+    <dgm:txFillClrLst/>
+    <dgm:txEffectClrLst/>
+  </dgm:styleLbl>
+  <dgm:styleLbl name="lnNode1">
+    <dgm:fillClrLst meth="repeat">
+      <a:schemeClr val="accent1"/>
+    </dgm:fillClrLst>
+    <dgm:linClrLst meth="repeat">
+      <a:schemeClr val="lt1"/>
+    </dgm:linClrLst>
+    <dgm:effectClrLst/>
+    <dgm:txLinClrLst/>
+    <dgm:txFillClrLst/>
+    <dgm:txEffectClrLst/>
+  </dgm:styleLbl>
+  <dgm:styleLbl name="vennNode1">
+    <dgm:fillClrLst meth="repeat">
+      <a:schemeClr val="accent1">
+        <a:alpha val="50000"/>
+      </a:schemeClr>
+    </dgm:fillClrLst>
+    <dgm:linClrLst meth="repeat">
+      <a:schemeClr val="lt1"/>
+    </dgm:linClrLst>
+    <dgm:effectClrLst/>
+    <dgm:txLinClrLst/>
+    <dgm:txFillClrLst/>
+    <dgm:txEffectClrLst/>
+  </dgm:styleLbl>
+  <dgm:styleLbl name="node2">
+    <dgm:fillClrLst meth="repeat">
+      <a:schemeClr val="accent1"/>
+    </dgm:fillClrLst>
+    <dgm:linClrLst meth="repeat">
+      <a:schemeClr val="lt1"/>
+    </dgm:linClrLst>
+    <dgm:effectClrLst/>
+    <dgm:txLinClrLst/>
+    <dgm:txFillClrLst/>
+    <dgm:txEffectClrLst/>
+  </dgm:styleLbl>
+  <dgm:styleLbl name="node3">
+    <dgm:fillClrLst meth="repeat">
+      <a:schemeClr val="accent1"/>
+    </dgm:fillClrLst>
+    <dgm:linClrLst meth="repeat">
+      <a:schemeClr val="lt1"/>
+    </dgm:linClrLst>
+    <dgm:effectClrLst/>
+    <dgm:txLinClrLst/>
+    <dgm:txFillClrLst/>
+    <dgm:txEffectClrLst/>
+  </dgm:styleLbl>
+  <dgm:styleLbl name="node4">
+    <dgm:fillClrLst meth="repeat">
+      <a:schemeClr val="accent1"/>
+    </dgm:fillClrLst>
+    <dgm:linClrLst meth="repeat">
+      <a:schemeClr val="lt1"/>
+    </dgm:linClrLst>
+    <dgm:effectClrLst/>
+    <dgm:txLinClrLst/>
+    <dgm:txFillClrLst/>
+    <dgm:txEffectClrLst/>
+  </dgm:styleLbl>
+  <dgm:styleLbl name="fgImgPlace1">
+    <dgm:fillClrLst meth="repeat">
+      <a:schemeClr val="accent1">
+        <a:tint val="50000"/>
+      </a:schemeClr>
+    </dgm:fillClrLst>
+    <dgm:linClrLst meth="repeat">
+      <a:schemeClr val="lt1"/>
+    </dgm:linClrLst>
+    <dgm:effectClrLst/>
+    <dgm:txLinClrLst/>
+    <dgm:txFillClrLst meth="repeat">
+      <a:schemeClr val="lt1"/>
+    </dgm:txFillClrLst>
+    <dgm:txEffectClrLst/>
+  </dgm:styleLbl>
+  <dgm:styleLbl name="alignImgPlace1">
+    <dgm:fillClrLst meth="repeat">
+      <a:schemeClr val="accent1">
+        <a:tint val="50000"/>
+      </a:schemeClr>
+    </dgm:fillClrLst>
+    <dgm:linClrLst meth="repeat">
+      <a:schemeClr val="lt1"/>
+    </dgm:linClrLst>
+    <dgm:effectClrLst/>
+    <dgm:txLinClrLst/>
+    <dgm:txFillClrLst meth="repeat">
+      <a:schemeClr val="lt1"/>
+    </dgm:txFillClrLst>
+    <dgm:txEffectClrLst/>
+  </dgm:styleLbl>
+  <dgm:styleLbl name="bgImgPlace1">
+    <dgm:fillClrLst meth="repeat">
+      <a:schemeClr val="accent1">
+        <a:tint val="50000"/>
+      </a:schemeClr>
+    </dgm:fillClrLst>
+    <dgm:linClrLst meth="repeat">
+      <a:schemeClr val="lt1"/>
+    </dgm:linClrLst>
+    <dgm:effectClrLst/>
+    <dgm:txLinClrLst/>
+    <dgm:txFillClrLst meth="repeat">
+      <a:schemeClr val="lt1"/>
+    </dgm:txFillClrLst>
+    <dgm:txEffectClrLst/>
+  </dgm:styleLbl>
+  <dgm:styleLbl name="sibTrans2D1">
+    <dgm:fillClrLst meth="repeat">
+      <a:schemeClr val="accent1">
+        <a:tint val="60000"/>
+      </a:schemeClr>
+    </dgm:fillClrLst>
+    <dgm:linClrLst meth="repeat">
+      <a:schemeClr val="accent1">
+        <a:tint val="60000"/>
+      </a:schemeClr>
+    </dgm:linClrLst>
+    <dgm:effectClrLst/>
+    <dgm:txLinClrLst/>
+    <dgm:txFillClrLst/>
+    <dgm:txEffectClrLst/>
+  </dgm:styleLbl>
+  <dgm:styleLbl name="fgSibTrans2D1">
+    <dgm:fillClrLst meth="repeat">
+      <a:schemeClr val="accent1">
+        <a:tint val="60000"/>
+      </a:schemeClr>
+    </dgm:fillClrLst>
+    <dgm:linClrLst meth="repeat">
+      <a:schemeClr val="accent1">
+        <a:tint val="60000"/>
+      </a:schemeClr>
+    </dgm:linClrLst>
+    <dgm:effectClrLst/>
+    <dgm:txLinClrLst/>
+    <dgm:txFillClrLst/>
+    <dgm:txEffectClrLst/>
+  </dgm:styleLbl>
+  <dgm:styleLbl name="bgSibTrans2D1">
+    <dgm:fillClrLst meth="repeat">
+      <a:schemeClr val="accent1">
+        <a:tint val="60000"/>
+      </a:schemeClr>
+    </dgm:fillClrLst>
+    <dgm:linClrLst meth="repeat">
+      <a:schemeClr val="accent1">
+        <a:tint val="60000"/>
+      </a:schemeClr>
+    </dgm:linClrLst>
+    <dgm:effectClrLst/>
+    <dgm:txLinClrLst/>
+    <dgm:txFillClrLst/>
+    <dgm:txEffectClrLst/>
+  </dgm:styleLbl>
+  <dgm:styleLbl name="sibTrans1D1">
+    <dgm:fillClrLst meth="repeat">
+      <a:schemeClr val="accent1"/>
+    </dgm:fillClrLst>
+    <dgm:linClrLst meth="repeat">
+      <a:schemeClr val="accent1"/>
+    </dgm:linClrLst>
+    <dgm:effectClrLst/>
+    <dgm:txLinClrLst/>
+    <dgm:txFillClrLst meth="repeat">
+      <a:schemeClr val="tx1"/>
+    </dgm:txFillClrLst>
+    <dgm:txEffectClrLst/>
+  </dgm:styleLbl>
+  <dgm:styleLbl name="callout">
+    <dgm:fillClrLst meth="repeat">
+      <a:schemeClr val="accent1"/>
+    </dgm:fillClrLst>
+    <dgm:linClrLst meth="repeat">
+      <a:schemeClr val="accent1">
+        <a:tint val="50000"/>
+      </a:schemeClr>
+    </dgm:linClrLst>
+    <dgm:effectClrLst/>
+    <dgm:txLinClrLst/>
+    <dgm:txFillClrLst meth="repeat">
+      <a:schemeClr val="tx1"/>
+    </dgm:txFillClrLst>
+    <dgm:txEffectClrLst/>
+  </dgm:styleLbl>
+  <dgm:styleLbl name="asst0">
+    <dgm:fillClrLst meth="repeat">
+      <a:schemeClr val="accent1"/>
+    </dgm:fillClrLst>
+    <dgm:linClrLst meth="repeat">
+      <a:schemeClr val="lt1"/>
+    </dgm:linClrLst>
+    <dgm:effectClrLst/>
+    <dgm:txLinClrLst/>
+    <dgm:txFillClrLst/>
+    <dgm:txEffectClrLst/>
+  </dgm:styleLbl>
+  <dgm:styleLbl name="asst1">
+    <dgm:fillClrLst meth="repeat">
+      <a:schemeClr val="accent1"/>
+    </dgm:fillClrLst>
+    <dgm:linClrLst meth="repeat">
+      <a:schemeClr val="lt1"/>
+    </dgm:linClrLst>
+    <dgm:effectClrLst/>
+    <dgm:txLinClrLst/>
+    <dgm:txFillClrLst/>
+    <dgm:txEffectClrLst/>
+  </dgm:styleLbl>
+  <dgm:styleLbl name="asst2">
+    <dgm:fillClrLst meth="repeat">
+      <a:schemeClr val="accent1"/>
+    </dgm:fillClrLst>
+    <dgm:linClrLst meth="repeat">
+      <a:schemeClr val="lt1"/>
+    </dgm:linClrLst>
+    <dgm:effectClrLst/>
+    <dgm:txLinClrLst/>
+    <dgm:txFillClrLst/>
+    <dgm:txEffectClrLst/>
+  </dgm:styleLbl>
+  <dgm:styleLbl name="asst3">
+    <dgm:fillClrLst meth="repeat">
+      <a:schemeClr val="accent1"/>
+    </dgm:fillClrLst>
+    <dgm:linClrLst meth="repeat">
+      <a:schemeClr val="lt1"/>
+    </dgm:linClrLst>
+    <dgm:effectClrLst/>
+    <dgm:txLinClrLst/>
+    <dgm:txFillClrLst/>
+    <dgm:txEffectClrLst/>
+  </dgm:styleLbl>
+  <dgm:styleLbl name="asst4">
+    <dgm:fillClrLst meth="repeat">
+      <a:schemeClr val="accent1"/>
+    </dgm:fillClrLst>
+    <dgm:linClrLst meth="repeat">
+      <a:schemeClr val="lt1"/>
+    </dgm:linClrLst>
+    <dgm:effectClrLst/>
+    <dgm:txLinClrLst/>
+    <dgm:txFillClrLst/>
+    <dgm:txEffectClrLst/>
+  </dgm:styleLbl>
+  <dgm:styleLbl name="parChTrans2D1">
+    <dgm:fillClrLst meth="repeat">
+      <a:schemeClr val="accent1">
+        <a:tint val="60000"/>
+      </a:schemeClr>
+    </dgm:fillClrLst>
+    <dgm:linClrLst meth="repeat">
+      <a:schemeClr val="accent1">
+        <a:tint val="60000"/>
+      </a:schemeClr>
+    </dgm:linClrLst>
+    <dgm:effectClrLst/>
+    <dgm:txLinClrLst/>
+    <dgm:txFillClrLst meth="repeat">
+      <a:schemeClr val="lt1"/>
+    </dgm:txFillClrLst>
+    <dgm:txEffectClrLst/>
+  </dgm:styleLbl>
+  <dgm:styleLbl name="parChTrans2D2">
+    <dgm:fillClrLst meth="repeat">
+      <a:schemeClr val="accent1"/>
+    </dgm:fillClrLst>
+    <dgm:linClrLst meth="repeat">
+      <a:schemeClr val="accent1"/>
+    </dgm:linClrLst>
+    <dgm:effectClrLst/>
+    <dgm:txLinClrLst/>
+    <dgm:txFillClrLst meth="repeat">
+      <a:schemeClr val="lt1"/>
+    </dgm:txFillClrLst>
+    <dgm:txEffectClrLst/>
+  </dgm:styleLbl>
+  <dgm:styleLbl name="parChTrans2D3">
+    <dgm:fillClrLst meth="repeat">
+      <a:schemeClr val="accent1"/>
+    </dgm:fillClrLst>
+    <dgm:linClrLst meth="repeat">
+      <a:schemeClr val="accent1"/>
+    </dgm:linClrLst>
+    <dgm:effectClrLst/>
+    <dgm:txLinClrLst/>
+    <dgm:txFillClrLst meth="repeat">
+      <a:schemeClr val="lt1"/>
+    </dgm:txFillClrLst>
+    <dgm:txEffectClrLst/>
+  </dgm:styleLbl>
+  <dgm:styleLbl name="parChTrans2D4">
+    <dgm:fillClrLst meth="repeat">
+      <a:schemeClr val="accent1"/>
+    </dgm:fillClrLst>
+    <dgm:linClrLst meth="repeat">
+      <a:schemeClr val="accent1"/>
+    </dgm:linClrLst>
+    <dgm:effectClrLst/>
+    <dgm:txLinClrLst/>
+    <dgm:txFillClrLst meth="repeat">
+      <a:schemeClr val="lt1"/>
+    </dgm:txFillClrLst>
+    <dgm:txEffectClrLst/>
+  </dgm:styleLbl>
+  <dgm:styleLbl name="parChTrans1D1">
+    <dgm:fillClrLst meth="repeat">
+      <a:schemeClr val="accent1"/>
+    </dgm:fillClrLst>
+    <dgm:linClrLst meth="repeat">
+      <a:schemeClr val="accent1">
+        <a:shade val="60000"/>
+      </a:schemeClr>
+    </dgm:linClrLst>
+    <dgm:effectClrLst/>
+    <dgm:txLinClrLst/>
+    <dgm:txFillClrLst meth="repeat">
+      <a:schemeClr val="tx1"/>
+    </dgm:txFillClrLst>
+    <dgm:txEffectClrLst/>
+  </dgm:styleLbl>
+  <dgm:styleLbl name="parChTrans1D2">
+    <dgm:fillClrLst meth="repeat">
+      <a:schemeClr val="accent1"/>
+    </dgm:fillClrLst>
+    <dgm:linClrLst meth="repeat">
+      <a:schemeClr val="accent1">
+        <a:shade val="60000"/>
+      </a:schemeClr>
+    </dgm:linClrLst>
+    <dgm:effectClrLst/>
+    <dgm:txLinClrLst/>
+    <dgm:txFillClrLst meth="repeat">
+      <a:schemeClr val="tx1"/>
+    </dgm:txFillClrLst>
+    <dgm:txEffectClrLst/>
+  </dgm:styleLbl>
+  <dgm:styleLbl name="parChTrans1D3">
+    <dgm:fillClrLst meth="repeat">
+      <a:schemeClr val="accent1"/>
+    </dgm:fillClrLst>
+    <dgm:linClrLst meth="repeat">
+      <a:schemeClr val="accent1">
+        <a:shade val="80000"/>
+      </a:schemeClr>
+    </dgm:linClrLst>
+    <dgm:effectClrLst/>
+    <dgm:txLinClrLst/>
+    <dgm:txFillClrLst meth="repeat">
+      <a:schemeClr val="tx1"/>
+    </dgm:txFillClrLst>
+    <dgm:txEffectClrLst/>
+  </dgm:styleLbl>
+  <dgm:styleLbl name="parChTrans1D4">
+    <dgm:fillClrLst meth="repeat">
+      <a:schemeClr val="accent1"/>
+    </dgm:fillClrLst>
+    <dgm:linClrLst meth="repeat">
+      <a:schemeClr val="accent1">
+        <a:shade val="80000"/>
+      </a:schemeClr>
+    </dgm:linClrLst>
+    <dgm:effectClrLst/>
+    <dgm:txLinClrLst/>
+    <dgm:txFillClrLst meth="repeat">
+      <a:schemeClr val="tx1"/>
+    </dgm:txFillClrLst>
+    <dgm:txEffectClrLst/>
+  </dgm:styleLbl>
+  <dgm:styleLbl name="fgAcc1">
+    <dgm:fillClrLst meth="repeat">
+      <a:schemeClr val="lt1">
+        <a:alpha val="90000"/>
+      </a:schemeClr>
+    </dgm:fillClrLst>
+    <dgm:linClrLst meth="repeat">
+      <a:schemeClr val="accent1"/>
+    </dgm:linClrLst>
+    <dgm:effectClrLst/>
+    <dgm:txLinClrLst/>
+    <dgm:txFillClrLst meth="repeat">
+      <a:schemeClr val="dk1"/>
+    </dgm:txFillClrLst>
+    <dgm:txEffectClrLst/>
+  </dgm:styleLbl>
+  <dgm:styleLbl name="conFgAcc1">
+    <dgm:fillClrLst meth="repeat">
+      <a:schemeClr val="lt1">
+        <a:alpha val="90000"/>
+      </a:schemeClr>
+    </dgm:fillClrLst>
+    <dgm:linClrLst meth="repeat">
+      <a:schemeClr val="accent1"/>
+    </dgm:linClrLst>
+    <dgm:effectClrLst/>
+    <dgm:txLinClrLst/>
+    <dgm:txFillClrLst meth="repeat">
+      <a:schemeClr val="dk1"/>
+    </dgm:txFillClrLst>
+    <dgm:txEffectClrLst/>
+  </dgm:styleLbl>
+  <dgm:styleLbl name="alignAcc1">
+    <dgm:fillClrLst meth="repeat">
+      <a:schemeClr val="lt1">
+        <a:alpha val="90000"/>
+      </a:schemeClr>
+    </dgm:fillClrLst>
+    <dgm:linClrLst meth="repeat">
+      <a:schemeClr val="accent1"/>
+    </dgm:linClrLst>
+    <dgm:effectClrLst/>
+    <dgm:txLinClrLst/>
+    <dgm:txFillClrLst meth="repeat">
+      <a:schemeClr val="dk1"/>
+    </dgm:txFillClrLst>
+    <dgm:txEffectClrLst/>
+  </dgm:styleLbl>
+  <dgm:styleLbl name="trAlignAcc1">
+    <dgm:fillClrLst meth="repeat">
+      <a:schemeClr val="lt1">
+        <a:alpha val="40000"/>
+      </a:schemeClr>
+    </dgm:fillClrLst>
+    <dgm:linClrLst meth="repeat">
+      <a:schemeClr val="accent1"/>
+    </dgm:linClrLst>
+    <dgm:effectClrLst/>
+    <dgm:txLinClrLst/>
+    <dgm:txFillClrLst meth="repeat">
+      <a:schemeClr val="dk1"/>
+    </dgm:txFillClrLst>
+    <dgm:txEffectClrLst/>
+  </dgm:styleLbl>
+  <dgm:styleLbl name="bgAcc1">
+    <dgm:fillClrLst meth="repeat">
+      <a:schemeClr val="lt1">
+        <a:alpha val="90000"/>
+      </a:schemeClr>
+    </dgm:fillClrLst>
+    <dgm:linClrLst meth="repeat">
+      <a:schemeClr val="accent1"/>
+    </dgm:linClrLst>
+    <dgm:effectClrLst/>
+    <dgm:txLinClrLst/>
+    <dgm:txFillClrLst meth="repeat">
+      <a:schemeClr val="dk1"/>
+    </dgm:txFillClrLst>
+    <dgm:txEffectClrLst/>
+  </dgm:styleLbl>
+  <dgm:styleLbl name="solidFgAcc1">
+    <dgm:fillClrLst meth="repeat">
+      <a:schemeClr val="lt1"/>
+    </dgm:fillClrLst>
+    <dgm:linClrLst meth="repeat">
+      <a:schemeClr val="accent1"/>
+    </dgm:linClrLst>
+    <dgm:effectClrLst/>
+    <dgm:txLinClrLst/>
+    <dgm:txFillClrLst meth="repeat">
+      <a:schemeClr val="dk1"/>
+    </dgm:txFillClrLst>
+    <dgm:txEffectClrLst/>
+  </dgm:styleLbl>
+  <dgm:styleLbl name="solidAlignAcc1">
+    <dgm:fillClrLst meth="repeat">
+      <a:schemeClr val="lt1"/>
+    </dgm:fillClrLst>
+    <dgm:linClrLst meth="repeat">
+      <a:schemeClr val="accent1"/>
+    </dgm:linClrLst>
+    <dgm:effectClrLst/>
+    <dgm:txLinClrLst/>
+    <dgm:txFillClrLst meth="repeat">
+      <a:schemeClr val="dk1"/>
+    </dgm:txFillClrLst>
+    <dgm:txEffectClrLst/>
+  </dgm:styleLbl>
+  <dgm:styleLbl name="solidBgAcc1">
+    <dgm:fillClrLst meth="repeat">
+      <a:schemeClr val="lt1"/>
+    </dgm:fillClrLst>
+    <dgm:linClrLst meth="repeat">
+      <a:schemeClr val="accent1"/>
+    </dgm:linClrLst>
+    <dgm:effectClrLst/>
+    <dgm:txLinClrLst/>
+    <dgm:txFillClrLst meth="repeat">
+      <a:schemeClr val="dk1"/>
+    </dgm:txFillClrLst>
+    <dgm:txEffectClrLst/>
+  </dgm:styleLbl>
+  <dgm:styleLbl name="fgAccFollowNode1">
+    <dgm:fillClrLst meth="repeat">
+      <a:schemeClr val="accent1">
+        <a:alpha val="90000"/>
+        <a:tint val="40000"/>
+      </a:schemeClr>
+    </dgm:fillClrLst>
+    <dgm:linClrLst meth="repeat">
+      <a:schemeClr val="accent1">
+        <a:alpha val="90000"/>
+        <a:tint val="40000"/>
+      </a:schemeClr>
+    </dgm:linClrLst>
+    <dgm:effectClrLst/>
+    <dgm:txLinClrLst/>
+    <dgm:txFillClrLst meth="repeat">
+      <a:schemeClr val="dk1"/>
+    </dgm:txFillClrLst>
+    <dgm:txEffectClrLst/>
+  </dgm:styleLbl>
+  <dgm:styleLbl name="alignAccFollowNode1">
+    <dgm:fillClrLst meth="repeat">
+      <a:schemeClr val="accent1">
+        <a:alpha val="90000"/>
+        <a:tint val="40000"/>
+      </a:schemeClr>
+    </dgm:fillClrLst>
+    <dgm:linClrLst meth="repeat">
+      <a:schemeClr val="accent1">
+        <a:alpha val="90000"/>
+        <a:tint val="40000"/>
+      </a:schemeClr>
+    </dgm:linClrLst>
+    <dgm:effectClrLst/>
+    <dgm:txLinClrLst/>
+    <dgm:txFillClrLst meth="repeat">
+      <a:schemeClr val="dk1"/>
+    </dgm:txFillClrLst>
+    <dgm:txEffectClrLst/>
+  </dgm:styleLbl>
+  <dgm:styleLbl name="bgAccFollowNode1">
+    <dgm:fillClrLst meth="repeat">
+      <a:schemeClr val="accent1">
+        <a:alpha val="90000"/>
+        <a:tint val="40000"/>
+      </a:schemeClr>
+    </dgm:fillClrLst>
+    <dgm:linClrLst meth="repeat">
+      <a:schemeClr val="accent1">
+        <a:alpha val="90000"/>
+        <a:tint val="40000"/>
+      </a:schemeClr>
+    </dgm:linClrLst>
+    <dgm:effectClrLst/>
+    <dgm:txLinClrLst/>
+    <dgm:txFillClrLst meth="repeat">
+      <a:schemeClr val="dk1"/>
+    </dgm:txFillClrLst>
+    <dgm:txEffectClrLst/>
+  </dgm:styleLbl>
+  <dgm:styleLbl name="fgAcc0">
+    <dgm:fillClrLst meth="repeat">
+      <a:schemeClr val="lt1">
+        <a:alpha val="90000"/>
+      </a:schemeClr>
+    </dgm:fillClrLst>
+    <dgm:linClrLst meth="repeat">
+      <a:schemeClr val="accent1"/>
+    </dgm:linClrLst>
+    <dgm:effectClrLst/>
+    <dgm:txLinClrLst/>
+    <dgm:txFillClrLst meth="repeat">
+      <a:schemeClr val="dk1"/>
+    </dgm:txFillClrLst>
+    <dgm:txEffectClrLst/>
+  </dgm:styleLbl>
+  <dgm:styleLbl name="fgAcc2">
+    <dgm:fillClrLst meth="repeat">
+      <a:schemeClr val="lt1">
+        <a:alpha val="90000"/>
+      </a:schemeClr>
+    </dgm:fillClrLst>
+    <dgm:linClrLst meth="repeat">
+      <a:schemeClr val="accent1"/>
+    </dgm:linClrLst>
+    <dgm:effectClrLst/>
+    <dgm:txLinClrLst/>
+    <dgm:txFillClrLst meth="repeat">
+      <a:schemeClr val="dk1"/>
+    </dgm:txFillClrLst>
+    <dgm:txEffectClrLst/>
+  </dgm:styleLbl>
+  <dgm:styleLbl name="fgAcc3">
+    <dgm:fillClrLst meth="repeat">
+      <a:schemeClr val="lt1">
+        <a:alpha val="90000"/>
+      </a:schemeClr>
+    </dgm:fillClrLst>
+    <dgm:linClrLst meth="repeat">
+      <a:schemeClr val="accent1"/>
+    </dgm:linClrLst>
+    <dgm:effectClrLst/>
+    <dgm:txLinClrLst/>
+    <dgm:txFillClrLst meth="repeat">
+      <a:schemeClr val="dk1"/>
+    </dgm:txFillClrLst>
+    <dgm:txEffectClrLst/>
+  </dgm:styleLbl>
+  <dgm:styleLbl name="fgAcc4">
+    <dgm:fillClrLst meth="repeat">
+      <a:schemeClr val="lt1">
+        <a:alpha val="90000"/>
+      </a:schemeClr>
+    </dgm:fillClrLst>
+    <dgm:linClrLst meth="repeat">
+      <a:schemeClr val="accent1"/>
+    </dgm:linClrLst>
+    <dgm:effectClrLst/>
+    <dgm:txLinClrLst/>
+    <dgm:txFillClrLst meth="repeat">
+      <a:schemeClr val="dk1"/>
+    </dgm:txFillClrLst>
+    <dgm:txEffectClrLst/>
+  </dgm:styleLbl>
+  <dgm:styleLbl name="bgShp">
+    <dgm:fillClrLst meth="repeat">
+      <a:schemeClr val="accent1">
+        <a:tint val="40000"/>
+      </a:schemeClr>
+    </dgm:fillClrLst>
+    <dgm:linClrLst meth="repeat">
+      <a:schemeClr val="accent1"/>
+    </dgm:linClrLst>
+    <dgm:effectClrLst/>
+    <dgm:txLinClrLst/>
+    <dgm:txFillClrLst meth="repeat">
+      <a:schemeClr val="dk1"/>
+    </dgm:txFillClrLst>
+    <dgm:txEffectClrLst/>
+  </dgm:styleLbl>
+  <dgm:styleLbl name="dkBgShp">
+    <dgm:fillClrLst meth="repeat">
+      <a:schemeClr val="accent1">
+        <a:shade val="80000"/>
+      </a:schemeClr>
+    </dgm:fillClrLst>
+    <dgm:linClrLst meth="repeat">
+      <a:schemeClr val="accent1"/>
+    </dgm:linClrLst>
+    <dgm:effectClrLst/>
+    <dgm:txLinClrLst/>
+    <dgm:txFillClrLst meth="repeat">
+      <a:schemeClr val="lt1"/>
+    </dgm:txFillClrLst>
+    <dgm:txEffectClrLst/>
+  </dgm:styleLbl>
+  <dgm:styleLbl name="trBgShp">
+    <dgm:fillClrLst meth="repeat">
+      <a:schemeClr val="accent1">
+        <a:tint val="50000"/>
+        <a:alpha val="40000"/>
+      </a:schemeClr>
+    </dgm:fillClrLst>
+    <dgm:linClrLst meth="repeat">
+      <a:schemeClr val="accent1"/>
+    </dgm:linClrLst>
+    <dgm:effectClrLst/>
+    <dgm:txLinClrLst/>
+    <dgm:txFillClrLst meth="repeat">
+      <a:schemeClr val="lt1"/>
+    </dgm:txFillClrLst>
+    <dgm:txEffectClrLst/>
+  </dgm:styleLbl>
+  <dgm:styleLbl name="fgShp">
+    <dgm:fillClrLst meth="repeat">
+      <a:schemeClr val="accent1">
+        <a:tint val="60000"/>
+      </a:schemeClr>
+    </dgm:fillClrLst>
+    <dgm:linClrLst meth="repeat">
+      <a:schemeClr val="lt1"/>
+    </dgm:linClrLst>
+    <dgm:effectClrLst/>
+    <dgm:txLinClrLst/>
+    <dgm:txFillClrLst meth="repeat">
+      <a:schemeClr val="dk1"/>
+    </dgm:txFillClrLst>
+    <dgm:txEffectClrLst/>
+  </dgm:styleLbl>
+  <dgm:styleLbl name="revTx">
+    <dgm:fillClrLst meth="repeat">
+      <a:schemeClr val="lt1">
+        <a:alpha val="0"/>
+      </a:schemeClr>
+    </dgm:fillClrLst>
+    <dgm:linClrLst meth="repeat">
+      <a:schemeClr val="dk1">
+        <a:alpha val="0"/>
+      </a:schemeClr>
+    </dgm:linClrLst>
+    <dgm:effectClrLst/>
+    <dgm:txLinClrLst/>
+    <dgm:txFillClrLst meth="repeat">
+      <a:schemeClr val="tx1"/>
+    </dgm:txFillClrLst>
+    <dgm:txEffectClrLst/>
+  </dgm:styleLbl>
+</dgm:colorsDef>
+</file>
+
 <file path=ppt/diagrams/data1.xml><?xml version="1.0" encoding="utf-8"?>
+<dgm:dataModel xmlns:dgm="http://schemas.openxmlformats.org/drawingml/2006/diagram" xmlns:a="http://schemas.openxmlformats.org/drawingml/2006/main">
+  <dgm:ptLst>
+    <dgm:pt modelId="{5478D032-8899-419C-A2B8-685D1A60F0CF}" type="doc">
+      <dgm:prSet loTypeId="urn:microsoft.com/office/officeart/2005/8/layout/hProcess9" loCatId="process" qsTypeId="urn:microsoft.com/office/officeart/2005/8/quickstyle/simple1" qsCatId="simple" csTypeId="urn:microsoft.com/office/officeart/2005/8/colors/accent1_2" csCatId="accent1" phldr="1"/>
+      <dgm:spPr/>
+    </dgm:pt>
+    <dgm:pt modelId="{9360EF85-7A63-437B-A905-13B6D21B0256}">
+      <dgm:prSet phldrT="[Text]"/>
+      <dgm:spPr/>
+      <dgm:t>
+        <a:bodyPr/>
+        <a:lstStyle/>
+        <a:p>
+          <a:r>
+            <a:rPr lang="en-US" dirty="0"/>
+            <a:t>Code</a:t>
+          </a:r>
+        </a:p>
+        <a:p>
+          <a:r>
+            <a:rPr lang="en-US" dirty="0"/>
+            <a:t>“file.py”</a:t>
+          </a:r>
+          <a:endParaRPr lang="en-PK" dirty="0"/>
+        </a:p>
+      </dgm:t>
+    </dgm:pt>
+    <dgm:pt modelId="{082B7C34-B26C-4DEE-AD86-567FB1E70A6C}" type="parTrans" cxnId="{DFAFAA2B-C47C-4F3E-94FD-5DDBBF947D8A}">
+      <dgm:prSet/>
+      <dgm:spPr/>
+      <dgm:t>
+        <a:bodyPr/>
+        <a:lstStyle/>
+        <a:p>
+          <a:endParaRPr lang="en-PK"/>
+        </a:p>
+      </dgm:t>
+    </dgm:pt>
+    <dgm:pt modelId="{B968871E-49C9-49AE-AEE6-D017A884F8C0}" type="sibTrans" cxnId="{DFAFAA2B-C47C-4F3E-94FD-5DDBBF947D8A}">
+      <dgm:prSet/>
+      <dgm:spPr/>
+      <dgm:t>
+        <a:bodyPr/>
+        <a:lstStyle/>
+        <a:p>
+          <a:endParaRPr lang="en-PK"/>
+        </a:p>
+      </dgm:t>
+    </dgm:pt>
+    <dgm:pt modelId="{5862ABDF-9647-4F0F-810A-923881096D7A}">
+      <dgm:prSet phldrT="[Text]"/>
+      <dgm:spPr/>
+      <dgm:t>
+        <a:bodyPr/>
+        <a:lstStyle/>
+        <a:p>
+          <a:r>
+            <a:rPr lang="en-US" dirty="0"/>
+            <a:t>Editor</a:t>
+          </a:r>
+        </a:p>
+        <a:p>
+          <a:r>
+            <a:rPr lang="en-US" dirty="0"/>
+            <a:t>PyCharm</a:t>
+          </a:r>
+          <a:endParaRPr lang="en-PK" dirty="0"/>
+        </a:p>
+      </dgm:t>
+    </dgm:pt>
+    <dgm:pt modelId="{41C414BF-029F-432D-9756-F0ABEBDE04EE}" type="parTrans" cxnId="{D92598EB-3EE8-42C7-B1E6-BA112F384EF8}">
+      <dgm:prSet/>
+      <dgm:spPr/>
+      <dgm:t>
+        <a:bodyPr/>
+        <a:lstStyle/>
+        <a:p>
+          <a:endParaRPr lang="en-PK"/>
+        </a:p>
+      </dgm:t>
+    </dgm:pt>
+    <dgm:pt modelId="{2D55E934-5BED-4FA3-838F-82176A275FF7}" type="sibTrans" cxnId="{D92598EB-3EE8-42C7-B1E6-BA112F384EF8}">
+      <dgm:prSet/>
+      <dgm:spPr/>
+      <dgm:t>
+        <a:bodyPr/>
+        <a:lstStyle/>
+        <a:p>
+          <a:endParaRPr lang="en-PK"/>
+        </a:p>
+      </dgm:t>
+    </dgm:pt>
+    <dgm:pt modelId="{3EEA1659-E8C2-47E4-A78E-C85F5B53FD5B}">
+      <dgm:prSet phldrT="[Text]"/>
+      <dgm:spPr/>
+      <dgm:t>
+        <a:bodyPr/>
+        <a:lstStyle/>
+        <a:p>
+          <a:r>
+            <a:rPr lang="en-US" dirty="0"/>
+            <a:t>Interpreter</a:t>
+          </a:r>
+        </a:p>
+        <a:p>
+          <a:r>
+            <a:rPr lang="en-US" dirty="0"/>
+            <a:t>python.exe</a:t>
+          </a:r>
+          <a:endParaRPr lang="en-PK" dirty="0"/>
+        </a:p>
+      </dgm:t>
+    </dgm:pt>
+    <dgm:pt modelId="{EC527B37-7301-4D15-862A-0B5699366C7B}" type="parTrans" cxnId="{243E1374-6428-4245-B2A3-271324C99888}">
+      <dgm:prSet/>
+      <dgm:spPr/>
+      <dgm:t>
+        <a:bodyPr/>
+        <a:lstStyle/>
+        <a:p>
+          <a:endParaRPr lang="en-PK"/>
+        </a:p>
+      </dgm:t>
+    </dgm:pt>
+    <dgm:pt modelId="{93204B44-75D7-4E75-BAA0-B388ED50C053}" type="sibTrans" cxnId="{243E1374-6428-4245-B2A3-271324C99888}">
+      <dgm:prSet/>
+      <dgm:spPr/>
+      <dgm:t>
+        <a:bodyPr/>
+        <a:lstStyle/>
+        <a:p>
+          <a:endParaRPr lang="en-PK"/>
+        </a:p>
+      </dgm:t>
+    </dgm:pt>
+    <dgm:pt modelId="{A95E6E55-A5CB-4C65-9B72-FAAE071978EB}" type="pres">
+      <dgm:prSet presAssocID="{5478D032-8899-419C-A2B8-685D1A60F0CF}" presName="CompostProcess" presStyleCnt="0">
+        <dgm:presLayoutVars>
+          <dgm:dir/>
+          <dgm:resizeHandles val="exact"/>
+        </dgm:presLayoutVars>
+      </dgm:prSet>
+      <dgm:spPr/>
+    </dgm:pt>
+    <dgm:pt modelId="{858E9790-831A-43EE-8FB3-A0BFED576DBE}" type="pres">
+      <dgm:prSet presAssocID="{5478D032-8899-419C-A2B8-685D1A60F0CF}" presName="arrow" presStyleLbl="bgShp" presStyleIdx="0" presStyleCnt="1"/>
+      <dgm:spPr/>
+    </dgm:pt>
+    <dgm:pt modelId="{B5271C76-5A1F-4EE6-A470-24D4BE44D489}" type="pres">
+      <dgm:prSet presAssocID="{5478D032-8899-419C-A2B8-685D1A60F0CF}" presName="linearProcess" presStyleCnt="0"/>
+      <dgm:spPr/>
+    </dgm:pt>
+    <dgm:pt modelId="{60136775-6C8E-476D-8141-2E17BF9449F9}" type="pres">
+      <dgm:prSet presAssocID="{9360EF85-7A63-437B-A905-13B6D21B0256}" presName="textNode" presStyleLbl="node1" presStyleIdx="0" presStyleCnt="3">
+        <dgm:presLayoutVars>
+          <dgm:bulletEnabled val="1"/>
+        </dgm:presLayoutVars>
+      </dgm:prSet>
+      <dgm:spPr/>
+    </dgm:pt>
+    <dgm:pt modelId="{881373FB-C185-4797-99B6-FDE565391EC8}" type="pres">
+      <dgm:prSet presAssocID="{B968871E-49C9-49AE-AEE6-D017A884F8C0}" presName="sibTrans" presStyleCnt="0"/>
+      <dgm:spPr/>
+    </dgm:pt>
+    <dgm:pt modelId="{C8ABAD41-BDF4-4CA2-A41A-4AFF018281BB}" type="pres">
+      <dgm:prSet presAssocID="{5862ABDF-9647-4F0F-810A-923881096D7A}" presName="textNode" presStyleLbl="node1" presStyleIdx="1" presStyleCnt="3">
+        <dgm:presLayoutVars>
+          <dgm:bulletEnabled val="1"/>
+        </dgm:presLayoutVars>
+      </dgm:prSet>
+      <dgm:spPr/>
+    </dgm:pt>
+    <dgm:pt modelId="{3E8AB1E0-132C-4453-A330-0E7B25E95605}" type="pres">
+      <dgm:prSet presAssocID="{2D55E934-5BED-4FA3-838F-82176A275FF7}" presName="sibTrans" presStyleCnt="0"/>
+      <dgm:spPr/>
+    </dgm:pt>
+    <dgm:pt modelId="{2CBECA47-998B-4E20-9B2A-39171D8FDE98}" type="pres">
+      <dgm:prSet presAssocID="{3EEA1659-E8C2-47E4-A78E-C85F5B53FD5B}" presName="textNode" presStyleLbl="node1" presStyleIdx="2" presStyleCnt="3">
+        <dgm:presLayoutVars>
+          <dgm:bulletEnabled val="1"/>
+        </dgm:presLayoutVars>
+      </dgm:prSet>
+      <dgm:spPr/>
+    </dgm:pt>
+  </dgm:ptLst>
+  <dgm:cxnLst>
+    <dgm:cxn modelId="{DFAFAA2B-C47C-4F3E-94FD-5DDBBF947D8A}" srcId="{5478D032-8899-419C-A2B8-685D1A60F0CF}" destId="{9360EF85-7A63-437B-A905-13B6D21B0256}" srcOrd="0" destOrd="0" parTransId="{082B7C34-B26C-4DEE-AD86-567FB1E70A6C}" sibTransId="{B968871E-49C9-49AE-AEE6-D017A884F8C0}"/>
+    <dgm:cxn modelId="{216C9F5B-21D6-4D40-8309-9C82C03EFD11}" type="presOf" srcId="{5478D032-8899-419C-A2B8-685D1A60F0CF}" destId="{A95E6E55-A5CB-4C65-9B72-FAAE071978EB}" srcOrd="0" destOrd="0" presId="urn:microsoft.com/office/officeart/2005/8/layout/hProcess9"/>
+    <dgm:cxn modelId="{5789FD50-97A1-43EF-AB88-27DB010D5805}" type="presOf" srcId="{3EEA1659-E8C2-47E4-A78E-C85F5B53FD5B}" destId="{2CBECA47-998B-4E20-9B2A-39171D8FDE98}" srcOrd="0" destOrd="0" presId="urn:microsoft.com/office/officeart/2005/8/layout/hProcess9"/>
+    <dgm:cxn modelId="{243E1374-6428-4245-B2A3-271324C99888}" srcId="{5478D032-8899-419C-A2B8-685D1A60F0CF}" destId="{3EEA1659-E8C2-47E4-A78E-C85F5B53FD5B}" srcOrd="2" destOrd="0" parTransId="{EC527B37-7301-4D15-862A-0B5699366C7B}" sibTransId="{93204B44-75D7-4E75-BAA0-B388ED50C053}"/>
+    <dgm:cxn modelId="{855D3D9D-F7CD-464B-A25E-A0773634B872}" type="presOf" srcId="{5862ABDF-9647-4F0F-810A-923881096D7A}" destId="{C8ABAD41-BDF4-4CA2-A41A-4AFF018281BB}" srcOrd="0" destOrd="0" presId="urn:microsoft.com/office/officeart/2005/8/layout/hProcess9"/>
+    <dgm:cxn modelId="{7776BEE2-C0C3-4A04-9D29-92896C288F8B}" type="presOf" srcId="{9360EF85-7A63-437B-A905-13B6D21B0256}" destId="{60136775-6C8E-476D-8141-2E17BF9449F9}" srcOrd="0" destOrd="0" presId="urn:microsoft.com/office/officeart/2005/8/layout/hProcess9"/>
+    <dgm:cxn modelId="{D92598EB-3EE8-42C7-B1E6-BA112F384EF8}" srcId="{5478D032-8899-419C-A2B8-685D1A60F0CF}" destId="{5862ABDF-9647-4F0F-810A-923881096D7A}" srcOrd="1" destOrd="0" parTransId="{41C414BF-029F-432D-9756-F0ABEBDE04EE}" sibTransId="{2D55E934-5BED-4FA3-838F-82176A275FF7}"/>
+    <dgm:cxn modelId="{F5DB134B-A819-4A97-8925-14C0DA1E875B}" type="presParOf" srcId="{A95E6E55-A5CB-4C65-9B72-FAAE071978EB}" destId="{858E9790-831A-43EE-8FB3-A0BFED576DBE}" srcOrd="0" destOrd="0" presId="urn:microsoft.com/office/officeart/2005/8/layout/hProcess9"/>
+    <dgm:cxn modelId="{CE7A5A3C-3B15-4A03-B058-A6171C77C12C}" type="presParOf" srcId="{A95E6E55-A5CB-4C65-9B72-FAAE071978EB}" destId="{B5271C76-5A1F-4EE6-A470-24D4BE44D489}" srcOrd="1" destOrd="0" presId="urn:microsoft.com/office/officeart/2005/8/layout/hProcess9"/>
+    <dgm:cxn modelId="{33DCD57D-32AD-4146-8B10-E7DE88C43F42}" type="presParOf" srcId="{B5271C76-5A1F-4EE6-A470-24D4BE44D489}" destId="{60136775-6C8E-476D-8141-2E17BF9449F9}" srcOrd="0" destOrd="0" presId="urn:microsoft.com/office/officeart/2005/8/layout/hProcess9"/>
+    <dgm:cxn modelId="{F91E28AF-4642-4C79-8F41-EAE0E1C33984}" type="presParOf" srcId="{B5271C76-5A1F-4EE6-A470-24D4BE44D489}" destId="{881373FB-C185-4797-99B6-FDE565391EC8}" srcOrd="1" destOrd="0" presId="urn:microsoft.com/office/officeart/2005/8/layout/hProcess9"/>
+    <dgm:cxn modelId="{195AE73E-EEF6-40F2-ACE5-DA7DEEFD80F3}" type="presParOf" srcId="{B5271C76-5A1F-4EE6-A470-24D4BE44D489}" destId="{C8ABAD41-BDF4-4CA2-A41A-4AFF018281BB}" srcOrd="2" destOrd="0" presId="urn:microsoft.com/office/officeart/2005/8/layout/hProcess9"/>
+    <dgm:cxn modelId="{7B93B712-1CD2-4397-85EA-285B9486E13F}" type="presParOf" srcId="{B5271C76-5A1F-4EE6-A470-24D4BE44D489}" destId="{3E8AB1E0-132C-4453-A330-0E7B25E95605}" srcOrd="3" destOrd="0" presId="urn:microsoft.com/office/officeart/2005/8/layout/hProcess9"/>
+    <dgm:cxn modelId="{34790608-A3B6-4795-8460-A54FC2CEB6F9}" type="presParOf" srcId="{B5271C76-5A1F-4EE6-A470-24D4BE44D489}" destId="{2CBECA47-998B-4E20-9B2A-39171D8FDE98}" srcOrd="4" destOrd="0" presId="urn:microsoft.com/office/officeart/2005/8/layout/hProcess9"/>
+  </dgm:cxnLst>
+  <dgm:bg/>
+  <dgm:whole/>
+  <dgm:extLst>
+    <a:ext uri="http://schemas.microsoft.com/office/drawing/2008/diagram">
+      <dsp:dataModelExt xmlns:dsp="http://schemas.microsoft.com/office/drawing/2008/diagram" relId="rId7" minVer="http://schemas.openxmlformats.org/drawingml/2006/diagram"/>
+    </a:ext>
+  </dgm:extLst>
+</dgm:dataModel>
+</file>
+
+<file path=ppt/diagrams/data2.xml><?xml version="1.0" encoding="utf-8"?>
 <dgm:dataModel xmlns:dgm="http://schemas.openxmlformats.org/drawingml/2006/diagram" xmlns:a="http://schemas.openxmlformats.org/drawingml/2006/main">
   <dgm:ptLst>
     <dgm:pt modelId="{6F974D56-BB26-4164-ABE4-770B4CFA57CA}" type="doc">
@@ -1542,6 +2589,346 @@
       <dsp:cNvGrpSpPr/>
     </dsp:nvGrpSpPr>
     <dsp:grpSpPr/>
+    <dsp:sp modelId="{858E9790-831A-43EE-8FB3-A0BFED576DBE}">
+      <dsp:nvSpPr>
+        <dsp:cNvPr id="0" name=""/>
+        <dsp:cNvSpPr/>
+      </dsp:nvSpPr>
+      <dsp:spPr>
+        <a:xfrm>
+          <a:off x="720089" y="0"/>
+          <a:ext cx="8161020" cy="3317875"/>
+        </a:xfrm>
+        <a:prstGeom prst="rightArrow">
+          <a:avLst/>
+        </a:prstGeom>
+        <a:solidFill>
+          <a:schemeClr val="accent1">
+            <a:tint val="40000"/>
+            <a:hueOff val="0"/>
+            <a:satOff val="0"/>
+            <a:lumOff val="0"/>
+            <a:alphaOff val="0"/>
+          </a:schemeClr>
+        </a:solidFill>
+        <a:ln>
+          <a:noFill/>
+        </a:ln>
+        <a:effectLst/>
+      </dsp:spPr>
+      <dsp:style>
+        <a:lnRef idx="0">
+          <a:scrgbClr r="0" g="0" b="0"/>
+        </a:lnRef>
+        <a:fillRef idx="1">
+          <a:scrgbClr r="0" g="0" b="0"/>
+        </a:fillRef>
+        <a:effectRef idx="0">
+          <a:scrgbClr r="0" g="0" b="0"/>
+        </a:effectRef>
+        <a:fontRef idx="minor"/>
+      </dsp:style>
+    </dsp:sp>
+    <dsp:sp modelId="{60136775-6C8E-476D-8141-2E17BF9449F9}">
+      <dsp:nvSpPr>
+        <dsp:cNvPr id="0" name=""/>
+        <dsp:cNvSpPr/>
+      </dsp:nvSpPr>
+      <dsp:spPr>
+        <a:xfrm>
+          <a:off x="55788" y="995362"/>
+          <a:ext cx="2880360" cy="1327150"/>
+        </a:xfrm>
+        <a:prstGeom prst="roundRect">
+          <a:avLst/>
+        </a:prstGeom>
+        <a:solidFill>
+          <a:schemeClr val="accent1">
+            <a:hueOff val="0"/>
+            <a:satOff val="0"/>
+            <a:lumOff val="0"/>
+            <a:alphaOff val="0"/>
+          </a:schemeClr>
+        </a:solidFill>
+        <a:ln w="15875" cap="flat" cmpd="sng" algn="ctr">
+          <a:solidFill>
+            <a:schemeClr val="lt1">
+              <a:hueOff val="0"/>
+              <a:satOff val="0"/>
+              <a:lumOff val="0"/>
+              <a:alphaOff val="0"/>
+            </a:schemeClr>
+          </a:solidFill>
+          <a:prstDash val="solid"/>
+        </a:ln>
+        <a:effectLst/>
+      </dsp:spPr>
+      <dsp:style>
+        <a:lnRef idx="2">
+          <a:scrgbClr r="0" g="0" b="0"/>
+        </a:lnRef>
+        <a:fillRef idx="1">
+          <a:scrgbClr r="0" g="0" b="0"/>
+        </a:fillRef>
+        <a:effectRef idx="0">
+          <a:scrgbClr r="0" g="0" b="0"/>
+        </a:effectRef>
+        <a:fontRef idx="minor">
+          <a:schemeClr val="lt1"/>
+        </a:fontRef>
+      </dsp:style>
+      <dsp:txBody>
+        <a:bodyPr spcFirstLastPara="0" vert="horz" wrap="square" lIns="118110" tIns="118110" rIns="118110" bIns="118110" numCol="1" spcCol="1270" anchor="ctr" anchorCtr="0">
+          <a:noAutofit/>
+        </a:bodyPr>
+        <a:lstStyle/>
+        <a:p>
+          <a:pPr marL="0" lvl="0" indent="0" algn="ctr" defTabSz="1377950">
+            <a:lnSpc>
+              <a:spcPct val="90000"/>
+            </a:lnSpc>
+            <a:spcBef>
+              <a:spcPct val="0"/>
+            </a:spcBef>
+            <a:spcAft>
+              <a:spcPct val="35000"/>
+            </a:spcAft>
+            <a:buNone/>
+          </a:pPr>
+          <a:r>
+            <a:rPr lang="en-US" sz="3100" kern="1200" dirty="0"/>
+            <a:t>Code</a:t>
+          </a:r>
+        </a:p>
+        <a:p>
+          <a:pPr marL="0" lvl="0" indent="0" algn="ctr" defTabSz="1377950">
+            <a:lnSpc>
+              <a:spcPct val="90000"/>
+            </a:lnSpc>
+            <a:spcBef>
+              <a:spcPct val="0"/>
+            </a:spcBef>
+            <a:spcAft>
+              <a:spcPct val="35000"/>
+            </a:spcAft>
+            <a:buNone/>
+          </a:pPr>
+          <a:r>
+            <a:rPr lang="en-US" sz="3100" kern="1200" dirty="0"/>
+            <a:t>“file.py”</a:t>
+          </a:r>
+          <a:endParaRPr lang="en-PK" sz="3100" kern="1200" dirty="0"/>
+        </a:p>
+      </dsp:txBody>
+      <dsp:txXfrm>
+        <a:off x="120574" y="1060148"/>
+        <a:ext cx="2750788" cy="1197578"/>
+      </dsp:txXfrm>
+    </dsp:sp>
+    <dsp:sp modelId="{C8ABAD41-BDF4-4CA2-A41A-4AFF018281BB}">
+      <dsp:nvSpPr>
+        <dsp:cNvPr id="0" name=""/>
+        <dsp:cNvSpPr/>
+      </dsp:nvSpPr>
+      <dsp:spPr>
+        <a:xfrm>
+          <a:off x="3360420" y="995362"/>
+          <a:ext cx="2880360" cy="1327150"/>
+        </a:xfrm>
+        <a:prstGeom prst="roundRect">
+          <a:avLst/>
+        </a:prstGeom>
+        <a:solidFill>
+          <a:schemeClr val="accent1">
+            <a:hueOff val="0"/>
+            <a:satOff val="0"/>
+            <a:lumOff val="0"/>
+            <a:alphaOff val="0"/>
+          </a:schemeClr>
+        </a:solidFill>
+        <a:ln w="15875" cap="flat" cmpd="sng" algn="ctr">
+          <a:solidFill>
+            <a:schemeClr val="lt1">
+              <a:hueOff val="0"/>
+              <a:satOff val="0"/>
+              <a:lumOff val="0"/>
+              <a:alphaOff val="0"/>
+            </a:schemeClr>
+          </a:solidFill>
+          <a:prstDash val="solid"/>
+        </a:ln>
+        <a:effectLst/>
+      </dsp:spPr>
+      <dsp:style>
+        <a:lnRef idx="2">
+          <a:scrgbClr r="0" g="0" b="0"/>
+        </a:lnRef>
+        <a:fillRef idx="1">
+          <a:scrgbClr r="0" g="0" b="0"/>
+        </a:fillRef>
+        <a:effectRef idx="0">
+          <a:scrgbClr r="0" g="0" b="0"/>
+        </a:effectRef>
+        <a:fontRef idx="minor">
+          <a:schemeClr val="lt1"/>
+        </a:fontRef>
+      </dsp:style>
+      <dsp:txBody>
+        <a:bodyPr spcFirstLastPara="0" vert="horz" wrap="square" lIns="118110" tIns="118110" rIns="118110" bIns="118110" numCol="1" spcCol="1270" anchor="ctr" anchorCtr="0">
+          <a:noAutofit/>
+        </a:bodyPr>
+        <a:lstStyle/>
+        <a:p>
+          <a:pPr marL="0" lvl="0" indent="0" algn="ctr" defTabSz="1377950">
+            <a:lnSpc>
+              <a:spcPct val="90000"/>
+            </a:lnSpc>
+            <a:spcBef>
+              <a:spcPct val="0"/>
+            </a:spcBef>
+            <a:spcAft>
+              <a:spcPct val="35000"/>
+            </a:spcAft>
+            <a:buNone/>
+          </a:pPr>
+          <a:r>
+            <a:rPr lang="en-US" sz="3100" kern="1200" dirty="0"/>
+            <a:t>Editor</a:t>
+          </a:r>
+        </a:p>
+        <a:p>
+          <a:pPr marL="0" lvl="0" indent="0" algn="ctr" defTabSz="1377950">
+            <a:lnSpc>
+              <a:spcPct val="90000"/>
+            </a:lnSpc>
+            <a:spcBef>
+              <a:spcPct val="0"/>
+            </a:spcBef>
+            <a:spcAft>
+              <a:spcPct val="35000"/>
+            </a:spcAft>
+            <a:buNone/>
+          </a:pPr>
+          <a:r>
+            <a:rPr lang="en-US" sz="3100" kern="1200" dirty="0"/>
+            <a:t>PyCharm</a:t>
+          </a:r>
+          <a:endParaRPr lang="en-PK" sz="3100" kern="1200" dirty="0"/>
+        </a:p>
+      </dsp:txBody>
+      <dsp:txXfrm>
+        <a:off x="3425206" y="1060148"/>
+        <a:ext cx="2750788" cy="1197578"/>
+      </dsp:txXfrm>
+    </dsp:sp>
+    <dsp:sp modelId="{2CBECA47-998B-4E20-9B2A-39171D8FDE98}">
+      <dsp:nvSpPr>
+        <dsp:cNvPr id="0" name=""/>
+        <dsp:cNvSpPr/>
+      </dsp:nvSpPr>
+      <dsp:spPr>
+        <a:xfrm>
+          <a:off x="6665051" y="995362"/>
+          <a:ext cx="2880360" cy="1327150"/>
+        </a:xfrm>
+        <a:prstGeom prst="roundRect">
+          <a:avLst/>
+        </a:prstGeom>
+        <a:solidFill>
+          <a:schemeClr val="accent1">
+            <a:hueOff val="0"/>
+            <a:satOff val="0"/>
+            <a:lumOff val="0"/>
+            <a:alphaOff val="0"/>
+          </a:schemeClr>
+        </a:solidFill>
+        <a:ln w="15875" cap="flat" cmpd="sng" algn="ctr">
+          <a:solidFill>
+            <a:schemeClr val="lt1">
+              <a:hueOff val="0"/>
+              <a:satOff val="0"/>
+              <a:lumOff val="0"/>
+              <a:alphaOff val="0"/>
+            </a:schemeClr>
+          </a:solidFill>
+          <a:prstDash val="solid"/>
+        </a:ln>
+        <a:effectLst/>
+      </dsp:spPr>
+      <dsp:style>
+        <a:lnRef idx="2">
+          <a:scrgbClr r="0" g="0" b="0"/>
+        </a:lnRef>
+        <a:fillRef idx="1">
+          <a:scrgbClr r="0" g="0" b="0"/>
+        </a:fillRef>
+        <a:effectRef idx="0">
+          <a:scrgbClr r="0" g="0" b="0"/>
+        </a:effectRef>
+        <a:fontRef idx="minor">
+          <a:schemeClr val="lt1"/>
+        </a:fontRef>
+      </dsp:style>
+      <dsp:txBody>
+        <a:bodyPr spcFirstLastPara="0" vert="horz" wrap="square" lIns="118110" tIns="118110" rIns="118110" bIns="118110" numCol="1" spcCol="1270" anchor="ctr" anchorCtr="0">
+          <a:noAutofit/>
+        </a:bodyPr>
+        <a:lstStyle/>
+        <a:p>
+          <a:pPr marL="0" lvl="0" indent="0" algn="ctr" defTabSz="1377950">
+            <a:lnSpc>
+              <a:spcPct val="90000"/>
+            </a:lnSpc>
+            <a:spcBef>
+              <a:spcPct val="0"/>
+            </a:spcBef>
+            <a:spcAft>
+              <a:spcPct val="35000"/>
+            </a:spcAft>
+            <a:buNone/>
+          </a:pPr>
+          <a:r>
+            <a:rPr lang="en-US" sz="3100" kern="1200" dirty="0"/>
+            <a:t>Interpreter</a:t>
+          </a:r>
+        </a:p>
+        <a:p>
+          <a:pPr marL="0" lvl="0" indent="0" algn="ctr" defTabSz="1377950">
+            <a:lnSpc>
+              <a:spcPct val="90000"/>
+            </a:lnSpc>
+            <a:spcBef>
+              <a:spcPct val="0"/>
+            </a:spcBef>
+            <a:spcAft>
+              <a:spcPct val="35000"/>
+            </a:spcAft>
+            <a:buNone/>
+          </a:pPr>
+          <a:r>
+            <a:rPr lang="en-US" sz="3100" kern="1200" dirty="0"/>
+            <a:t>python.exe</a:t>
+          </a:r>
+          <a:endParaRPr lang="en-PK" sz="3100" kern="1200" dirty="0"/>
+        </a:p>
+      </dsp:txBody>
+      <dsp:txXfrm>
+        <a:off x="6729837" y="1060148"/>
+        <a:ext cx="2750788" cy="1197578"/>
+      </dsp:txXfrm>
+    </dsp:sp>
+  </dsp:spTree>
+</dsp:drawing>
+</file>
+
+<file path=ppt/diagrams/drawing2.xml><?xml version="1.0" encoding="utf-8"?>
+<dsp:drawing xmlns:dgm="http://schemas.openxmlformats.org/drawingml/2006/diagram" xmlns:dsp="http://schemas.microsoft.com/office/drawing/2008/diagram" xmlns:a="http://schemas.openxmlformats.org/drawingml/2006/main">
+  <dsp:spTree>
+    <dsp:nvGrpSpPr>
+      <dsp:cNvPr id="0" name=""/>
+      <dsp:cNvGrpSpPr/>
+    </dsp:nvGrpSpPr>
+    <dsp:grpSpPr/>
     <dsp:sp modelId="{A519AE81-9024-4FC1-A264-C2E82BE2C9C9}">
       <dsp:nvSpPr>
         <dsp:cNvPr id="0" name=""/>
@@ -1944,6 +3331,160 @@
 </file>
 
 <file path=ppt/diagrams/layout1.xml><?xml version="1.0" encoding="utf-8"?>
+<dgm:layoutDef xmlns:dgm="http://schemas.openxmlformats.org/drawingml/2006/diagram" xmlns:a="http://schemas.openxmlformats.org/drawingml/2006/main" uniqueId="urn:microsoft.com/office/officeart/2005/8/layout/hProcess9">
+  <dgm:title val=""/>
+  <dgm:desc val=""/>
+  <dgm:catLst>
+    <dgm:cat type="process" pri="5000"/>
+    <dgm:cat type="convert" pri="13000"/>
+  </dgm:catLst>
+  <dgm:sampData useDef="1">
+    <dgm:dataModel>
+      <dgm:ptLst/>
+      <dgm:bg/>
+      <dgm:whole/>
+    </dgm:dataModel>
+  </dgm:sampData>
+  <dgm:styleData>
+    <dgm:dataModel>
+      <dgm:ptLst>
+        <dgm:pt modelId="0" type="doc"/>
+        <dgm:pt modelId="1"/>
+        <dgm:pt modelId="2"/>
+      </dgm:ptLst>
+      <dgm:cxnLst>
+        <dgm:cxn modelId="3" srcId="0" destId="1" srcOrd="0" destOrd="0"/>
+        <dgm:cxn modelId="4" srcId="0" destId="2" srcOrd="1" destOrd="0"/>
+      </dgm:cxnLst>
+      <dgm:bg/>
+      <dgm:whole/>
+    </dgm:dataModel>
+  </dgm:styleData>
+  <dgm:clrData>
+    <dgm:dataModel>
+      <dgm:ptLst>
+        <dgm:pt modelId="0" type="doc"/>
+        <dgm:pt modelId="1"/>
+        <dgm:pt modelId="2"/>
+        <dgm:pt modelId="3"/>
+        <dgm:pt modelId="4"/>
+      </dgm:ptLst>
+      <dgm:cxnLst>
+        <dgm:cxn modelId="5" srcId="0" destId="1" srcOrd="0" destOrd="0"/>
+        <dgm:cxn modelId="6" srcId="0" destId="2" srcOrd="1" destOrd="0"/>
+        <dgm:cxn modelId="7" srcId="0" destId="3" srcOrd="2" destOrd="0"/>
+        <dgm:cxn modelId="8" srcId="0" destId="4" srcOrd="3" destOrd="0"/>
+      </dgm:cxnLst>
+      <dgm:bg/>
+      <dgm:whole/>
+    </dgm:dataModel>
+  </dgm:clrData>
+  <dgm:layoutNode name="CompostProcess">
+    <dgm:varLst>
+      <dgm:dir/>
+      <dgm:resizeHandles val="exact"/>
+    </dgm:varLst>
+    <dgm:alg type="composite">
+      <dgm:param type="horzAlign" val="ctr"/>
+      <dgm:param type="vertAlign" val="mid"/>
+    </dgm:alg>
+    <dgm:shape xmlns:r="http://schemas.openxmlformats.org/officeDocument/2006/relationships" r:blip="">
+      <dgm:adjLst/>
+    </dgm:shape>
+    <dgm:presOf/>
+    <dgm:constrLst>
+      <dgm:constr type="w" for="ch" forName="arrow" refType="w" fact="0.85"/>
+      <dgm:constr type="h" for="ch" forName="arrow" refType="h"/>
+      <dgm:constr type="ctrX" for="ch" forName="arrow" refType="w" fact="0.5"/>
+      <dgm:constr type="ctrY" for="ch" forName="arrow" refType="h" fact="0.5"/>
+      <dgm:constr type="w" for="ch" forName="linearProcess" refType="w"/>
+      <dgm:constr type="h" for="ch" forName="linearProcess" refType="h" fact="0.4"/>
+      <dgm:constr type="ctrX" for="ch" forName="linearProcess" refType="w" fact="0.5"/>
+      <dgm:constr type="ctrY" for="ch" forName="linearProcess" refType="h" fact="0.5"/>
+    </dgm:constrLst>
+    <dgm:ruleLst/>
+    <dgm:layoutNode name="arrow" styleLbl="bgShp">
+      <dgm:alg type="sp"/>
+      <dgm:choose name="Name0">
+        <dgm:if name="Name1" func="var" arg="dir" op="equ" val="norm">
+          <dgm:shape xmlns:r="http://schemas.openxmlformats.org/officeDocument/2006/relationships" type="rightArrow" r:blip="">
+            <dgm:adjLst/>
+          </dgm:shape>
+        </dgm:if>
+        <dgm:else name="Name2">
+          <dgm:shape xmlns:r="http://schemas.openxmlformats.org/officeDocument/2006/relationships" type="leftArrow" r:blip="">
+            <dgm:adjLst/>
+          </dgm:shape>
+        </dgm:else>
+      </dgm:choose>
+      <dgm:presOf/>
+      <dgm:constrLst/>
+      <dgm:ruleLst/>
+    </dgm:layoutNode>
+    <dgm:layoutNode name="linearProcess">
+      <dgm:choose name="Name3">
+        <dgm:if name="Name4" func="var" arg="dir" op="equ" val="norm">
+          <dgm:alg type="lin"/>
+        </dgm:if>
+        <dgm:else name="Name5">
+          <dgm:alg type="lin">
+            <dgm:param type="linDir" val="fromR"/>
+          </dgm:alg>
+        </dgm:else>
+      </dgm:choose>
+      <dgm:shape xmlns:r="http://schemas.openxmlformats.org/officeDocument/2006/relationships" r:blip="">
+        <dgm:adjLst/>
+      </dgm:shape>
+      <dgm:presOf/>
+      <dgm:constrLst>
+        <dgm:constr type="userA" for="ch" ptType="node" refType="w"/>
+        <dgm:constr type="h" for="ch" ptType="node" refType="h"/>
+        <dgm:constr type="w" for="ch" ptType="node" op="equ"/>
+        <dgm:constr type="w" for="ch" forName="sibTrans" refType="w" fact="0.05"/>
+        <dgm:constr type="primFontSz" for="ch" ptType="node" op="equ" val="65"/>
+      </dgm:constrLst>
+      <dgm:ruleLst/>
+      <dgm:forEach name="Name6" axis="ch" ptType="node">
+        <dgm:layoutNode name="textNode" styleLbl="node1">
+          <dgm:varLst>
+            <dgm:bulletEnabled val="1"/>
+          </dgm:varLst>
+          <dgm:alg type="tx"/>
+          <dgm:shape xmlns:r="http://schemas.openxmlformats.org/officeDocument/2006/relationships" type="roundRect" r:blip="">
+            <dgm:adjLst/>
+          </dgm:shape>
+          <dgm:presOf axis="desOrSelf" ptType="node"/>
+          <dgm:constrLst>
+            <dgm:constr type="userA"/>
+            <dgm:constr type="w" refType="userA" fact="0.3"/>
+            <dgm:constr type="tMarg" refType="primFontSz" fact="0.3"/>
+            <dgm:constr type="bMarg" refType="primFontSz" fact="0.3"/>
+            <dgm:constr type="lMarg" refType="primFontSz" fact="0.3"/>
+            <dgm:constr type="rMarg" refType="primFontSz" fact="0.3"/>
+          </dgm:constrLst>
+          <dgm:ruleLst>
+            <dgm:rule type="w" val="NaN" fact="1" max="NaN"/>
+            <dgm:rule type="primFontSz" val="5" fact="NaN" max="NaN"/>
+          </dgm:ruleLst>
+        </dgm:layoutNode>
+        <dgm:forEach name="Name7" axis="followSib" ptType="sibTrans" cnt="1">
+          <dgm:layoutNode name="sibTrans">
+            <dgm:alg type="sp"/>
+            <dgm:shape xmlns:r="http://schemas.openxmlformats.org/officeDocument/2006/relationships" r:blip="">
+              <dgm:adjLst/>
+            </dgm:shape>
+            <dgm:presOf/>
+            <dgm:constrLst/>
+            <dgm:ruleLst/>
+          </dgm:layoutNode>
+        </dgm:forEach>
+      </dgm:forEach>
+    </dgm:layoutNode>
+  </dgm:layoutNode>
+</dgm:layoutDef>
+</file>
+
+<file path=ppt/diagrams/layout2.xml><?xml version="1.0" encoding="utf-8"?>
 <dgm:layoutDef xmlns:dgm="http://schemas.openxmlformats.org/drawingml/2006/diagram" xmlns:a="http://schemas.openxmlformats.org/drawingml/2006/main" uniqueId="urn:microsoft.com/office/officeart/2005/8/layout/hList3">
   <dgm:title val=""/>
   <dgm:desc val=""/>
@@ -3170,6 +4711,1488 @@
 </dgm:styleDef>
 </file>
 
+<file path=ppt/diagrams/quickStyle2.xml><?xml version="1.0" encoding="utf-8"?>
+<dgm:styleDef xmlns:dgm="http://schemas.openxmlformats.org/drawingml/2006/diagram" xmlns:a="http://schemas.openxmlformats.org/drawingml/2006/main" uniqueId="urn:microsoft.com/office/officeart/2005/8/quickstyle/simple1">
+  <dgm:title val=""/>
+  <dgm:desc val=""/>
+  <dgm:catLst>
+    <dgm:cat type="simple" pri="10100"/>
+  </dgm:catLst>
+  <dgm:scene3d>
+    <a:camera prst="orthographicFront"/>
+    <a:lightRig rig="threePt" dir="t"/>
+  </dgm:scene3d>
+  <dgm:styleLbl name="node0">
+    <dgm:scene3d>
+      <a:camera prst="orthographicFront"/>
+      <a:lightRig rig="threePt" dir="t"/>
+    </dgm:scene3d>
+    <dgm:sp3d/>
+    <dgm:txPr/>
+    <dgm:style>
+      <a:lnRef idx="2">
+        <a:scrgbClr r="0" g="0" b="0"/>
+      </a:lnRef>
+      <a:fillRef idx="1">
+        <a:scrgbClr r="0" g="0" b="0"/>
+      </a:fillRef>
+      <a:effectRef idx="0">
+        <a:scrgbClr r="0" g="0" b="0"/>
+      </a:effectRef>
+      <a:fontRef idx="minor">
+        <a:schemeClr val="lt1"/>
+      </a:fontRef>
+    </dgm:style>
+  </dgm:styleLbl>
+  <dgm:styleLbl name="lnNode1">
+    <dgm:scene3d>
+      <a:camera prst="orthographicFront"/>
+      <a:lightRig rig="threePt" dir="t"/>
+    </dgm:scene3d>
+    <dgm:sp3d/>
+    <dgm:txPr/>
+    <dgm:style>
+      <a:lnRef idx="2">
+        <a:scrgbClr r="0" g="0" b="0"/>
+      </a:lnRef>
+      <a:fillRef idx="1">
+        <a:scrgbClr r="0" g="0" b="0"/>
+      </a:fillRef>
+      <a:effectRef idx="0">
+        <a:scrgbClr r="0" g="0" b="0"/>
+      </a:effectRef>
+      <a:fontRef idx="minor">
+        <a:schemeClr val="lt1"/>
+      </a:fontRef>
+    </dgm:style>
+  </dgm:styleLbl>
+  <dgm:styleLbl name="vennNode1">
+    <dgm:scene3d>
+      <a:camera prst="orthographicFront"/>
+      <a:lightRig rig="threePt" dir="t"/>
+    </dgm:scene3d>
+    <dgm:sp3d/>
+    <dgm:txPr/>
+    <dgm:style>
+      <a:lnRef idx="2">
+        <a:scrgbClr r="0" g="0" b="0"/>
+      </a:lnRef>
+      <a:fillRef idx="1">
+        <a:scrgbClr r="0" g="0" b="0"/>
+      </a:fillRef>
+      <a:effectRef idx="0">
+        <a:scrgbClr r="0" g="0" b="0"/>
+      </a:effectRef>
+      <a:fontRef idx="minor">
+        <a:schemeClr val="tx1"/>
+      </a:fontRef>
+    </dgm:style>
+  </dgm:styleLbl>
+  <dgm:styleLbl name="alignNode1">
+    <dgm:scene3d>
+      <a:camera prst="orthographicFront"/>
+      <a:lightRig rig="threePt" dir="t"/>
+    </dgm:scene3d>
+    <dgm:sp3d/>
+    <dgm:txPr/>
+    <dgm:style>
+      <a:lnRef idx="2">
+        <a:scrgbClr r="0" g="0" b="0"/>
+      </a:lnRef>
+      <a:fillRef idx="1">
+        <a:scrgbClr r="0" g="0" b="0"/>
+      </a:fillRef>
+      <a:effectRef idx="0">
+        <a:scrgbClr r="0" g="0" b="0"/>
+      </a:effectRef>
+      <a:fontRef idx="minor">
+        <a:schemeClr val="lt1"/>
+      </a:fontRef>
+    </dgm:style>
+  </dgm:styleLbl>
+  <dgm:styleLbl name="node1">
+    <dgm:scene3d>
+      <a:camera prst="orthographicFront"/>
+      <a:lightRig rig="threePt" dir="t"/>
+    </dgm:scene3d>
+    <dgm:sp3d/>
+    <dgm:txPr/>
+    <dgm:style>
+      <a:lnRef idx="2">
+        <a:scrgbClr r="0" g="0" b="0"/>
+      </a:lnRef>
+      <a:fillRef idx="1">
+        <a:scrgbClr r="0" g="0" b="0"/>
+      </a:fillRef>
+      <a:effectRef idx="0">
+        <a:scrgbClr r="0" g="0" b="0"/>
+      </a:effectRef>
+      <a:fontRef idx="minor">
+        <a:schemeClr val="lt1"/>
+      </a:fontRef>
+    </dgm:style>
+  </dgm:styleLbl>
+  <dgm:styleLbl name="node2">
+    <dgm:scene3d>
+      <a:camera prst="orthographicFront"/>
+      <a:lightRig rig="threePt" dir="t"/>
+    </dgm:scene3d>
+    <dgm:sp3d/>
+    <dgm:txPr/>
+    <dgm:style>
+      <a:lnRef idx="2">
+        <a:scrgbClr r="0" g="0" b="0"/>
+      </a:lnRef>
+      <a:fillRef idx="1">
+        <a:scrgbClr r="0" g="0" b="0"/>
+      </a:fillRef>
+      <a:effectRef idx="0">
+        <a:scrgbClr r="0" g="0" b="0"/>
+      </a:effectRef>
+      <a:fontRef idx="minor">
+        <a:schemeClr val="lt1"/>
+      </a:fontRef>
+    </dgm:style>
+  </dgm:styleLbl>
+  <dgm:styleLbl name="node3">
+    <dgm:scene3d>
+      <a:camera prst="orthographicFront"/>
+      <a:lightRig rig="threePt" dir="t"/>
+    </dgm:scene3d>
+    <dgm:sp3d/>
+    <dgm:txPr/>
+    <dgm:style>
+      <a:lnRef idx="2">
+        <a:scrgbClr r="0" g="0" b="0"/>
+      </a:lnRef>
+      <a:fillRef idx="1">
+        <a:scrgbClr r="0" g="0" b="0"/>
+      </a:fillRef>
+      <a:effectRef idx="0">
+        <a:scrgbClr r="0" g="0" b="0"/>
+      </a:effectRef>
+      <a:fontRef idx="minor">
+        <a:schemeClr val="lt1"/>
+      </a:fontRef>
+    </dgm:style>
+  </dgm:styleLbl>
+  <dgm:styleLbl name="node4">
+    <dgm:scene3d>
+      <a:camera prst="orthographicFront"/>
+      <a:lightRig rig="threePt" dir="t"/>
+    </dgm:scene3d>
+    <dgm:sp3d/>
+    <dgm:txPr/>
+    <dgm:style>
+      <a:lnRef idx="2">
+        <a:scrgbClr r="0" g="0" b="0"/>
+      </a:lnRef>
+      <a:fillRef idx="1">
+        <a:scrgbClr r="0" g="0" b="0"/>
+      </a:fillRef>
+      <a:effectRef idx="0">
+        <a:scrgbClr r="0" g="0" b="0"/>
+      </a:effectRef>
+      <a:fontRef idx="minor">
+        <a:schemeClr val="lt1"/>
+      </a:fontRef>
+    </dgm:style>
+  </dgm:styleLbl>
+  <dgm:styleLbl name="fgImgPlace1">
+    <dgm:scene3d>
+      <a:camera prst="orthographicFront"/>
+      <a:lightRig rig="threePt" dir="t"/>
+    </dgm:scene3d>
+    <dgm:sp3d/>
+    <dgm:txPr/>
+    <dgm:style>
+      <a:lnRef idx="2">
+        <a:scrgbClr r="0" g="0" b="0"/>
+      </a:lnRef>
+      <a:fillRef idx="1">
+        <a:scrgbClr r="0" g="0" b="0"/>
+      </a:fillRef>
+      <a:effectRef idx="0">
+        <a:scrgbClr r="0" g="0" b="0"/>
+      </a:effectRef>
+      <a:fontRef idx="minor"/>
+    </dgm:style>
+  </dgm:styleLbl>
+  <dgm:styleLbl name="alignImgPlace1">
+    <dgm:scene3d>
+      <a:camera prst="orthographicFront"/>
+      <a:lightRig rig="threePt" dir="t"/>
+    </dgm:scene3d>
+    <dgm:sp3d/>
+    <dgm:txPr/>
+    <dgm:style>
+      <a:lnRef idx="2">
+        <a:scrgbClr r="0" g="0" b="0"/>
+      </a:lnRef>
+      <a:fillRef idx="1">
+        <a:scrgbClr r="0" g="0" b="0"/>
+      </a:fillRef>
+      <a:effectRef idx="0">
+        <a:scrgbClr r="0" g="0" b="0"/>
+      </a:effectRef>
+      <a:fontRef idx="minor"/>
+    </dgm:style>
+  </dgm:styleLbl>
+  <dgm:styleLbl name="bgImgPlace1">
+    <dgm:scene3d>
+      <a:camera prst="orthographicFront"/>
+      <a:lightRig rig="threePt" dir="t"/>
+    </dgm:scene3d>
+    <dgm:sp3d/>
+    <dgm:txPr/>
+    <dgm:style>
+      <a:lnRef idx="2">
+        <a:scrgbClr r="0" g="0" b="0"/>
+      </a:lnRef>
+      <a:fillRef idx="1">
+        <a:scrgbClr r="0" g="0" b="0"/>
+      </a:fillRef>
+      <a:effectRef idx="0">
+        <a:scrgbClr r="0" g="0" b="0"/>
+      </a:effectRef>
+      <a:fontRef idx="minor"/>
+    </dgm:style>
+  </dgm:styleLbl>
+  <dgm:styleLbl name="sibTrans2D1">
+    <dgm:scene3d>
+      <a:camera prst="orthographicFront"/>
+      <a:lightRig rig="threePt" dir="t"/>
+    </dgm:scene3d>
+    <dgm:sp3d/>
+    <dgm:txPr/>
+    <dgm:style>
+      <a:lnRef idx="0">
+        <a:scrgbClr r="0" g="0" b="0"/>
+      </a:lnRef>
+      <a:fillRef idx="1">
+        <a:scrgbClr r="0" g="0" b="0"/>
+      </a:fillRef>
+      <a:effectRef idx="0">
+        <a:scrgbClr r="0" g="0" b="0"/>
+      </a:effectRef>
+      <a:fontRef idx="minor">
+        <a:schemeClr val="lt1"/>
+      </a:fontRef>
+    </dgm:style>
+  </dgm:styleLbl>
+  <dgm:styleLbl name="fgSibTrans2D1">
+    <dgm:scene3d>
+      <a:camera prst="orthographicFront"/>
+      <a:lightRig rig="threePt" dir="t"/>
+    </dgm:scene3d>
+    <dgm:sp3d/>
+    <dgm:txPr/>
+    <dgm:style>
+      <a:lnRef idx="0">
+        <a:scrgbClr r="0" g="0" b="0"/>
+      </a:lnRef>
+      <a:fillRef idx="1">
+        <a:scrgbClr r="0" g="0" b="0"/>
+      </a:fillRef>
+      <a:effectRef idx="0">
+        <a:scrgbClr r="0" g="0" b="0"/>
+      </a:effectRef>
+      <a:fontRef idx="minor">
+        <a:schemeClr val="lt1"/>
+      </a:fontRef>
+    </dgm:style>
+  </dgm:styleLbl>
+  <dgm:styleLbl name="bgSibTrans2D1">
+    <dgm:scene3d>
+      <a:camera prst="orthographicFront"/>
+      <a:lightRig rig="threePt" dir="t"/>
+    </dgm:scene3d>
+    <dgm:sp3d/>
+    <dgm:txPr/>
+    <dgm:style>
+      <a:lnRef idx="0">
+        <a:scrgbClr r="0" g="0" b="0"/>
+      </a:lnRef>
+      <a:fillRef idx="1">
+        <a:scrgbClr r="0" g="0" b="0"/>
+      </a:fillRef>
+      <a:effectRef idx="0">
+        <a:scrgbClr r="0" g="0" b="0"/>
+      </a:effectRef>
+      <a:fontRef idx="minor">
+        <a:schemeClr val="lt1"/>
+      </a:fontRef>
+    </dgm:style>
+  </dgm:styleLbl>
+  <dgm:styleLbl name="sibTrans1D1">
+    <dgm:scene3d>
+      <a:camera prst="orthographicFront"/>
+      <a:lightRig rig="threePt" dir="t"/>
+    </dgm:scene3d>
+    <dgm:sp3d/>
+    <dgm:txPr/>
+    <dgm:style>
+      <a:lnRef idx="1">
+        <a:scrgbClr r="0" g="0" b="0"/>
+      </a:lnRef>
+      <a:fillRef idx="0">
+        <a:scrgbClr r="0" g="0" b="0"/>
+      </a:fillRef>
+      <a:effectRef idx="0">
+        <a:scrgbClr r="0" g="0" b="0"/>
+      </a:effectRef>
+      <a:fontRef idx="minor"/>
+    </dgm:style>
+  </dgm:styleLbl>
+  <dgm:styleLbl name="callout">
+    <dgm:scene3d>
+      <a:camera prst="orthographicFront"/>
+      <a:lightRig rig="threePt" dir="t"/>
+    </dgm:scene3d>
+    <dgm:sp3d/>
+    <dgm:txPr/>
+    <dgm:style>
+      <a:lnRef idx="2">
+        <a:scrgbClr r="0" g="0" b="0"/>
+      </a:lnRef>
+      <a:fillRef idx="1">
+        <a:scrgbClr r="0" g="0" b="0"/>
+      </a:fillRef>
+      <a:effectRef idx="0">
+        <a:scrgbClr r="0" g="0" b="0"/>
+      </a:effectRef>
+      <a:fontRef idx="minor"/>
+    </dgm:style>
+  </dgm:styleLbl>
+  <dgm:styleLbl name="asst0">
+    <dgm:scene3d>
+      <a:camera prst="orthographicFront"/>
+      <a:lightRig rig="threePt" dir="t"/>
+    </dgm:scene3d>
+    <dgm:sp3d/>
+    <dgm:txPr/>
+    <dgm:style>
+      <a:lnRef idx="2">
+        <a:scrgbClr r="0" g="0" b="0"/>
+      </a:lnRef>
+      <a:fillRef idx="1">
+        <a:scrgbClr r="0" g="0" b="0"/>
+      </a:fillRef>
+      <a:effectRef idx="0">
+        <a:scrgbClr r="0" g="0" b="0"/>
+      </a:effectRef>
+      <a:fontRef idx="minor">
+        <a:schemeClr val="lt1"/>
+      </a:fontRef>
+    </dgm:style>
+  </dgm:styleLbl>
+  <dgm:styleLbl name="asst1">
+    <dgm:scene3d>
+      <a:camera prst="orthographicFront"/>
+      <a:lightRig rig="threePt" dir="t"/>
+    </dgm:scene3d>
+    <dgm:sp3d/>
+    <dgm:txPr/>
+    <dgm:style>
+      <a:lnRef idx="2">
+        <a:scrgbClr r="0" g="0" b="0"/>
+      </a:lnRef>
+      <a:fillRef idx="1">
+        <a:scrgbClr r="0" g="0" b="0"/>
+      </a:fillRef>
+      <a:effectRef idx="0">
+        <a:scrgbClr r="0" g="0" b="0"/>
+      </a:effectRef>
+      <a:fontRef idx="minor">
+        <a:schemeClr val="lt1"/>
+      </a:fontRef>
+    </dgm:style>
+  </dgm:styleLbl>
+  <dgm:styleLbl name="asst2">
+    <dgm:scene3d>
+      <a:camera prst="orthographicFront"/>
+      <a:lightRig rig="threePt" dir="t"/>
+    </dgm:scene3d>
+    <dgm:sp3d/>
+    <dgm:txPr/>
+    <dgm:style>
+      <a:lnRef idx="2">
+        <a:scrgbClr r="0" g="0" b="0"/>
+      </a:lnRef>
+      <a:fillRef idx="1">
+        <a:scrgbClr r="0" g="0" b="0"/>
+      </a:fillRef>
+      <a:effectRef idx="0">
+        <a:scrgbClr r="0" g="0" b="0"/>
+      </a:effectRef>
+      <a:fontRef idx="minor">
+        <a:schemeClr val="lt1"/>
+      </a:fontRef>
+    </dgm:style>
+  </dgm:styleLbl>
+  <dgm:styleLbl name="asst3">
+    <dgm:scene3d>
+      <a:camera prst="orthographicFront"/>
+      <a:lightRig rig="threePt" dir="t"/>
+    </dgm:scene3d>
+    <dgm:sp3d/>
+    <dgm:txPr/>
+    <dgm:style>
+      <a:lnRef idx="2">
+        <a:scrgbClr r="0" g="0" b="0"/>
+      </a:lnRef>
+      <a:fillRef idx="1">
+        <a:scrgbClr r="0" g="0" b="0"/>
+      </a:fillRef>
+      <a:effectRef idx="0">
+        <a:scrgbClr r="0" g="0" b="0"/>
+      </a:effectRef>
+      <a:fontRef idx="minor">
+        <a:schemeClr val="lt1"/>
+      </a:fontRef>
+    </dgm:style>
+  </dgm:styleLbl>
+  <dgm:styleLbl name="asst4">
+    <dgm:scene3d>
+      <a:camera prst="orthographicFront"/>
+      <a:lightRig rig="threePt" dir="t"/>
+    </dgm:scene3d>
+    <dgm:sp3d/>
+    <dgm:txPr/>
+    <dgm:style>
+      <a:lnRef idx="2">
+        <a:scrgbClr r="0" g="0" b="0"/>
+      </a:lnRef>
+      <a:fillRef idx="1">
+        <a:scrgbClr r="0" g="0" b="0"/>
+      </a:fillRef>
+      <a:effectRef idx="0">
+        <a:scrgbClr r="0" g="0" b="0"/>
+      </a:effectRef>
+      <a:fontRef idx="minor">
+        <a:schemeClr val="lt1"/>
+      </a:fontRef>
+    </dgm:style>
+  </dgm:styleLbl>
+  <dgm:styleLbl name="parChTrans2D1">
+    <dgm:scene3d>
+      <a:camera prst="orthographicFront"/>
+      <a:lightRig rig="threePt" dir="t"/>
+    </dgm:scene3d>
+    <dgm:sp3d/>
+    <dgm:txPr/>
+    <dgm:style>
+      <a:lnRef idx="2">
+        <a:scrgbClr r="0" g="0" b="0"/>
+      </a:lnRef>
+      <a:fillRef idx="1">
+        <a:scrgbClr r="0" g="0" b="0"/>
+      </a:fillRef>
+      <a:effectRef idx="0">
+        <a:scrgbClr r="0" g="0" b="0"/>
+      </a:effectRef>
+      <a:fontRef idx="minor">
+        <a:schemeClr val="lt1"/>
+      </a:fontRef>
+    </dgm:style>
+  </dgm:styleLbl>
+  <dgm:styleLbl name="parChTrans2D2">
+    <dgm:scene3d>
+      <a:camera prst="orthographicFront"/>
+      <a:lightRig rig="threePt" dir="t"/>
+    </dgm:scene3d>
+    <dgm:sp3d/>
+    <dgm:txPr/>
+    <dgm:style>
+      <a:lnRef idx="2">
+        <a:scrgbClr r="0" g="0" b="0"/>
+      </a:lnRef>
+      <a:fillRef idx="1">
+        <a:scrgbClr r="0" g="0" b="0"/>
+      </a:fillRef>
+      <a:effectRef idx="0">
+        <a:scrgbClr r="0" g="0" b="0"/>
+      </a:effectRef>
+      <a:fontRef idx="minor">
+        <a:schemeClr val="lt1"/>
+      </a:fontRef>
+    </dgm:style>
+  </dgm:styleLbl>
+  <dgm:styleLbl name="parChTrans2D3">
+    <dgm:scene3d>
+      <a:camera prst="orthographicFront"/>
+      <a:lightRig rig="threePt" dir="t"/>
+    </dgm:scene3d>
+    <dgm:sp3d/>
+    <dgm:txPr/>
+    <dgm:style>
+      <a:lnRef idx="2">
+        <a:scrgbClr r="0" g="0" b="0"/>
+      </a:lnRef>
+      <a:fillRef idx="1">
+        <a:scrgbClr r="0" g="0" b="0"/>
+      </a:fillRef>
+      <a:effectRef idx="0">
+        <a:scrgbClr r="0" g="0" b="0"/>
+      </a:effectRef>
+      <a:fontRef idx="minor">
+        <a:schemeClr val="lt1"/>
+      </a:fontRef>
+    </dgm:style>
+  </dgm:styleLbl>
+  <dgm:styleLbl name="parChTrans2D4">
+    <dgm:scene3d>
+      <a:camera prst="orthographicFront"/>
+      <a:lightRig rig="threePt" dir="t"/>
+    </dgm:scene3d>
+    <dgm:sp3d/>
+    <dgm:txPr/>
+    <dgm:style>
+      <a:lnRef idx="2">
+        <a:scrgbClr r="0" g="0" b="0"/>
+      </a:lnRef>
+      <a:fillRef idx="1">
+        <a:scrgbClr r="0" g="0" b="0"/>
+      </a:fillRef>
+      <a:effectRef idx="0">
+        <a:scrgbClr r="0" g="0" b="0"/>
+      </a:effectRef>
+      <a:fontRef idx="minor">
+        <a:schemeClr val="lt1"/>
+      </a:fontRef>
+    </dgm:style>
+  </dgm:styleLbl>
+  <dgm:styleLbl name="parChTrans1D1">
+    <dgm:scene3d>
+      <a:camera prst="orthographicFront"/>
+      <a:lightRig rig="threePt" dir="t"/>
+    </dgm:scene3d>
+    <dgm:sp3d/>
+    <dgm:txPr/>
+    <dgm:style>
+      <a:lnRef idx="2">
+        <a:scrgbClr r="0" g="0" b="0"/>
+      </a:lnRef>
+      <a:fillRef idx="0">
+        <a:scrgbClr r="0" g="0" b="0"/>
+      </a:fillRef>
+      <a:effectRef idx="0">
+        <a:scrgbClr r="0" g="0" b="0"/>
+      </a:effectRef>
+      <a:fontRef idx="minor"/>
+    </dgm:style>
+  </dgm:styleLbl>
+  <dgm:styleLbl name="parChTrans1D2">
+    <dgm:scene3d>
+      <a:camera prst="orthographicFront"/>
+      <a:lightRig rig="threePt" dir="t"/>
+    </dgm:scene3d>
+    <dgm:sp3d/>
+    <dgm:txPr/>
+    <dgm:style>
+      <a:lnRef idx="2">
+        <a:scrgbClr r="0" g="0" b="0"/>
+      </a:lnRef>
+      <a:fillRef idx="0">
+        <a:scrgbClr r="0" g="0" b="0"/>
+      </a:fillRef>
+      <a:effectRef idx="0">
+        <a:scrgbClr r="0" g="0" b="0"/>
+      </a:effectRef>
+      <a:fontRef idx="minor"/>
+    </dgm:style>
+  </dgm:styleLbl>
+  <dgm:styleLbl name="parChTrans1D3">
+    <dgm:scene3d>
+      <a:camera prst="orthographicFront"/>
+      <a:lightRig rig="threePt" dir="t"/>
+    </dgm:scene3d>
+    <dgm:sp3d/>
+    <dgm:txPr/>
+    <dgm:style>
+      <a:lnRef idx="2">
+        <a:scrgbClr r="0" g="0" b="0"/>
+      </a:lnRef>
+      <a:fillRef idx="0">
+        <a:scrgbClr r="0" g="0" b="0"/>
+      </a:fillRef>
+      <a:effectRef idx="0">
+        <a:scrgbClr r="0" g="0" b="0"/>
+      </a:effectRef>
+      <a:fontRef idx="minor"/>
+    </dgm:style>
+  </dgm:styleLbl>
+  <dgm:styleLbl name="parChTrans1D4">
+    <dgm:scene3d>
+      <a:camera prst="orthographicFront"/>
+      <a:lightRig rig="threePt" dir="t"/>
+    </dgm:scene3d>
+    <dgm:sp3d/>
+    <dgm:txPr/>
+    <dgm:style>
+      <a:lnRef idx="2">
+        <a:scrgbClr r="0" g="0" b="0"/>
+      </a:lnRef>
+      <a:fillRef idx="0">
+        <a:scrgbClr r="0" g="0" b="0"/>
+      </a:fillRef>
+      <a:effectRef idx="0">
+        <a:scrgbClr r="0" g="0" b="0"/>
+      </a:effectRef>
+      <a:fontRef idx="minor"/>
+    </dgm:style>
+  </dgm:styleLbl>
+  <dgm:styleLbl name="fgAcc1">
+    <dgm:scene3d>
+      <a:camera prst="orthographicFront"/>
+      <a:lightRig rig="threePt" dir="t"/>
+    </dgm:scene3d>
+    <dgm:sp3d/>
+    <dgm:txPr/>
+    <dgm:style>
+      <a:lnRef idx="2">
+        <a:scrgbClr r="0" g="0" b="0"/>
+      </a:lnRef>
+      <a:fillRef idx="1">
+        <a:scrgbClr r="0" g="0" b="0"/>
+      </a:fillRef>
+      <a:effectRef idx="0">
+        <a:scrgbClr r="0" g="0" b="0"/>
+      </a:effectRef>
+      <a:fontRef idx="minor"/>
+    </dgm:style>
+  </dgm:styleLbl>
+  <dgm:styleLbl name="conFgAcc1">
+    <dgm:scene3d>
+      <a:camera prst="orthographicFront"/>
+      <a:lightRig rig="threePt" dir="t"/>
+    </dgm:scene3d>
+    <dgm:sp3d/>
+    <dgm:txPr/>
+    <dgm:style>
+      <a:lnRef idx="2">
+        <a:scrgbClr r="0" g="0" b="0"/>
+      </a:lnRef>
+      <a:fillRef idx="1">
+        <a:scrgbClr r="0" g="0" b="0"/>
+      </a:fillRef>
+      <a:effectRef idx="0">
+        <a:scrgbClr r="0" g="0" b="0"/>
+      </a:effectRef>
+      <a:fontRef idx="minor"/>
+    </dgm:style>
+  </dgm:styleLbl>
+  <dgm:styleLbl name="alignAcc1">
+    <dgm:scene3d>
+      <a:camera prst="orthographicFront"/>
+      <a:lightRig rig="threePt" dir="t"/>
+    </dgm:scene3d>
+    <dgm:sp3d/>
+    <dgm:txPr/>
+    <dgm:style>
+      <a:lnRef idx="2">
+        <a:scrgbClr r="0" g="0" b="0"/>
+      </a:lnRef>
+      <a:fillRef idx="1">
+        <a:scrgbClr r="0" g="0" b="0"/>
+      </a:fillRef>
+      <a:effectRef idx="0">
+        <a:scrgbClr r="0" g="0" b="0"/>
+      </a:effectRef>
+      <a:fontRef idx="minor"/>
+    </dgm:style>
+  </dgm:styleLbl>
+  <dgm:styleLbl name="trAlignAcc1">
+    <dgm:scene3d>
+      <a:camera prst="orthographicFront"/>
+      <a:lightRig rig="threePt" dir="t"/>
+    </dgm:scene3d>
+    <dgm:sp3d/>
+    <dgm:txPr/>
+    <dgm:style>
+      <a:lnRef idx="1">
+        <a:scrgbClr r="0" g="0" b="0"/>
+      </a:lnRef>
+      <a:fillRef idx="1">
+        <a:scrgbClr r="0" g="0" b="0"/>
+      </a:fillRef>
+      <a:effectRef idx="0">
+        <a:scrgbClr r="0" g="0" b="0"/>
+      </a:effectRef>
+      <a:fontRef idx="minor"/>
+    </dgm:style>
+  </dgm:styleLbl>
+  <dgm:styleLbl name="bgAcc1">
+    <dgm:scene3d>
+      <a:camera prst="orthographicFront"/>
+      <a:lightRig rig="threePt" dir="t"/>
+    </dgm:scene3d>
+    <dgm:sp3d/>
+    <dgm:txPr/>
+    <dgm:style>
+      <a:lnRef idx="2">
+        <a:scrgbClr r="0" g="0" b="0"/>
+      </a:lnRef>
+      <a:fillRef idx="1">
+        <a:scrgbClr r="0" g="0" b="0"/>
+      </a:fillRef>
+      <a:effectRef idx="0">
+        <a:scrgbClr r="0" g="0" b="0"/>
+      </a:effectRef>
+      <a:fontRef idx="minor"/>
+    </dgm:style>
+  </dgm:styleLbl>
+  <dgm:styleLbl name="solidFgAcc1">
+    <dgm:scene3d>
+      <a:camera prst="orthographicFront"/>
+      <a:lightRig rig="threePt" dir="t"/>
+    </dgm:scene3d>
+    <dgm:sp3d/>
+    <dgm:txPr/>
+    <dgm:style>
+      <a:lnRef idx="2">
+        <a:scrgbClr r="0" g="0" b="0"/>
+      </a:lnRef>
+      <a:fillRef idx="1">
+        <a:scrgbClr r="0" g="0" b="0"/>
+      </a:fillRef>
+      <a:effectRef idx="0">
+        <a:scrgbClr r="0" g="0" b="0"/>
+      </a:effectRef>
+      <a:fontRef idx="minor"/>
+    </dgm:style>
+  </dgm:styleLbl>
+  <dgm:styleLbl name="solidAlignAcc1">
+    <dgm:scene3d>
+      <a:camera prst="orthographicFront"/>
+      <a:lightRig rig="threePt" dir="t"/>
+    </dgm:scene3d>
+    <dgm:sp3d/>
+    <dgm:txPr/>
+    <dgm:style>
+      <a:lnRef idx="2">
+        <a:scrgbClr r="0" g="0" b="0"/>
+      </a:lnRef>
+      <a:fillRef idx="1">
+        <a:scrgbClr r="0" g="0" b="0"/>
+      </a:fillRef>
+      <a:effectRef idx="0">
+        <a:scrgbClr r="0" g="0" b="0"/>
+      </a:effectRef>
+      <a:fontRef idx="minor"/>
+    </dgm:style>
+  </dgm:styleLbl>
+  <dgm:styleLbl name="solidBgAcc1">
+    <dgm:scene3d>
+      <a:camera prst="orthographicFront"/>
+      <a:lightRig rig="threePt" dir="t"/>
+    </dgm:scene3d>
+    <dgm:sp3d/>
+    <dgm:txPr/>
+    <dgm:style>
+      <a:lnRef idx="2">
+        <a:scrgbClr r="0" g="0" b="0"/>
+      </a:lnRef>
+      <a:fillRef idx="1">
+        <a:scrgbClr r="0" g="0" b="0"/>
+      </a:fillRef>
+      <a:effectRef idx="0">
+        <a:scrgbClr r="0" g="0" b="0"/>
+      </a:effectRef>
+      <a:fontRef idx="minor"/>
+    </dgm:style>
+  </dgm:styleLbl>
+  <dgm:styleLbl name="fgAccFollowNode1">
+    <dgm:scene3d>
+      <a:camera prst="orthographicFront"/>
+      <a:lightRig rig="threePt" dir="t"/>
+    </dgm:scene3d>
+    <dgm:sp3d/>
+    <dgm:txPr/>
+    <dgm:style>
+      <a:lnRef idx="2">
+        <a:scrgbClr r="0" g="0" b="0"/>
+      </a:lnRef>
+      <a:fillRef idx="1">
+        <a:scrgbClr r="0" g="0" b="0"/>
+      </a:fillRef>
+      <a:effectRef idx="0">
+        <a:scrgbClr r="0" g="0" b="0"/>
+      </a:effectRef>
+      <a:fontRef idx="minor"/>
+    </dgm:style>
+  </dgm:styleLbl>
+  <dgm:styleLbl name="alignAccFollowNode1">
+    <dgm:scene3d>
+      <a:camera prst="orthographicFront"/>
+      <a:lightRig rig="threePt" dir="t"/>
+    </dgm:scene3d>
+    <dgm:sp3d/>
+    <dgm:txPr/>
+    <dgm:style>
+      <a:lnRef idx="2">
+        <a:scrgbClr r="0" g="0" b="0"/>
+      </a:lnRef>
+      <a:fillRef idx="1">
+        <a:scrgbClr r="0" g="0" b="0"/>
+      </a:fillRef>
+      <a:effectRef idx="0">
+        <a:scrgbClr r="0" g="0" b="0"/>
+      </a:effectRef>
+      <a:fontRef idx="minor"/>
+    </dgm:style>
+  </dgm:styleLbl>
+  <dgm:styleLbl name="bgAccFollowNode1">
+    <dgm:scene3d>
+      <a:camera prst="orthographicFront"/>
+      <a:lightRig rig="threePt" dir="t"/>
+    </dgm:scene3d>
+    <dgm:sp3d/>
+    <dgm:txPr/>
+    <dgm:style>
+      <a:lnRef idx="2">
+        <a:scrgbClr r="0" g="0" b="0"/>
+      </a:lnRef>
+      <a:fillRef idx="1">
+        <a:scrgbClr r="0" g="0" b="0"/>
+      </a:fillRef>
+      <a:effectRef idx="0">
+        <a:scrgbClr r="0" g="0" b="0"/>
+      </a:effectRef>
+      <a:fontRef idx="minor"/>
+    </dgm:style>
+  </dgm:styleLbl>
+  <dgm:styleLbl name="fgAcc0">
+    <dgm:scene3d>
+      <a:camera prst="orthographicFront"/>
+      <a:lightRig rig="threePt" dir="t"/>
+    </dgm:scene3d>
+    <dgm:sp3d/>
+    <dgm:txPr/>
+    <dgm:style>
+      <a:lnRef idx="2">
+        <a:scrgbClr r="0" g="0" b="0"/>
+      </a:lnRef>
+      <a:fillRef idx="1">
+        <a:scrgbClr r="0" g="0" b="0"/>
+      </a:fillRef>
+      <a:effectRef idx="0">
+        <a:scrgbClr r="0" g="0" b="0"/>
+      </a:effectRef>
+      <a:fontRef idx="minor"/>
+    </dgm:style>
+  </dgm:styleLbl>
+  <dgm:styleLbl name="fgAcc2">
+    <dgm:scene3d>
+      <a:camera prst="orthographicFront"/>
+      <a:lightRig rig="threePt" dir="t"/>
+    </dgm:scene3d>
+    <dgm:sp3d/>
+    <dgm:txPr/>
+    <dgm:style>
+      <a:lnRef idx="2">
+        <a:scrgbClr r="0" g="0" b="0"/>
+      </a:lnRef>
+      <a:fillRef idx="1">
+        <a:scrgbClr r="0" g="0" b="0"/>
+      </a:fillRef>
+      <a:effectRef idx="0">
+        <a:scrgbClr r="0" g="0" b="0"/>
+      </a:effectRef>
+      <a:fontRef idx="minor"/>
+    </dgm:style>
+  </dgm:styleLbl>
+  <dgm:styleLbl name="fgAcc3">
+    <dgm:scene3d>
+      <a:camera prst="orthographicFront"/>
+      <a:lightRig rig="threePt" dir="t"/>
+    </dgm:scene3d>
+    <dgm:sp3d/>
+    <dgm:txPr/>
+    <dgm:style>
+      <a:lnRef idx="2">
+        <a:scrgbClr r="0" g="0" b="0"/>
+      </a:lnRef>
+      <a:fillRef idx="1">
+        <a:scrgbClr r="0" g="0" b="0"/>
+      </a:fillRef>
+      <a:effectRef idx="0">
+        <a:scrgbClr r="0" g="0" b="0"/>
+      </a:effectRef>
+      <a:fontRef idx="minor"/>
+    </dgm:style>
+  </dgm:styleLbl>
+  <dgm:styleLbl name="fgAcc4">
+    <dgm:scene3d>
+      <a:camera prst="orthographicFront"/>
+      <a:lightRig rig="threePt" dir="t"/>
+    </dgm:scene3d>
+    <dgm:sp3d/>
+    <dgm:txPr/>
+    <dgm:style>
+      <a:lnRef idx="2">
+        <a:scrgbClr r="0" g="0" b="0"/>
+      </a:lnRef>
+      <a:fillRef idx="1">
+        <a:scrgbClr r="0" g="0" b="0"/>
+      </a:fillRef>
+      <a:effectRef idx="0">
+        <a:scrgbClr r="0" g="0" b="0"/>
+      </a:effectRef>
+      <a:fontRef idx="minor"/>
+    </dgm:style>
+  </dgm:styleLbl>
+  <dgm:styleLbl name="bgShp">
+    <dgm:scene3d>
+      <a:camera prst="orthographicFront"/>
+      <a:lightRig rig="threePt" dir="t"/>
+    </dgm:scene3d>
+    <dgm:sp3d/>
+    <dgm:txPr/>
+    <dgm:style>
+      <a:lnRef idx="0">
+        <a:scrgbClr r="0" g="0" b="0"/>
+      </a:lnRef>
+      <a:fillRef idx="1">
+        <a:scrgbClr r="0" g="0" b="0"/>
+      </a:fillRef>
+      <a:effectRef idx="0">
+        <a:scrgbClr r="0" g="0" b="0"/>
+      </a:effectRef>
+      <a:fontRef idx="minor"/>
+    </dgm:style>
+  </dgm:styleLbl>
+  <dgm:styleLbl name="dkBgShp">
+    <dgm:scene3d>
+      <a:camera prst="orthographicFront"/>
+      <a:lightRig rig="threePt" dir="t"/>
+    </dgm:scene3d>
+    <dgm:sp3d/>
+    <dgm:txPr/>
+    <dgm:style>
+      <a:lnRef idx="0">
+        <a:scrgbClr r="0" g="0" b="0"/>
+      </a:lnRef>
+      <a:fillRef idx="1">
+        <a:scrgbClr r="0" g="0" b="0"/>
+      </a:fillRef>
+      <a:effectRef idx="0">
+        <a:scrgbClr r="0" g="0" b="0"/>
+      </a:effectRef>
+      <a:fontRef idx="minor"/>
+    </dgm:style>
+  </dgm:styleLbl>
+  <dgm:styleLbl name="trBgShp">
+    <dgm:scene3d>
+      <a:camera prst="orthographicFront"/>
+      <a:lightRig rig="threePt" dir="t"/>
+    </dgm:scene3d>
+    <dgm:sp3d/>
+    <dgm:txPr/>
+    <dgm:style>
+      <a:lnRef idx="0">
+        <a:scrgbClr r="0" g="0" b="0"/>
+      </a:lnRef>
+      <a:fillRef idx="1">
+        <a:scrgbClr r="0" g="0" b="0"/>
+      </a:fillRef>
+      <a:effectRef idx="0">
+        <a:scrgbClr r="0" g="0" b="0"/>
+      </a:effectRef>
+      <a:fontRef idx="minor"/>
+    </dgm:style>
+  </dgm:styleLbl>
+  <dgm:styleLbl name="fgShp">
+    <dgm:scene3d>
+      <a:camera prst="orthographicFront"/>
+      <a:lightRig rig="threePt" dir="t"/>
+    </dgm:scene3d>
+    <dgm:sp3d/>
+    <dgm:txPr/>
+    <dgm:style>
+      <a:lnRef idx="2">
+        <a:scrgbClr r="0" g="0" b="0"/>
+      </a:lnRef>
+      <a:fillRef idx="1">
+        <a:scrgbClr r="0" g="0" b="0"/>
+      </a:fillRef>
+      <a:effectRef idx="0">
+        <a:scrgbClr r="0" g="0" b="0"/>
+      </a:effectRef>
+      <a:fontRef idx="minor"/>
+    </dgm:style>
+  </dgm:styleLbl>
+  <dgm:styleLbl name="revTx">
+    <dgm:scene3d>
+      <a:camera prst="orthographicFront"/>
+      <a:lightRig rig="threePt" dir="t"/>
+    </dgm:scene3d>
+    <dgm:sp3d/>
+    <dgm:txPr/>
+    <dgm:style>
+      <a:lnRef idx="0">
+        <a:scrgbClr r="0" g="0" b="0"/>
+      </a:lnRef>
+      <a:fillRef idx="0">
+        <a:scrgbClr r="0" g="0" b="0"/>
+      </a:fillRef>
+      <a:effectRef idx="0">
+        <a:scrgbClr r="0" g="0" b="0"/>
+      </a:effectRef>
+      <a:fontRef idx="minor"/>
+    </dgm:style>
+  </dgm:styleLbl>
+</dgm:styleDef>
+</file>
+
+<file path=ppt/notesMasters/notesMaster1.xml><?xml version="1.0" encoding="utf-8"?>
+<p:notesMaster xmlns:a="http://schemas.openxmlformats.org/drawingml/2006/main" xmlns:r="http://schemas.openxmlformats.org/officeDocument/2006/relationships" xmlns:p="http://schemas.openxmlformats.org/presentationml/2006/main">
+  <p:cSld>
+    <p:bg>
+      <p:bgRef idx="1001">
+        <a:schemeClr val="bg1"/>
+      </p:bgRef>
+    </p:bg>
+    <p:spTree>
+      <p:nvGrpSpPr>
+        <p:cNvPr id="1" name=""/>
+        <p:cNvGrpSpPr/>
+        <p:nvPr/>
+      </p:nvGrpSpPr>
+      <p:grpSpPr>
+        <a:xfrm>
+          <a:off x="0" y="0"/>
+          <a:ext cx="0" cy="0"/>
+          <a:chOff x="0" y="0"/>
+          <a:chExt cx="0" cy="0"/>
+        </a:xfrm>
+      </p:grpSpPr>
+      <p:sp>
+        <p:nvSpPr>
+          <p:cNvPr id="2" name="Header Placeholder 1"/>
+          <p:cNvSpPr>
+            <a:spLocks noGrp="1"/>
+          </p:cNvSpPr>
+          <p:nvPr>
+            <p:ph type="hdr" sz="quarter"/>
+          </p:nvPr>
+        </p:nvSpPr>
+        <p:spPr>
+          <a:xfrm>
+            <a:off x="0" y="0"/>
+            <a:ext cx="2971800" cy="458788"/>
+          </a:xfrm>
+          <a:prstGeom prst="rect">
+            <a:avLst/>
+          </a:prstGeom>
+        </p:spPr>
+        <p:txBody>
+          <a:bodyPr vert="horz" lIns="91440" tIns="45720" rIns="91440" bIns="45720" rtlCol="0"/>
+          <a:lstStyle>
+            <a:lvl1pPr algn="l">
+              <a:defRPr sz="1200"/>
+            </a:lvl1pPr>
+          </a:lstStyle>
+          <a:p>
+            <a:endParaRPr lang="en-PK"/>
+          </a:p>
+        </p:txBody>
+      </p:sp>
+      <p:sp>
+        <p:nvSpPr>
+          <p:cNvPr id="3" name="Date Placeholder 2"/>
+          <p:cNvSpPr>
+            <a:spLocks noGrp="1"/>
+          </p:cNvSpPr>
+          <p:nvPr>
+            <p:ph type="dt" idx="1"/>
+          </p:nvPr>
+        </p:nvSpPr>
+        <p:spPr>
+          <a:xfrm>
+            <a:off x="3884613" y="0"/>
+            <a:ext cx="2971800" cy="458788"/>
+          </a:xfrm>
+          <a:prstGeom prst="rect">
+            <a:avLst/>
+          </a:prstGeom>
+        </p:spPr>
+        <p:txBody>
+          <a:bodyPr vert="horz" lIns="91440" tIns="45720" rIns="91440" bIns="45720" rtlCol="0"/>
+          <a:lstStyle>
+            <a:lvl1pPr algn="r">
+              <a:defRPr sz="1200"/>
+            </a:lvl1pPr>
+          </a:lstStyle>
+          <a:p>
+            <a:fld id="{94CA06C1-205D-4450-AC60-41A16321FF0A}" type="datetimeFigureOut">
+              <a:rPr lang="en-PK" smtClean="0"/>
+              <a:t>26/08/2022</a:t>
+            </a:fld>
+            <a:endParaRPr lang="en-PK"/>
+          </a:p>
+        </p:txBody>
+      </p:sp>
+      <p:sp>
+        <p:nvSpPr>
+          <p:cNvPr id="4" name="Slide Image Placeholder 3"/>
+          <p:cNvSpPr>
+            <a:spLocks noGrp="1" noRot="1" noChangeAspect="1"/>
+          </p:cNvSpPr>
+          <p:nvPr>
+            <p:ph type="sldImg" idx="2"/>
+          </p:nvPr>
+        </p:nvSpPr>
+        <p:spPr>
+          <a:xfrm>
+            <a:off x="685800" y="1143000"/>
+            <a:ext cx="5486400" cy="3086100"/>
+          </a:xfrm>
+          <a:prstGeom prst="rect">
+            <a:avLst/>
+          </a:prstGeom>
+          <a:noFill/>
+          <a:ln w="12700">
+            <a:solidFill>
+              <a:prstClr val="black"/>
+            </a:solidFill>
+          </a:ln>
+        </p:spPr>
+        <p:txBody>
+          <a:bodyPr vert="horz" lIns="91440" tIns="45720" rIns="91440" bIns="45720" rtlCol="0" anchor="ctr"/>
+          <a:lstStyle/>
+          <a:p>
+            <a:endParaRPr lang="en-PK"/>
+          </a:p>
+        </p:txBody>
+      </p:sp>
+      <p:sp>
+        <p:nvSpPr>
+          <p:cNvPr id="5" name="Notes Placeholder 4"/>
+          <p:cNvSpPr>
+            <a:spLocks noGrp="1"/>
+          </p:cNvSpPr>
+          <p:nvPr>
+            <p:ph type="body" sz="quarter" idx="3"/>
+          </p:nvPr>
+        </p:nvSpPr>
+        <p:spPr>
+          <a:xfrm>
+            <a:off x="685800" y="4400550"/>
+            <a:ext cx="5486400" cy="3600450"/>
+          </a:xfrm>
+          <a:prstGeom prst="rect">
+            <a:avLst/>
+          </a:prstGeom>
+        </p:spPr>
+        <p:txBody>
+          <a:bodyPr vert="horz" lIns="91440" tIns="45720" rIns="91440" bIns="45720" rtlCol="0"/>
+          <a:lstStyle/>
+          <a:p>
+            <a:pPr lvl="0"/>
+            <a:r>
+              <a:rPr lang="en-US"/>
+              <a:t>Click to edit Master text styles</a:t>
+            </a:r>
+          </a:p>
+          <a:p>
+            <a:pPr lvl="1"/>
+            <a:r>
+              <a:rPr lang="en-US"/>
+              <a:t>Second level</a:t>
+            </a:r>
+          </a:p>
+          <a:p>
+            <a:pPr lvl="2"/>
+            <a:r>
+              <a:rPr lang="en-US"/>
+              <a:t>Third level</a:t>
+            </a:r>
+          </a:p>
+          <a:p>
+            <a:pPr lvl="3"/>
+            <a:r>
+              <a:rPr lang="en-US"/>
+              <a:t>Fourth level</a:t>
+            </a:r>
+          </a:p>
+          <a:p>
+            <a:pPr lvl="4"/>
+            <a:r>
+              <a:rPr lang="en-US"/>
+              <a:t>Fifth level</a:t>
+            </a:r>
+            <a:endParaRPr lang="en-PK"/>
+          </a:p>
+        </p:txBody>
+      </p:sp>
+      <p:sp>
+        <p:nvSpPr>
+          <p:cNvPr id="6" name="Footer Placeholder 5"/>
+          <p:cNvSpPr>
+            <a:spLocks noGrp="1"/>
+          </p:cNvSpPr>
+          <p:nvPr>
+            <p:ph type="ftr" sz="quarter" idx="4"/>
+          </p:nvPr>
+        </p:nvSpPr>
+        <p:spPr>
+          <a:xfrm>
+            <a:off x="0" y="8685213"/>
+            <a:ext cx="2971800" cy="458787"/>
+          </a:xfrm>
+          <a:prstGeom prst="rect">
+            <a:avLst/>
+          </a:prstGeom>
+        </p:spPr>
+        <p:txBody>
+          <a:bodyPr vert="horz" lIns="91440" tIns="45720" rIns="91440" bIns="45720" rtlCol="0" anchor="b"/>
+          <a:lstStyle>
+            <a:lvl1pPr algn="l">
+              <a:defRPr sz="1200"/>
+            </a:lvl1pPr>
+          </a:lstStyle>
+          <a:p>
+            <a:endParaRPr lang="en-PK"/>
+          </a:p>
+        </p:txBody>
+      </p:sp>
+      <p:sp>
+        <p:nvSpPr>
+          <p:cNvPr id="7" name="Slide Number Placeholder 6"/>
+          <p:cNvSpPr>
+            <a:spLocks noGrp="1"/>
+          </p:cNvSpPr>
+          <p:nvPr>
+            <p:ph type="sldNum" sz="quarter" idx="5"/>
+          </p:nvPr>
+        </p:nvSpPr>
+        <p:spPr>
+          <a:xfrm>
+            <a:off x="3884613" y="8685213"/>
+            <a:ext cx="2971800" cy="458787"/>
+          </a:xfrm>
+          <a:prstGeom prst="rect">
+            <a:avLst/>
+          </a:prstGeom>
+        </p:spPr>
+        <p:txBody>
+          <a:bodyPr vert="horz" lIns="91440" tIns="45720" rIns="91440" bIns="45720" rtlCol="0" anchor="b"/>
+          <a:lstStyle>
+            <a:lvl1pPr algn="r">
+              <a:defRPr sz="1200"/>
+            </a:lvl1pPr>
+          </a:lstStyle>
+          <a:p>
+            <a:fld id="{A4CDC6FE-F0CE-46BB-9215-A6E089D50A19}" type="slidenum">
+              <a:rPr lang="en-PK" smtClean="0"/>
+              <a:t>‹#›</a:t>
+            </a:fld>
+            <a:endParaRPr lang="en-PK"/>
+          </a:p>
+        </p:txBody>
+      </p:sp>
+    </p:spTree>
+    <p:extLst>
+      <p:ext uri="{BB962C8B-B14F-4D97-AF65-F5344CB8AC3E}">
+        <p14:creationId xmlns:p14="http://schemas.microsoft.com/office/powerpoint/2010/main" val="3469337029"/>
+      </p:ext>
+    </p:extLst>
+  </p:cSld>
+  <p:clrMap bg1="lt1" tx1="dk1" bg2="lt2" tx2="dk2" accent1="accent1" accent2="accent2" accent3="accent3" accent4="accent4" accent5="accent5" accent6="accent6" hlink="hlink" folHlink="folHlink"/>
+  <p:notesStyle>
+    <a:lvl1pPr marL="0" algn="l" defTabSz="914400" rtl="0" eaLnBrk="1" latinLnBrk="0" hangingPunct="1">
+      <a:defRPr sz="1200" kern="1200">
+        <a:solidFill>
+          <a:schemeClr val="tx1"/>
+        </a:solidFill>
+        <a:latin typeface="+mn-lt"/>
+        <a:ea typeface="+mn-ea"/>
+        <a:cs typeface="+mn-cs"/>
+      </a:defRPr>
+    </a:lvl1pPr>
+    <a:lvl2pPr marL="457200" algn="l" defTabSz="914400" rtl="0" eaLnBrk="1" latinLnBrk="0" hangingPunct="1">
+      <a:defRPr sz="1200" kern="1200">
+        <a:solidFill>
+          <a:schemeClr val="tx1"/>
+        </a:solidFill>
+        <a:latin typeface="+mn-lt"/>
+        <a:ea typeface="+mn-ea"/>
+        <a:cs typeface="+mn-cs"/>
+      </a:defRPr>
+    </a:lvl2pPr>
+    <a:lvl3pPr marL="914400" algn="l" defTabSz="914400" rtl="0" eaLnBrk="1" latinLnBrk="0" hangingPunct="1">
+      <a:defRPr sz="1200" kern="1200">
+        <a:solidFill>
+          <a:schemeClr val="tx1"/>
+        </a:solidFill>
+        <a:latin typeface="+mn-lt"/>
+        <a:ea typeface="+mn-ea"/>
+        <a:cs typeface="+mn-cs"/>
+      </a:defRPr>
+    </a:lvl3pPr>
+    <a:lvl4pPr marL="1371600" algn="l" defTabSz="914400" rtl="0" eaLnBrk="1" latinLnBrk="0" hangingPunct="1">
+      <a:defRPr sz="1200" kern="1200">
+        <a:solidFill>
+          <a:schemeClr val="tx1"/>
+        </a:solidFill>
+        <a:latin typeface="+mn-lt"/>
+        <a:ea typeface="+mn-ea"/>
+        <a:cs typeface="+mn-cs"/>
+      </a:defRPr>
+    </a:lvl4pPr>
+    <a:lvl5pPr marL="1828800" algn="l" defTabSz="914400" rtl="0" eaLnBrk="1" latinLnBrk="0" hangingPunct="1">
+      <a:defRPr sz="1200" kern="1200">
+        <a:solidFill>
+          <a:schemeClr val="tx1"/>
+        </a:solidFill>
+        <a:latin typeface="+mn-lt"/>
+        <a:ea typeface="+mn-ea"/>
+        <a:cs typeface="+mn-cs"/>
+      </a:defRPr>
+    </a:lvl5pPr>
+    <a:lvl6pPr marL="2286000" algn="l" defTabSz="914400" rtl="0" eaLnBrk="1" latinLnBrk="0" hangingPunct="1">
+      <a:defRPr sz="1200" kern="1200">
+        <a:solidFill>
+          <a:schemeClr val="tx1"/>
+        </a:solidFill>
+        <a:latin typeface="+mn-lt"/>
+        <a:ea typeface="+mn-ea"/>
+        <a:cs typeface="+mn-cs"/>
+      </a:defRPr>
+    </a:lvl6pPr>
+    <a:lvl7pPr marL="2743200" algn="l" defTabSz="914400" rtl="0" eaLnBrk="1" latinLnBrk="0" hangingPunct="1">
+      <a:defRPr sz="1200" kern="1200">
+        <a:solidFill>
+          <a:schemeClr val="tx1"/>
+        </a:solidFill>
+        <a:latin typeface="+mn-lt"/>
+        <a:ea typeface="+mn-ea"/>
+        <a:cs typeface="+mn-cs"/>
+      </a:defRPr>
+    </a:lvl7pPr>
+    <a:lvl8pPr marL="3200400" algn="l" defTabSz="914400" rtl="0" eaLnBrk="1" latinLnBrk="0" hangingPunct="1">
+      <a:defRPr sz="1200" kern="1200">
+        <a:solidFill>
+          <a:schemeClr val="tx1"/>
+        </a:solidFill>
+        <a:latin typeface="+mn-lt"/>
+        <a:ea typeface="+mn-ea"/>
+        <a:cs typeface="+mn-cs"/>
+      </a:defRPr>
+    </a:lvl8pPr>
+    <a:lvl9pPr marL="3657600" algn="l" defTabSz="914400" rtl="0" eaLnBrk="1" latinLnBrk="0" hangingPunct="1">
+      <a:defRPr sz="1200" kern="1200">
+        <a:solidFill>
+          <a:schemeClr val="tx1"/>
+        </a:solidFill>
+        <a:latin typeface="+mn-lt"/>
+        <a:ea typeface="+mn-ea"/>
+        <a:cs typeface="+mn-cs"/>
+      </a:defRPr>
+    </a:lvl9pPr>
+  </p:notesStyle>
+</p:notesMaster>
+</file>
+
+<file path=ppt/notesSlides/notesSlide1.xml><?xml version="1.0" encoding="utf-8"?>
+<p:notes xmlns:a="http://schemas.openxmlformats.org/drawingml/2006/main" xmlns:r="http://schemas.openxmlformats.org/officeDocument/2006/relationships" xmlns:p="http://schemas.openxmlformats.org/presentationml/2006/main">
+  <p:cSld>
+    <p:spTree>
+      <p:nvGrpSpPr>
+        <p:cNvPr id="1" name=""/>
+        <p:cNvGrpSpPr/>
+        <p:nvPr/>
+      </p:nvGrpSpPr>
+      <p:grpSpPr>
+        <a:xfrm>
+          <a:off x="0" y="0"/>
+          <a:ext cx="0" cy="0"/>
+          <a:chOff x="0" y="0"/>
+          <a:chExt cx="0" cy="0"/>
+        </a:xfrm>
+      </p:grpSpPr>
+      <p:sp>
+        <p:nvSpPr>
+          <p:cNvPr id="2" name="Slide Image Placeholder 1"/>
+          <p:cNvSpPr>
+            <a:spLocks noGrp="1" noRot="1" noChangeAspect="1"/>
+          </p:cNvSpPr>
+          <p:nvPr>
+            <p:ph type="sldImg"/>
+          </p:nvPr>
+        </p:nvSpPr>
+        <p:spPr/>
+      </p:sp>
+      <p:sp>
+        <p:nvSpPr>
+          <p:cNvPr id="3" name="Notes Placeholder 2"/>
+          <p:cNvSpPr>
+            <a:spLocks noGrp="1"/>
+          </p:cNvSpPr>
+          <p:nvPr>
+            <p:ph type="body" idx="1"/>
+          </p:nvPr>
+        </p:nvSpPr>
+        <p:spPr/>
+        <p:txBody>
+          <a:bodyPr/>
+          <a:lstStyle/>
+          <a:p>
+            <a:r>
+              <a:rPr lang="en-US" dirty="0"/>
+              <a:t>This is the first part of lecture 1. in this part we will install software required to run python program. You can use any software to write and run the code, however, in these lectures we will use </a:t>
+            </a:r>
+            <a:r>
+              <a:rPr lang="en-US" dirty="0" err="1"/>
+              <a:t>pycharm</a:t>
+            </a:r>
+            <a:r>
+              <a:rPr lang="en-US" dirty="0"/>
+              <a:t>. Python code require an editor for documenting the code, whereas python interpreter is required to run the code. So let us launch our machine to install the required software.</a:t>
+            </a:r>
+          </a:p>
+          <a:p>
+            <a:endParaRPr lang="en-PK" dirty="0"/>
+          </a:p>
+        </p:txBody>
+      </p:sp>
+      <p:sp>
+        <p:nvSpPr>
+          <p:cNvPr id="4" name="Slide Number Placeholder 3"/>
+          <p:cNvSpPr>
+            <a:spLocks noGrp="1"/>
+          </p:cNvSpPr>
+          <p:nvPr>
+            <p:ph type="sldNum" sz="quarter" idx="5"/>
+          </p:nvPr>
+        </p:nvSpPr>
+        <p:spPr/>
+        <p:txBody>
+          <a:bodyPr/>
+          <a:lstStyle/>
+          <a:p>
+            <a:fld id="{A4CDC6FE-F0CE-46BB-9215-A6E089D50A19}" type="slidenum">
+              <a:rPr lang="en-PK" smtClean="0"/>
+              <a:t>3</a:t>
+            </a:fld>
+            <a:endParaRPr lang="en-PK"/>
+          </a:p>
+        </p:txBody>
+      </p:sp>
+    </p:spTree>
+    <p:extLst>
+      <p:ext uri="{BB962C8B-B14F-4D97-AF65-F5344CB8AC3E}">
+        <p14:creationId xmlns:p14="http://schemas.microsoft.com/office/powerpoint/2010/main" val="3078890688"/>
+      </p:ext>
+    </p:extLst>
+  </p:cSld>
+  <p:clrMapOvr>
+    <a:masterClrMapping/>
+  </p:clrMapOvr>
+</p:notes>
+</file>
+
 <file path=ppt/slideLayouts/slideLayout1.xml><?xml version="1.0" encoding="utf-8"?>
 <p:sldLayout xmlns:a="http://schemas.openxmlformats.org/drawingml/2006/main" xmlns:r="http://schemas.openxmlformats.org/officeDocument/2006/relationships" xmlns:p="http://schemas.openxmlformats.org/presentationml/2006/main" showMasterSp="0" type="title" preserve="1">
   <p:cSld name="Title Slide">
@@ -3502,7 +6525,7 @@
             <a:fld id="{B61BEF0D-F0BB-DE4B-95CE-6DB70DBA9567}" type="datetimeFigureOut">
               <a:rPr lang="en-US" dirty="0"/>
               <a:pPr/>
-              <a:t>8/22/2022</a:t>
+              <a:t>8/26/2022</a:t>
             </a:fld>
             <a:endParaRPr lang="en-US" dirty="0"/>
           </a:p>
@@ -3823,7 +6846,7 @@
             <a:fld id="{B61BEF0D-F0BB-DE4B-95CE-6DB70DBA9567}" type="datetimeFigureOut">
               <a:rPr lang="en-US" dirty="0"/>
               <a:pPr/>
-              <a:t>8/22/2022</a:t>
+              <a:t>8/26/2022</a:t>
             </a:fld>
             <a:endParaRPr lang="en-US" dirty="0"/>
           </a:p>
@@ -4068,7 +7091,7 @@
             <a:fld id="{B61BEF0D-F0BB-DE4B-95CE-6DB70DBA9567}" type="datetimeFigureOut">
               <a:rPr lang="en-US" dirty="0"/>
               <a:pPr/>
-              <a:t>8/22/2022</a:t>
+              <a:t>8/26/2022</a:t>
             </a:fld>
             <a:endParaRPr lang="en-US" dirty="0"/>
           </a:p>
@@ -4404,7 +7427,7 @@
             <a:fld id="{B61BEF0D-F0BB-DE4B-95CE-6DB70DBA9567}" type="datetimeFigureOut">
               <a:rPr lang="en-US" dirty="0"/>
               <a:pPr/>
-              <a:t>8/22/2022</a:t>
+              <a:t>8/26/2022</a:t>
             </a:fld>
             <a:endParaRPr lang="en-US" dirty="0"/>
           </a:p>
@@ -4748,7 +7771,7 @@
             <a:fld id="{B61BEF0D-F0BB-DE4B-95CE-6DB70DBA9567}" type="datetimeFigureOut">
               <a:rPr lang="en-US" dirty="0"/>
               <a:pPr/>
-              <a:t>8/22/2022</a:t>
+              <a:t>8/26/2022</a:t>
             </a:fld>
             <a:endParaRPr lang="en-US" dirty="0"/>
           </a:p>
@@ -5119,7 +8142,7 @@
             <a:fld id="{B61BEF0D-F0BB-DE4B-95CE-6DB70DBA9567}" type="datetimeFigureOut">
               <a:rPr lang="en-US" dirty="0"/>
               <a:pPr/>
-              <a:t>8/22/2022</a:t>
+              <a:t>8/26/2022</a:t>
             </a:fld>
             <a:endParaRPr lang="en-US" dirty="0"/>
           </a:p>
@@ -5586,7 +8609,7 @@
             <a:fld id="{B61BEF0D-F0BB-DE4B-95CE-6DB70DBA9567}" type="datetimeFigureOut">
               <a:rPr lang="en-US" dirty="0"/>
               <a:pPr/>
-              <a:t>8/22/2022</a:t>
+              <a:t>8/26/2022</a:t>
             </a:fld>
             <a:endParaRPr lang="en-US" dirty="0"/>
           </a:p>
@@ -5788,7 +8811,7 @@
             <a:fld id="{B61BEF0D-F0BB-DE4B-95CE-6DB70DBA9567}" type="datetimeFigureOut">
               <a:rPr lang="en-US" dirty="0"/>
               <a:pPr/>
-              <a:t>8/22/2022</a:t>
+              <a:t>8/26/2022</a:t>
             </a:fld>
             <a:endParaRPr lang="en-US" dirty="0"/>
           </a:p>
@@ -5996,7 +9019,7 @@
             <a:fld id="{B61BEF0D-F0BB-DE4B-95CE-6DB70DBA9567}" type="datetimeFigureOut">
               <a:rPr lang="en-US" dirty="0"/>
               <a:pPr/>
-              <a:t>8/22/2022</a:t>
+              <a:t>8/26/2022</a:t>
             </a:fld>
             <a:endParaRPr lang="en-US" dirty="0"/>
           </a:p>
@@ -6224,7 +9247,7 @@
           <a:p>
             <a:fld id="{05BFA754-D5C3-4E66-96A6-867B257F58DC}" type="datetimeFigureOut">
               <a:rPr lang="en-US" dirty="0"/>
-              <a:t>8/22/2022</a:t>
+              <a:t>8/26/2022</a:t>
             </a:fld>
             <a:endParaRPr lang="en-US" dirty="0"/>
           </a:p>
@@ -6468,7 +9491,7 @@
             <a:fld id="{B61BEF0D-F0BB-DE4B-95CE-6DB70DBA9567}" type="datetimeFigureOut">
               <a:rPr lang="en-US" dirty="0"/>
               <a:pPr/>
-              <a:t>8/22/2022</a:t>
+              <a:t>8/26/2022</a:t>
             </a:fld>
             <a:endParaRPr lang="en-US" dirty="0"/>
           </a:p>
@@ -6731,7 +9754,7 @@
           <a:p>
             <a:fld id="{05BFA754-D5C3-4E66-96A6-867B257F58DC}" type="datetimeFigureOut">
               <a:rPr lang="en-US" dirty="0"/>
-              <a:t>8/22/2022</a:t>
+              <a:t>8/26/2022</a:t>
             </a:fld>
             <a:endParaRPr lang="en-US" dirty="0"/>
           </a:p>
@@ -7140,7 +10163,7 @@
             <a:fld id="{B61BEF0D-F0BB-DE4B-95CE-6DB70DBA9567}" type="datetimeFigureOut">
               <a:rPr lang="en-US" dirty="0"/>
               <a:pPr/>
-              <a:t>8/22/2022</a:t>
+              <a:t>8/26/2022</a:t>
             </a:fld>
             <a:endParaRPr lang="en-US" dirty="0"/>
           </a:p>
@@ -7286,7 +10309,7 @@
             <a:fld id="{B61BEF0D-F0BB-DE4B-95CE-6DB70DBA9567}" type="datetimeFigureOut">
               <a:rPr lang="en-US" dirty="0"/>
               <a:pPr/>
-              <a:t>8/22/2022</a:t>
+              <a:t>8/26/2022</a:t>
             </a:fld>
             <a:endParaRPr lang="en-US" dirty="0"/>
           </a:p>
@@ -7409,7 +10432,7 @@
             <a:fld id="{B61BEF0D-F0BB-DE4B-95CE-6DB70DBA9567}" type="datetimeFigureOut">
               <a:rPr lang="en-US" dirty="0"/>
               <a:pPr/>
-              <a:t>8/22/2022</a:t>
+              <a:t>8/26/2022</a:t>
             </a:fld>
             <a:endParaRPr lang="en-US" dirty="0"/>
           </a:p>
@@ -7661,7 +10684,7 @@
             <a:fld id="{B61BEF0D-F0BB-DE4B-95CE-6DB70DBA9567}" type="datetimeFigureOut">
               <a:rPr lang="en-US" dirty="0"/>
               <a:pPr/>
-              <a:t>8/22/2022</a:t>
+              <a:t>8/26/2022</a:t>
             </a:fld>
             <a:endParaRPr lang="en-US" dirty="0"/>
           </a:p>
@@ -7973,7 +10996,7 @@
             <a:fld id="{B61BEF0D-F0BB-DE4B-95CE-6DB70DBA9567}" type="datetimeFigureOut">
               <a:rPr lang="en-US" dirty="0"/>
               <a:pPr/>
-              <a:t>8/22/2022</a:t>
+              <a:t>8/26/2022</a:t>
             </a:fld>
             <a:endParaRPr lang="en-US" dirty="0"/>
           </a:p>
@@ -8321,7 +11344,7 @@
             <a:fld id="{B61BEF0D-F0BB-DE4B-95CE-6DB70DBA9567}" type="datetimeFigureOut">
               <a:rPr lang="en-US" dirty="0"/>
               <a:pPr/>
-              <a:t>8/22/2022</a:t>
+              <a:t>8/26/2022</a:t>
             </a:fld>
             <a:endParaRPr lang="en-US" dirty="0"/>
           </a:p>
@@ -8931,443 +11954,7 @@
 </p:sld>
 </file>
 
-<file path=ppt/slides/slide2.xml><?xml version="1.0" encoding="utf-8"?>
-<p:sld xmlns:a="http://schemas.openxmlformats.org/drawingml/2006/main" xmlns:r="http://schemas.openxmlformats.org/officeDocument/2006/relationships" xmlns:p="http://schemas.openxmlformats.org/presentationml/2006/main">
-  <p:cSld>
-    <p:spTree>
-      <p:nvGrpSpPr>
-        <p:cNvPr id="1" name=""/>
-        <p:cNvGrpSpPr/>
-        <p:nvPr/>
-      </p:nvGrpSpPr>
-      <p:grpSpPr>
-        <a:xfrm>
-          <a:off x="0" y="0"/>
-          <a:ext cx="0" cy="0"/>
-          <a:chOff x="0" y="0"/>
-          <a:chExt cx="0" cy="0"/>
-        </a:xfrm>
-      </p:grpSpPr>
-      <p:sp>
-        <p:nvSpPr>
-          <p:cNvPr id="2" name="Title 1">
-            <a:extLst>
-              <a:ext uri="{FF2B5EF4-FFF2-40B4-BE49-F238E27FC236}">
-                <a16:creationId xmlns:a16="http://schemas.microsoft.com/office/drawing/2014/main" id="{38F36769-3C25-CF5A-9628-1BEA7266D0B5}"/>
-              </a:ext>
-            </a:extLst>
-          </p:cNvPr>
-          <p:cNvSpPr>
-            <a:spLocks noGrp="1"/>
-          </p:cNvSpPr>
-          <p:nvPr>
-            <p:ph type="title"/>
-          </p:nvPr>
-        </p:nvSpPr>
-        <p:spPr/>
-        <p:txBody>
-          <a:bodyPr/>
-          <a:lstStyle/>
-          <a:p>
-            <a:r>
-              <a:rPr lang="en-US" dirty="0"/>
-              <a:t>Contents of the lecture</a:t>
-            </a:r>
-            <a:endParaRPr lang="en-PK" dirty="0"/>
-          </a:p>
-        </p:txBody>
-      </p:sp>
-      <p:sp>
-        <p:nvSpPr>
-          <p:cNvPr id="3" name="Content Placeholder 2">
-            <a:extLst>
-              <a:ext uri="{FF2B5EF4-FFF2-40B4-BE49-F238E27FC236}">
-                <a16:creationId xmlns:a16="http://schemas.microsoft.com/office/drawing/2014/main" id="{E29CD13B-2F03-EA83-3F98-9B375C7BE4DF}"/>
-              </a:ext>
-            </a:extLst>
-          </p:cNvPr>
-          <p:cNvSpPr>
-            <a:spLocks noGrp="1"/>
-          </p:cNvSpPr>
-          <p:nvPr>
-            <p:ph idx="1"/>
-          </p:nvPr>
-        </p:nvSpPr>
-        <p:spPr/>
-        <p:txBody>
-          <a:bodyPr/>
-          <a:lstStyle/>
-          <a:p>
-            <a:endParaRPr lang="en-PK"/>
-          </a:p>
-        </p:txBody>
-      </p:sp>
-    </p:spTree>
-    <p:extLst>
-      <p:ext uri="{BB962C8B-B14F-4D97-AF65-F5344CB8AC3E}">
-        <p14:creationId xmlns:p14="http://schemas.microsoft.com/office/powerpoint/2010/main" val="3394486019"/>
-      </p:ext>
-    </p:extLst>
-  </p:cSld>
-  <p:clrMapOvr>
-    <a:masterClrMapping/>
-  </p:clrMapOvr>
-</p:sld>
-</file>
-
-<file path=ppt/slides/slide3.xml><?xml version="1.0" encoding="utf-8"?>
-<p:sld xmlns:a="http://schemas.openxmlformats.org/drawingml/2006/main" xmlns:r="http://schemas.openxmlformats.org/officeDocument/2006/relationships" xmlns:p="http://schemas.openxmlformats.org/presentationml/2006/main">
-  <p:cSld>
-    <p:spTree>
-      <p:nvGrpSpPr>
-        <p:cNvPr id="1" name=""/>
-        <p:cNvGrpSpPr/>
-        <p:nvPr/>
-      </p:nvGrpSpPr>
-      <p:grpSpPr>
-        <a:xfrm>
-          <a:off x="0" y="0"/>
-          <a:ext cx="0" cy="0"/>
-          <a:chOff x="0" y="0"/>
-          <a:chExt cx="0" cy="0"/>
-        </a:xfrm>
-      </p:grpSpPr>
-      <p:sp>
-        <p:nvSpPr>
-          <p:cNvPr id="2" name="Title 1">
-            <a:extLst>
-              <a:ext uri="{FF2B5EF4-FFF2-40B4-BE49-F238E27FC236}">
-                <a16:creationId xmlns:a16="http://schemas.microsoft.com/office/drawing/2014/main" id="{AA3F0B09-57DD-CF76-C5A2-9BD29528F189}"/>
-              </a:ext>
-            </a:extLst>
-          </p:cNvPr>
-          <p:cNvSpPr>
-            <a:spLocks noGrp="1"/>
-          </p:cNvSpPr>
-          <p:nvPr>
-            <p:ph type="title"/>
-          </p:nvPr>
-        </p:nvSpPr>
-        <p:spPr/>
-        <p:txBody>
-          <a:bodyPr/>
-          <a:lstStyle/>
-          <a:p>
-            <a:r>
-              <a:rPr lang="en-US" dirty="0"/>
-              <a:t>What does a computer do?</a:t>
-            </a:r>
-            <a:endParaRPr lang="en-PK" dirty="0"/>
-          </a:p>
-        </p:txBody>
-      </p:sp>
-      <p:sp>
-        <p:nvSpPr>
-          <p:cNvPr id="3" name="Content Placeholder 2">
-            <a:extLst>
-              <a:ext uri="{FF2B5EF4-FFF2-40B4-BE49-F238E27FC236}">
-                <a16:creationId xmlns:a16="http://schemas.microsoft.com/office/drawing/2014/main" id="{3F25E08C-452D-8A7C-9A7B-D3AEA23C49C1}"/>
-              </a:ext>
-            </a:extLst>
-          </p:cNvPr>
-          <p:cNvSpPr>
-            <a:spLocks noGrp="1"/>
-          </p:cNvSpPr>
-          <p:nvPr>
-            <p:ph idx="1"/>
-          </p:nvPr>
-        </p:nvSpPr>
-        <p:spPr/>
-        <p:txBody>
-          <a:bodyPr>
-            <a:normAutofit fontScale="85000" lnSpcReduction="10000"/>
-          </a:bodyPr>
-          <a:lstStyle/>
-          <a:p>
-            <a:r>
-              <a:rPr lang="en-US" dirty="0"/>
-              <a:t> Fundamentally:</a:t>
-            </a:r>
-          </a:p>
-          <a:p>
-            <a:pPr lvl="1"/>
-            <a:r>
-              <a:rPr lang="en-US" dirty="0"/>
-              <a:t>performs calculations</a:t>
-            </a:r>
-          </a:p>
-          <a:p>
-            <a:pPr lvl="2"/>
-            <a:r>
-              <a:rPr lang="en-US" dirty="0"/>
-              <a:t>a billion calculations per second!</a:t>
-            </a:r>
-          </a:p>
-          <a:p>
-            <a:pPr lvl="1"/>
-            <a:r>
-              <a:rPr lang="en-US" dirty="0"/>
-              <a:t>remembers results</a:t>
-            </a:r>
-          </a:p>
-          <a:p>
-            <a:pPr lvl="2"/>
-            <a:r>
-              <a:rPr lang="en-US" dirty="0"/>
-              <a:t>100s of gigabytes of storage!</a:t>
-            </a:r>
-          </a:p>
-          <a:p>
-            <a:r>
-              <a:rPr lang="en-US" dirty="0"/>
-              <a:t>What kinds of calculations?</a:t>
-            </a:r>
-          </a:p>
-          <a:p>
-            <a:pPr lvl="1"/>
-            <a:r>
-              <a:rPr lang="en-US" dirty="0"/>
-              <a:t>built-in to the language</a:t>
-            </a:r>
-          </a:p>
-          <a:p>
-            <a:pPr lvl="1"/>
-            <a:r>
-              <a:rPr lang="en-US" dirty="0"/>
-              <a:t>ones that you define as the programmer</a:t>
-            </a:r>
-          </a:p>
-          <a:p>
-            <a:r>
-              <a:rPr lang="en-US" dirty="0"/>
-              <a:t>Computers only know what you tell them</a:t>
-            </a:r>
-            <a:endParaRPr lang="en-PK" dirty="0"/>
-          </a:p>
-        </p:txBody>
-      </p:sp>
-    </p:spTree>
-    <p:extLst>
-      <p:ext uri="{BB962C8B-B14F-4D97-AF65-F5344CB8AC3E}">
-        <p14:creationId xmlns:p14="http://schemas.microsoft.com/office/powerpoint/2010/main" val="3609245525"/>
-      </p:ext>
-    </p:extLst>
-  </p:cSld>
-  <p:clrMapOvr>
-    <a:masterClrMapping/>
-  </p:clrMapOvr>
-</p:sld>
-</file>
-
-<file path=ppt/slides/slide4.xml><?xml version="1.0" encoding="utf-8"?>
-<p:sld xmlns:a="http://schemas.openxmlformats.org/drawingml/2006/main" xmlns:r="http://schemas.openxmlformats.org/officeDocument/2006/relationships" xmlns:p="http://schemas.openxmlformats.org/presentationml/2006/main">
-  <p:cSld>
-    <p:spTree>
-      <p:nvGrpSpPr>
-        <p:cNvPr id="1" name=""/>
-        <p:cNvGrpSpPr/>
-        <p:nvPr/>
-      </p:nvGrpSpPr>
-      <p:grpSpPr>
-        <a:xfrm>
-          <a:off x="0" y="0"/>
-          <a:ext cx="0" cy="0"/>
-          <a:chOff x="0" y="0"/>
-          <a:chExt cx="0" cy="0"/>
-        </a:xfrm>
-      </p:grpSpPr>
-      <p:sp>
-        <p:nvSpPr>
-          <p:cNvPr id="2" name="Title 1">
-            <a:extLst>
-              <a:ext uri="{FF2B5EF4-FFF2-40B4-BE49-F238E27FC236}">
-                <a16:creationId xmlns:a16="http://schemas.microsoft.com/office/drawing/2014/main" id="{CDDEB777-6AE3-5367-280A-B682B78F9D29}"/>
-              </a:ext>
-            </a:extLst>
-          </p:cNvPr>
-          <p:cNvSpPr>
-            <a:spLocks noGrp="1"/>
-          </p:cNvSpPr>
-          <p:nvPr>
-            <p:ph type="title"/>
-          </p:nvPr>
-        </p:nvSpPr>
-        <p:spPr/>
-        <p:txBody>
-          <a:bodyPr/>
-          <a:lstStyle/>
-          <a:p>
-            <a:r>
-              <a:rPr lang="en-US" dirty="0"/>
-              <a:t>Computer runs an algorithm</a:t>
-            </a:r>
-            <a:endParaRPr lang="en-PK" dirty="0"/>
-          </a:p>
-        </p:txBody>
-      </p:sp>
-      <p:sp>
-        <p:nvSpPr>
-          <p:cNvPr id="3" name="Content Placeholder 2">
-            <a:extLst>
-              <a:ext uri="{FF2B5EF4-FFF2-40B4-BE49-F238E27FC236}">
-                <a16:creationId xmlns:a16="http://schemas.microsoft.com/office/drawing/2014/main" id="{B3439171-2615-45F1-DDB2-BEF0285141A5}"/>
-              </a:ext>
-            </a:extLst>
-          </p:cNvPr>
-          <p:cNvSpPr>
-            <a:spLocks noGrp="1"/>
-          </p:cNvSpPr>
-          <p:nvPr>
-            <p:ph idx="1"/>
-          </p:nvPr>
-        </p:nvSpPr>
-        <p:spPr/>
-        <p:txBody>
-          <a:bodyPr/>
-          <a:lstStyle/>
-          <a:p>
-            <a:r>
-              <a:rPr lang="en-US" dirty="0"/>
-              <a:t>Algorithm is a set of instructions</a:t>
-            </a:r>
-          </a:p>
-          <a:p>
-            <a:pPr lvl="1"/>
-            <a:r>
-              <a:rPr lang="en-US" dirty="0"/>
-              <a:t>Sequence of steps</a:t>
-            </a:r>
-          </a:p>
-          <a:p>
-            <a:pPr lvl="1"/>
-            <a:r>
-              <a:rPr lang="en-US" dirty="0"/>
-              <a:t>Flow of control process that specifies when each step is executed</a:t>
-            </a:r>
-          </a:p>
-          <a:p>
-            <a:pPr lvl="1"/>
-            <a:r>
-              <a:rPr lang="en-US" dirty="0"/>
-              <a:t>A mean of determining when to stop</a:t>
-            </a:r>
-          </a:p>
-          <a:p>
-            <a:endParaRPr lang="en-US" dirty="0"/>
-          </a:p>
-          <a:p>
-            <a:endParaRPr lang="en-PK" dirty="0"/>
-          </a:p>
-        </p:txBody>
-      </p:sp>
-    </p:spTree>
-    <p:extLst>
-      <p:ext uri="{BB962C8B-B14F-4D97-AF65-F5344CB8AC3E}">
-        <p14:creationId xmlns:p14="http://schemas.microsoft.com/office/powerpoint/2010/main" val="2622651115"/>
-      </p:ext>
-    </p:extLst>
-  </p:cSld>
-  <p:clrMapOvr>
-    <a:masterClrMapping/>
-  </p:clrMapOvr>
-</p:sld>
-</file>
-
-<file path=ppt/slides/slide5.xml><?xml version="1.0" encoding="utf-8"?>
-<p:sld xmlns:a="http://schemas.openxmlformats.org/drawingml/2006/main" xmlns:r="http://schemas.openxmlformats.org/officeDocument/2006/relationships" xmlns:p="http://schemas.openxmlformats.org/presentationml/2006/main">
-  <p:cSld>
-    <p:spTree>
-      <p:nvGrpSpPr>
-        <p:cNvPr id="1" name=""/>
-        <p:cNvGrpSpPr/>
-        <p:nvPr/>
-      </p:nvGrpSpPr>
-      <p:grpSpPr>
-        <a:xfrm>
-          <a:off x="0" y="0"/>
-          <a:ext cx="0" cy="0"/>
-          <a:chOff x="0" y="0"/>
-          <a:chExt cx="0" cy="0"/>
-        </a:xfrm>
-      </p:grpSpPr>
-      <p:sp>
-        <p:nvSpPr>
-          <p:cNvPr id="2" name="Title 1">
-            <a:extLst>
-              <a:ext uri="{FF2B5EF4-FFF2-40B4-BE49-F238E27FC236}">
-                <a16:creationId xmlns:a16="http://schemas.microsoft.com/office/drawing/2014/main" id="{26BD7A44-9314-CBB1-3898-F7FDEA1494C4}"/>
-              </a:ext>
-            </a:extLst>
-          </p:cNvPr>
-          <p:cNvSpPr>
-            <a:spLocks noGrp="1"/>
-          </p:cNvSpPr>
-          <p:nvPr>
-            <p:ph type="title"/>
-          </p:nvPr>
-        </p:nvSpPr>
-        <p:spPr/>
-        <p:txBody>
-          <a:bodyPr/>
-          <a:lstStyle/>
-          <a:p>
-            <a:r>
-              <a:rPr lang="en-US" dirty="0"/>
-              <a:t>Medium of instructions : Python</a:t>
-            </a:r>
-            <a:endParaRPr lang="en-PK" dirty="0"/>
-          </a:p>
-        </p:txBody>
-      </p:sp>
-      <p:sp>
-        <p:nvSpPr>
-          <p:cNvPr id="3" name="Content Placeholder 2">
-            <a:extLst>
-              <a:ext uri="{FF2B5EF4-FFF2-40B4-BE49-F238E27FC236}">
-                <a16:creationId xmlns:a16="http://schemas.microsoft.com/office/drawing/2014/main" id="{A239030E-1415-17C5-1454-FB1D5D989CD3}"/>
-              </a:ext>
-            </a:extLst>
-          </p:cNvPr>
-          <p:cNvSpPr>
-            <a:spLocks noGrp="1"/>
-          </p:cNvSpPr>
-          <p:nvPr>
-            <p:ph idx="1"/>
-          </p:nvPr>
-        </p:nvSpPr>
-        <p:spPr/>
-        <p:txBody>
-          <a:bodyPr/>
-          <a:lstStyle/>
-          <a:p>
-            <a:r>
-              <a:rPr lang="en-US" dirty="0"/>
-              <a:t>Programming language act as a medium of instruction for writing an algorithm</a:t>
-            </a:r>
-          </a:p>
-          <a:p>
-            <a:r>
-              <a:rPr lang="en-US" dirty="0"/>
-              <a:t>Python is the preferred language for this course</a:t>
-            </a:r>
-            <a:endParaRPr lang="en-PK" dirty="0"/>
-          </a:p>
-        </p:txBody>
-      </p:sp>
-    </p:spTree>
-    <p:extLst>
-      <p:ext uri="{BB962C8B-B14F-4D97-AF65-F5344CB8AC3E}">
-        <p14:creationId xmlns:p14="http://schemas.microsoft.com/office/powerpoint/2010/main" val="680453330"/>
-      </p:ext>
-    </p:extLst>
-  </p:cSld>
-  <p:clrMapOvr>
-    <a:masterClrMapping/>
-  </p:clrMapOvr>
-</p:sld>
-</file>
-
-<file path=ppt/slides/slide6.xml><?xml version="1.0" encoding="utf-8"?>
+<file path=ppt/slides/slide10.xml><?xml version="1.0" encoding="utf-8"?>
 <p:sld xmlns:a="http://schemas.openxmlformats.org/drawingml/2006/main" xmlns:r="http://schemas.openxmlformats.org/officeDocument/2006/relationships" xmlns:p="http://schemas.openxmlformats.org/presentationml/2006/main">
   <p:cSld>
     <p:spTree>
@@ -9457,7 +12044,7 @@
 </p:sld>
 </file>
 
-<file path=ppt/slides/slide7.xml><?xml version="1.0" encoding="utf-8"?>
+<file path=ppt/slides/slide11.xml><?xml version="1.0" encoding="utf-8"?>
 <p:sld xmlns:a="http://schemas.openxmlformats.org/drawingml/2006/main" xmlns:r="http://schemas.openxmlformats.org/officeDocument/2006/relationships" xmlns:p="http://schemas.openxmlformats.org/presentationml/2006/main">
   <p:cSld>
     <p:spTree>
@@ -9541,7 +12128,7 @@
 </p:sld>
 </file>
 
-<file path=ppt/slides/slide8.xml><?xml version="1.0" encoding="utf-8"?>
+<file path=ppt/slides/slide12.xml><?xml version="1.0" encoding="utf-8"?>
 <p:sld xmlns:a="http://schemas.openxmlformats.org/drawingml/2006/main" xmlns:r="http://schemas.openxmlformats.org/officeDocument/2006/relationships" xmlns:p="http://schemas.openxmlformats.org/presentationml/2006/main">
   <p:cSld>
     <p:spTree>
@@ -9608,7 +12195,11 @@
           <a:bodyPr/>
           <a:lstStyle/>
           <a:p>
-            <a:endParaRPr lang="en-PK"/>
+            <a:r>
+              <a:rPr lang="en-US" dirty="0"/>
+              <a:t>https://github.com/muradtariq-tk/Python-Basics</a:t>
+            </a:r>
+            <a:endParaRPr lang="en-PK" dirty="0"/>
           </a:p>
         </p:txBody>
       </p:sp>
@@ -9625,7 +12216,7 @@
 </p:sld>
 </file>
 
-<file path=ppt/slides/slide9.xml><?xml version="1.0" encoding="utf-8"?>
+<file path=ppt/slides/slide13.xml><?xml version="1.0" encoding="utf-8"?>
 <p:sld xmlns:a="http://schemas.openxmlformats.org/drawingml/2006/main" xmlns:r="http://schemas.openxmlformats.org/officeDocument/2006/relationships" xmlns:p="http://schemas.openxmlformats.org/presentationml/2006/main">
   <p:cSld>
     <p:spTree>
@@ -9704,6 +12295,807 @@
     <p:extLst>
       <p:ext uri="{BB962C8B-B14F-4D97-AF65-F5344CB8AC3E}">
         <p14:creationId xmlns:p14="http://schemas.microsoft.com/office/powerpoint/2010/main" val="1271994868"/>
+      </p:ext>
+    </p:extLst>
+  </p:cSld>
+  <p:clrMapOvr>
+    <a:masterClrMapping/>
+  </p:clrMapOvr>
+</p:sld>
+</file>
+
+<file path=ppt/slides/slide2.xml><?xml version="1.0" encoding="utf-8"?>
+<p:sld xmlns:a="http://schemas.openxmlformats.org/drawingml/2006/main" xmlns:r="http://schemas.openxmlformats.org/officeDocument/2006/relationships" xmlns:p="http://schemas.openxmlformats.org/presentationml/2006/main">
+  <p:cSld>
+    <p:spTree>
+      <p:nvGrpSpPr>
+        <p:cNvPr id="1" name=""/>
+        <p:cNvGrpSpPr/>
+        <p:nvPr/>
+      </p:nvGrpSpPr>
+      <p:grpSpPr>
+        <a:xfrm>
+          <a:off x="0" y="0"/>
+          <a:ext cx="0" cy="0"/>
+          <a:chOff x="0" y="0"/>
+          <a:chExt cx="0" cy="0"/>
+        </a:xfrm>
+      </p:grpSpPr>
+      <p:sp>
+        <p:nvSpPr>
+          <p:cNvPr id="2" name="Title 1">
+            <a:extLst>
+              <a:ext uri="{FF2B5EF4-FFF2-40B4-BE49-F238E27FC236}">
+                <a16:creationId xmlns:a16="http://schemas.microsoft.com/office/drawing/2014/main" id="{38F36769-3C25-CF5A-9628-1BEA7266D0B5}"/>
+              </a:ext>
+            </a:extLst>
+          </p:cNvPr>
+          <p:cNvSpPr>
+            <a:spLocks noGrp="1"/>
+          </p:cNvSpPr>
+          <p:nvPr>
+            <p:ph type="title"/>
+          </p:nvPr>
+        </p:nvSpPr>
+        <p:spPr/>
+        <p:txBody>
+          <a:bodyPr/>
+          <a:lstStyle/>
+          <a:p>
+            <a:r>
+              <a:rPr lang="en-US" dirty="0"/>
+              <a:t>Contents of the lecture</a:t>
+            </a:r>
+            <a:endParaRPr lang="en-PK" dirty="0"/>
+          </a:p>
+        </p:txBody>
+      </p:sp>
+      <p:sp>
+        <p:nvSpPr>
+          <p:cNvPr id="3" name="Content Placeholder 2">
+            <a:extLst>
+              <a:ext uri="{FF2B5EF4-FFF2-40B4-BE49-F238E27FC236}">
+                <a16:creationId xmlns:a16="http://schemas.microsoft.com/office/drawing/2014/main" id="{E29CD13B-2F03-EA83-3F98-9B375C7BE4DF}"/>
+              </a:ext>
+            </a:extLst>
+          </p:cNvPr>
+          <p:cNvSpPr>
+            <a:spLocks noGrp="1"/>
+          </p:cNvSpPr>
+          <p:nvPr>
+            <p:ph idx="1"/>
+          </p:nvPr>
+        </p:nvSpPr>
+        <p:spPr/>
+        <p:txBody>
+          <a:bodyPr/>
+          <a:lstStyle/>
+          <a:p>
+            <a:endParaRPr lang="en-PK"/>
+          </a:p>
+        </p:txBody>
+      </p:sp>
+    </p:spTree>
+    <p:extLst>
+      <p:ext uri="{BB962C8B-B14F-4D97-AF65-F5344CB8AC3E}">
+        <p14:creationId xmlns:p14="http://schemas.microsoft.com/office/powerpoint/2010/main" val="3394486019"/>
+      </p:ext>
+    </p:extLst>
+  </p:cSld>
+  <p:clrMapOvr>
+    <a:masterClrMapping/>
+  </p:clrMapOvr>
+</p:sld>
+</file>
+
+<file path=ppt/slides/slide3.xml><?xml version="1.0" encoding="utf-8"?>
+<p:sld xmlns:a="http://schemas.openxmlformats.org/drawingml/2006/main" xmlns:r="http://schemas.openxmlformats.org/officeDocument/2006/relationships" xmlns:p="http://schemas.openxmlformats.org/presentationml/2006/main">
+  <p:cSld>
+    <p:spTree>
+      <p:nvGrpSpPr>
+        <p:cNvPr id="1" name=""/>
+        <p:cNvGrpSpPr/>
+        <p:nvPr/>
+      </p:nvGrpSpPr>
+      <p:grpSpPr>
+        <a:xfrm>
+          <a:off x="0" y="0"/>
+          <a:ext cx="0" cy="0"/>
+          <a:chOff x="0" y="0"/>
+          <a:chExt cx="0" cy="0"/>
+        </a:xfrm>
+      </p:grpSpPr>
+      <p:sp>
+        <p:nvSpPr>
+          <p:cNvPr id="2" name="Title 1">
+            <a:extLst>
+              <a:ext uri="{FF2B5EF4-FFF2-40B4-BE49-F238E27FC236}">
+                <a16:creationId xmlns:a16="http://schemas.microsoft.com/office/drawing/2014/main" id="{604435D9-E907-D9B1-64EF-D0093BA6ACF8}"/>
+              </a:ext>
+            </a:extLst>
+          </p:cNvPr>
+          <p:cNvSpPr>
+            <a:spLocks noGrp="1"/>
+          </p:cNvSpPr>
+          <p:nvPr>
+            <p:ph type="title"/>
+          </p:nvPr>
+        </p:nvSpPr>
+        <p:spPr/>
+        <p:txBody>
+          <a:bodyPr>
+            <a:normAutofit fontScale="90000"/>
+          </a:bodyPr>
+          <a:lstStyle/>
+          <a:p>
+            <a:r>
+              <a:rPr lang="en-US" dirty="0"/>
+              <a:t>Part 1</a:t>
+            </a:r>
+            <a:br>
+              <a:rPr lang="en-US" dirty="0"/>
+            </a:br>
+            <a:r>
+              <a:rPr lang="en-US" dirty="0"/>
+              <a:t>Installing the software</a:t>
+            </a:r>
+            <a:endParaRPr lang="en-PK" dirty="0"/>
+          </a:p>
+        </p:txBody>
+      </p:sp>
+      <p:graphicFrame>
+        <p:nvGraphicFramePr>
+          <p:cNvPr id="4" name="Content Placeholder 3">
+            <a:extLst>
+              <a:ext uri="{FF2B5EF4-FFF2-40B4-BE49-F238E27FC236}">
+                <a16:creationId xmlns:a16="http://schemas.microsoft.com/office/drawing/2014/main" id="{2EDE0CD0-FC4A-0F85-4F18-946A5EC78034}"/>
+              </a:ext>
+            </a:extLst>
+          </p:cNvPr>
+          <p:cNvGraphicFramePr>
+            <a:graphicFrameLocks noGrp="1"/>
+          </p:cNvGraphicFramePr>
+          <p:nvPr>
+            <p:ph idx="1"/>
+            <p:extLst>
+              <p:ext uri="{D42A27DB-BD31-4B8C-83A1-F6EECF244321}">
+                <p14:modId xmlns:p14="http://schemas.microsoft.com/office/powerpoint/2010/main" val="3952897660"/>
+              </p:ext>
+            </p:extLst>
+          </p:nvPr>
+        </p:nvGraphicFramePr>
+        <p:xfrm>
+          <a:off x="1295400" y="2557463"/>
+          <a:ext cx="9601200" cy="3317875"/>
+        </p:xfrm>
+        <a:graphic>
+          <a:graphicData uri="http://schemas.openxmlformats.org/drawingml/2006/diagram">
+            <dgm:relIds xmlns:dgm="http://schemas.openxmlformats.org/drawingml/2006/diagram" xmlns:r="http://schemas.openxmlformats.org/officeDocument/2006/relationships" r:dm="rId3" r:lo="rId4" r:qs="rId5" r:cs="rId6"/>
+          </a:graphicData>
+        </a:graphic>
+      </p:graphicFrame>
+    </p:spTree>
+    <p:extLst>
+      <p:ext uri="{BB962C8B-B14F-4D97-AF65-F5344CB8AC3E}">
+        <p14:creationId xmlns:p14="http://schemas.microsoft.com/office/powerpoint/2010/main" val="1749380231"/>
+      </p:ext>
+    </p:extLst>
+  </p:cSld>
+  <p:clrMapOvr>
+    <a:masterClrMapping/>
+  </p:clrMapOvr>
+</p:sld>
+</file>
+
+<file path=ppt/slides/slide4.xml><?xml version="1.0" encoding="utf-8"?>
+<p:sld xmlns:a="http://schemas.openxmlformats.org/drawingml/2006/main" xmlns:r="http://schemas.openxmlformats.org/officeDocument/2006/relationships" xmlns:p="http://schemas.openxmlformats.org/presentationml/2006/main">
+  <p:cSld>
+    <p:spTree>
+      <p:nvGrpSpPr>
+        <p:cNvPr id="1" name=""/>
+        <p:cNvGrpSpPr/>
+        <p:nvPr/>
+      </p:nvGrpSpPr>
+      <p:grpSpPr>
+        <a:xfrm>
+          <a:off x="0" y="0"/>
+          <a:ext cx="0" cy="0"/>
+          <a:chOff x="0" y="0"/>
+          <a:chExt cx="0" cy="0"/>
+        </a:xfrm>
+      </p:grpSpPr>
+      <p:sp>
+        <p:nvSpPr>
+          <p:cNvPr id="2" name="Title 1">
+            <a:extLst>
+              <a:ext uri="{FF2B5EF4-FFF2-40B4-BE49-F238E27FC236}">
+                <a16:creationId xmlns:a16="http://schemas.microsoft.com/office/drawing/2014/main" id="{DBB58D93-C29C-D061-204E-20883B75AEA7}"/>
+              </a:ext>
+            </a:extLst>
+          </p:cNvPr>
+          <p:cNvSpPr>
+            <a:spLocks noGrp="1"/>
+          </p:cNvSpPr>
+          <p:nvPr>
+            <p:ph type="title"/>
+          </p:nvPr>
+        </p:nvSpPr>
+        <p:spPr/>
+        <p:txBody>
+          <a:bodyPr>
+            <a:normAutofit fontScale="90000"/>
+          </a:bodyPr>
+          <a:lstStyle/>
+          <a:p>
+            <a:r>
+              <a:rPr lang="en-US" dirty="0"/>
+              <a:t>Play the video</a:t>
+            </a:r>
+            <a:br>
+              <a:rPr lang="en-US" dirty="0"/>
+            </a:br>
+            <a:r>
+              <a:rPr lang="en-US" dirty="0"/>
+              <a:t>Lecture 1 Part 1</a:t>
+            </a:r>
+            <a:endParaRPr lang="en-PK" dirty="0"/>
+          </a:p>
+        </p:txBody>
+      </p:sp>
+      <p:sp>
+        <p:nvSpPr>
+          <p:cNvPr id="3" name="Content Placeholder 2">
+            <a:extLst>
+              <a:ext uri="{FF2B5EF4-FFF2-40B4-BE49-F238E27FC236}">
+                <a16:creationId xmlns:a16="http://schemas.microsoft.com/office/drawing/2014/main" id="{B5E50490-101D-E663-B97D-D9999CA57A48}"/>
+              </a:ext>
+            </a:extLst>
+          </p:cNvPr>
+          <p:cNvSpPr>
+            <a:spLocks noGrp="1"/>
+          </p:cNvSpPr>
+          <p:nvPr>
+            <p:ph idx="1"/>
+          </p:nvPr>
+        </p:nvSpPr>
+        <p:spPr/>
+        <p:txBody>
+          <a:bodyPr/>
+          <a:lstStyle/>
+          <a:p>
+            <a:endParaRPr lang="en-PK"/>
+          </a:p>
+        </p:txBody>
+      </p:sp>
+    </p:spTree>
+    <p:extLst>
+      <p:ext uri="{BB962C8B-B14F-4D97-AF65-F5344CB8AC3E}">
+        <p14:creationId xmlns:p14="http://schemas.microsoft.com/office/powerpoint/2010/main" val="3292712553"/>
+      </p:ext>
+    </p:extLst>
+  </p:cSld>
+  <p:clrMapOvr>
+    <a:masterClrMapping/>
+  </p:clrMapOvr>
+</p:sld>
+</file>
+
+<file path=ppt/slides/slide5.xml><?xml version="1.0" encoding="utf-8"?>
+<p:sld xmlns:a="http://schemas.openxmlformats.org/drawingml/2006/main" xmlns:r="http://schemas.openxmlformats.org/officeDocument/2006/relationships" xmlns:p="http://schemas.openxmlformats.org/presentationml/2006/main">
+  <p:cSld>
+    <p:spTree>
+      <p:nvGrpSpPr>
+        <p:cNvPr id="1" name=""/>
+        <p:cNvGrpSpPr/>
+        <p:nvPr/>
+      </p:nvGrpSpPr>
+      <p:grpSpPr>
+        <a:xfrm>
+          <a:off x="0" y="0"/>
+          <a:ext cx="0" cy="0"/>
+          <a:chOff x="0" y="0"/>
+          <a:chExt cx="0" cy="0"/>
+        </a:xfrm>
+      </p:grpSpPr>
+      <p:sp>
+        <p:nvSpPr>
+          <p:cNvPr id="2" name="Title 1">
+            <a:extLst>
+              <a:ext uri="{FF2B5EF4-FFF2-40B4-BE49-F238E27FC236}">
+                <a16:creationId xmlns:a16="http://schemas.microsoft.com/office/drawing/2014/main" id="{31234EA0-5F4C-C94C-819D-43A2D6B45476}"/>
+              </a:ext>
+            </a:extLst>
+          </p:cNvPr>
+          <p:cNvSpPr>
+            <a:spLocks noGrp="1"/>
+          </p:cNvSpPr>
+          <p:nvPr>
+            <p:ph type="title"/>
+          </p:nvPr>
+        </p:nvSpPr>
+        <p:spPr/>
+        <p:txBody>
+          <a:bodyPr>
+            <a:normAutofit fontScale="90000"/>
+          </a:bodyPr>
+          <a:lstStyle/>
+          <a:p>
+            <a:r>
+              <a:rPr lang="en-US" dirty="0"/>
+              <a:t>Part 2</a:t>
+            </a:r>
+            <a:br>
+              <a:rPr lang="en-US" dirty="0"/>
+            </a:br>
+            <a:r>
+              <a:rPr lang="en-US" dirty="0"/>
+              <a:t>Downloading course material</a:t>
+            </a:r>
+            <a:endParaRPr lang="en-PK" dirty="0"/>
+          </a:p>
+        </p:txBody>
+      </p:sp>
+      <p:sp>
+        <p:nvSpPr>
+          <p:cNvPr id="3" name="Content Placeholder 2">
+            <a:extLst>
+              <a:ext uri="{FF2B5EF4-FFF2-40B4-BE49-F238E27FC236}">
+                <a16:creationId xmlns:a16="http://schemas.microsoft.com/office/drawing/2014/main" id="{F22B95B6-2CC8-6F30-BFB7-D0FF63D0BDA2}"/>
+              </a:ext>
+            </a:extLst>
+          </p:cNvPr>
+          <p:cNvSpPr>
+            <a:spLocks noGrp="1"/>
+          </p:cNvSpPr>
+          <p:nvPr>
+            <p:ph idx="1"/>
+          </p:nvPr>
+        </p:nvSpPr>
+        <p:spPr/>
+        <p:txBody>
+          <a:bodyPr/>
+          <a:lstStyle/>
+          <a:p>
+            <a:endParaRPr lang="en-PK"/>
+          </a:p>
+        </p:txBody>
+      </p:sp>
+    </p:spTree>
+    <p:extLst>
+      <p:ext uri="{BB962C8B-B14F-4D97-AF65-F5344CB8AC3E}">
+        <p14:creationId xmlns:p14="http://schemas.microsoft.com/office/powerpoint/2010/main" val="131468330"/>
+      </p:ext>
+    </p:extLst>
+  </p:cSld>
+  <p:clrMapOvr>
+    <a:masterClrMapping/>
+  </p:clrMapOvr>
+</p:sld>
+</file>
+
+<file path=ppt/slides/slide6.xml><?xml version="1.0" encoding="utf-8"?>
+<p:sld xmlns:a="http://schemas.openxmlformats.org/drawingml/2006/main" xmlns:r="http://schemas.openxmlformats.org/officeDocument/2006/relationships" xmlns:p="http://schemas.openxmlformats.org/presentationml/2006/main">
+  <p:cSld>
+    <p:spTree>
+      <p:nvGrpSpPr>
+        <p:cNvPr id="1" name=""/>
+        <p:cNvGrpSpPr/>
+        <p:nvPr/>
+      </p:nvGrpSpPr>
+      <p:grpSpPr>
+        <a:xfrm>
+          <a:off x="0" y="0"/>
+          <a:ext cx="0" cy="0"/>
+          <a:chOff x="0" y="0"/>
+          <a:chExt cx="0" cy="0"/>
+        </a:xfrm>
+      </p:grpSpPr>
+      <p:sp>
+        <p:nvSpPr>
+          <p:cNvPr id="2" name="Title 1">
+            <a:extLst>
+              <a:ext uri="{FF2B5EF4-FFF2-40B4-BE49-F238E27FC236}">
+                <a16:creationId xmlns:a16="http://schemas.microsoft.com/office/drawing/2014/main" id="{08EAD2D7-2EC2-C2D2-538F-61E0ADE570E7}"/>
+              </a:ext>
+            </a:extLst>
+          </p:cNvPr>
+          <p:cNvSpPr>
+            <a:spLocks noGrp="1"/>
+          </p:cNvSpPr>
+          <p:nvPr>
+            <p:ph type="title"/>
+          </p:nvPr>
+        </p:nvSpPr>
+        <p:spPr/>
+        <p:txBody>
+          <a:bodyPr/>
+          <a:lstStyle/>
+          <a:p>
+            <a:endParaRPr lang="en-PK"/>
+          </a:p>
+        </p:txBody>
+      </p:sp>
+      <p:sp>
+        <p:nvSpPr>
+          <p:cNvPr id="3" name="Content Placeholder 2">
+            <a:extLst>
+              <a:ext uri="{FF2B5EF4-FFF2-40B4-BE49-F238E27FC236}">
+                <a16:creationId xmlns:a16="http://schemas.microsoft.com/office/drawing/2014/main" id="{8FC9F3F8-BFE1-61B8-98F7-B4A0CB4412A6}"/>
+              </a:ext>
+            </a:extLst>
+          </p:cNvPr>
+          <p:cNvSpPr>
+            <a:spLocks noGrp="1"/>
+          </p:cNvSpPr>
+          <p:nvPr>
+            <p:ph idx="1"/>
+          </p:nvPr>
+        </p:nvSpPr>
+        <p:spPr/>
+        <p:txBody>
+          <a:bodyPr/>
+          <a:lstStyle/>
+          <a:p>
+            <a:endParaRPr lang="en-PK"/>
+          </a:p>
+        </p:txBody>
+      </p:sp>
+    </p:spTree>
+    <p:extLst>
+      <p:ext uri="{BB962C8B-B14F-4D97-AF65-F5344CB8AC3E}">
+        <p14:creationId xmlns:p14="http://schemas.microsoft.com/office/powerpoint/2010/main" val="2979415039"/>
+      </p:ext>
+    </p:extLst>
+  </p:cSld>
+  <p:clrMapOvr>
+    <a:masterClrMapping/>
+  </p:clrMapOvr>
+</p:sld>
+</file>
+
+<file path=ppt/slides/slide7.xml><?xml version="1.0" encoding="utf-8"?>
+<p:sld xmlns:a="http://schemas.openxmlformats.org/drawingml/2006/main" xmlns:r="http://schemas.openxmlformats.org/officeDocument/2006/relationships" xmlns:p="http://schemas.openxmlformats.org/presentationml/2006/main">
+  <p:cSld>
+    <p:spTree>
+      <p:nvGrpSpPr>
+        <p:cNvPr id="1" name=""/>
+        <p:cNvGrpSpPr/>
+        <p:nvPr/>
+      </p:nvGrpSpPr>
+      <p:grpSpPr>
+        <a:xfrm>
+          <a:off x="0" y="0"/>
+          <a:ext cx="0" cy="0"/>
+          <a:chOff x="0" y="0"/>
+          <a:chExt cx="0" cy="0"/>
+        </a:xfrm>
+      </p:grpSpPr>
+      <p:sp>
+        <p:nvSpPr>
+          <p:cNvPr id="2" name="Title 1">
+            <a:extLst>
+              <a:ext uri="{FF2B5EF4-FFF2-40B4-BE49-F238E27FC236}">
+                <a16:creationId xmlns:a16="http://schemas.microsoft.com/office/drawing/2014/main" id="{AA3F0B09-57DD-CF76-C5A2-9BD29528F189}"/>
+              </a:ext>
+            </a:extLst>
+          </p:cNvPr>
+          <p:cNvSpPr>
+            <a:spLocks noGrp="1"/>
+          </p:cNvSpPr>
+          <p:nvPr>
+            <p:ph type="title"/>
+          </p:nvPr>
+        </p:nvSpPr>
+        <p:spPr/>
+        <p:txBody>
+          <a:bodyPr/>
+          <a:lstStyle/>
+          <a:p>
+            <a:r>
+              <a:rPr lang="en-US" dirty="0"/>
+              <a:t>What does a computer do?</a:t>
+            </a:r>
+            <a:endParaRPr lang="en-PK" dirty="0"/>
+          </a:p>
+        </p:txBody>
+      </p:sp>
+      <p:sp>
+        <p:nvSpPr>
+          <p:cNvPr id="3" name="Content Placeholder 2">
+            <a:extLst>
+              <a:ext uri="{FF2B5EF4-FFF2-40B4-BE49-F238E27FC236}">
+                <a16:creationId xmlns:a16="http://schemas.microsoft.com/office/drawing/2014/main" id="{3F25E08C-452D-8A7C-9A7B-D3AEA23C49C1}"/>
+              </a:ext>
+            </a:extLst>
+          </p:cNvPr>
+          <p:cNvSpPr>
+            <a:spLocks noGrp="1"/>
+          </p:cNvSpPr>
+          <p:nvPr>
+            <p:ph idx="1"/>
+          </p:nvPr>
+        </p:nvSpPr>
+        <p:spPr/>
+        <p:txBody>
+          <a:bodyPr>
+            <a:normAutofit fontScale="85000" lnSpcReduction="10000"/>
+          </a:bodyPr>
+          <a:lstStyle/>
+          <a:p>
+            <a:r>
+              <a:rPr lang="en-US" dirty="0"/>
+              <a:t> Fundamentally:</a:t>
+            </a:r>
+          </a:p>
+          <a:p>
+            <a:pPr lvl="1"/>
+            <a:r>
+              <a:rPr lang="en-US" dirty="0"/>
+              <a:t>performs calculations</a:t>
+            </a:r>
+          </a:p>
+          <a:p>
+            <a:pPr lvl="2"/>
+            <a:r>
+              <a:rPr lang="en-US" dirty="0"/>
+              <a:t>a billion calculations per second!</a:t>
+            </a:r>
+          </a:p>
+          <a:p>
+            <a:pPr lvl="1"/>
+            <a:r>
+              <a:rPr lang="en-US" dirty="0"/>
+              <a:t>remembers results</a:t>
+            </a:r>
+          </a:p>
+          <a:p>
+            <a:pPr lvl="2"/>
+            <a:r>
+              <a:rPr lang="en-US" dirty="0"/>
+              <a:t>100s of gigabytes of storage!</a:t>
+            </a:r>
+          </a:p>
+          <a:p>
+            <a:r>
+              <a:rPr lang="en-US" dirty="0"/>
+              <a:t>What kinds of calculations?</a:t>
+            </a:r>
+          </a:p>
+          <a:p>
+            <a:pPr lvl="1"/>
+            <a:r>
+              <a:rPr lang="en-US" dirty="0"/>
+              <a:t>built-in to the language</a:t>
+            </a:r>
+          </a:p>
+          <a:p>
+            <a:pPr lvl="1"/>
+            <a:r>
+              <a:rPr lang="en-US" dirty="0"/>
+              <a:t>ones that you define as the programmer</a:t>
+            </a:r>
+          </a:p>
+          <a:p>
+            <a:r>
+              <a:rPr lang="en-US" dirty="0"/>
+              <a:t>Computers only know what you tell them</a:t>
+            </a:r>
+            <a:endParaRPr lang="en-PK" dirty="0"/>
+          </a:p>
+        </p:txBody>
+      </p:sp>
+    </p:spTree>
+    <p:extLst>
+      <p:ext uri="{BB962C8B-B14F-4D97-AF65-F5344CB8AC3E}">
+        <p14:creationId xmlns:p14="http://schemas.microsoft.com/office/powerpoint/2010/main" val="3609245525"/>
+      </p:ext>
+    </p:extLst>
+  </p:cSld>
+  <p:clrMapOvr>
+    <a:masterClrMapping/>
+  </p:clrMapOvr>
+</p:sld>
+</file>
+
+<file path=ppt/slides/slide8.xml><?xml version="1.0" encoding="utf-8"?>
+<p:sld xmlns:a="http://schemas.openxmlformats.org/drawingml/2006/main" xmlns:r="http://schemas.openxmlformats.org/officeDocument/2006/relationships" xmlns:p="http://schemas.openxmlformats.org/presentationml/2006/main">
+  <p:cSld>
+    <p:spTree>
+      <p:nvGrpSpPr>
+        <p:cNvPr id="1" name=""/>
+        <p:cNvGrpSpPr/>
+        <p:nvPr/>
+      </p:nvGrpSpPr>
+      <p:grpSpPr>
+        <a:xfrm>
+          <a:off x="0" y="0"/>
+          <a:ext cx="0" cy="0"/>
+          <a:chOff x="0" y="0"/>
+          <a:chExt cx="0" cy="0"/>
+        </a:xfrm>
+      </p:grpSpPr>
+      <p:sp>
+        <p:nvSpPr>
+          <p:cNvPr id="2" name="Title 1">
+            <a:extLst>
+              <a:ext uri="{FF2B5EF4-FFF2-40B4-BE49-F238E27FC236}">
+                <a16:creationId xmlns:a16="http://schemas.microsoft.com/office/drawing/2014/main" id="{CDDEB777-6AE3-5367-280A-B682B78F9D29}"/>
+              </a:ext>
+            </a:extLst>
+          </p:cNvPr>
+          <p:cNvSpPr>
+            <a:spLocks noGrp="1"/>
+          </p:cNvSpPr>
+          <p:nvPr>
+            <p:ph type="title"/>
+          </p:nvPr>
+        </p:nvSpPr>
+        <p:spPr/>
+        <p:txBody>
+          <a:bodyPr/>
+          <a:lstStyle/>
+          <a:p>
+            <a:r>
+              <a:rPr lang="en-US" dirty="0"/>
+              <a:t>Computer runs an algorithm</a:t>
+            </a:r>
+            <a:endParaRPr lang="en-PK" dirty="0"/>
+          </a:p>
+        </p:txBody>
+      </p:sp>
+      <p:sp>
+        <p:nvSpPr>
+          <p:cNvPr id="3" name="Content Placeholder 2">
+            <a:extLst>
+              <a:ext uri="{FF2B5EF4-FFF2-40B4-BE49-F238E27FC236}">
+                <a16:creationId xmlns:a16="http://schemas.microsoft.com/office/drawing/2014/main" id="{B3439171-2615-45F1-DDB2-BEF0285141A5}"/>
+              </a:ext>
+            </a:extLst>
+          </p:cNvPr>
+          <p:cNvSpPr>
+            <a:spLocks noGrp="1"/>
+          </p:cNvSpPr>
+          <p:nvPr>
+            <p:ph idx="1"/>
+          </p:nvPr>
+        </p:nvSpPr>
+        <p:spPr/>
+        <p:txBody>
+          <a:bodyPr/>
+          <a:lstStyle/>
+          <a:p>
+            <a:r>
+              <a:rPr lang="en-US" dirty="0"/>
+              <a:t>Algorithm is a set of instructions</a:t>
+            </a:r>
+          </a:p>
+          <a:p>
+            <a:pPr lvl="1"/>
+            <a:r>
+              <a:rPr lang="en-US" dirty="0"/>
+              <a:t>Sequence of steps</a:t>
+            </a:r>
+          </a:p>
+          <a:p>
+            <a:pPr lvl="1"/>
+            <a:r>
+              <a:rPr lang="en-US" dirty="0"/>
+              <a:t>Flow of control process that specifies when each step is executed</a:t>
+            </a:r>
+          </a:p>
+          <a:p>
+            <a:pPr lvl="1"/>
+            <a:r>
+              <a:rPr lang="en-US" dirty="0"/>
+              <a:t>A mean of determining when to stop</a:t>
+            </a:r>
+          </a:p>
+          <a:p>
+            <a:endParaRPr lang="en-US" dirty="0"/>
+          </a:p>
+          <a:p>
+            <a:endParaRPr lang="en-PK" dirty="0"/>
+          </a:p>
+        </p:txBody>
+      </p:sp>
+    </p:spTree>
+    <p:extLst>
+      <p:ext uri="{BB962C8B-B14F-4D97-AF65-F5344CB8AC3E}">
+        <p14:creationId xmlns:p14="http://schemas.microsoft.com/office/powerpoint/2010/main" val="2622651115"/>
+      </p:ext>
+    </p:extLst>
+  </p:cSld>
+  <p:clrMapOvr>
+    <a:masterClrMapping/>
+  </p:clrMapOvr>
+</p:sld>
+</file>
+
+<file path=ppt/slides/slide9.xml><?xml version="1.0" encoding="utf-8"?>
+<p:sld xmlns:a="http://schemas.openxmlformats.org/drawingml/2006/main" xmlns:r="http://schemas.openxmlformats.org/officeDocument/2006/relationships" xmlns:p="http://schemas.openxmlformats.org/presentationml/2006/main">
+  <p:cSld>
+    <p:spTree>
+      <p:nvGrpSpPr>
+        <p:cNvPr id="1" name=""/>
+        <p:cNvGrpSpPr/>
+        <p:nvPr/>
+      </p:nvGrpSpPr>
+      <p:grpSpPr>
+        <a:xfrm>
+          <a:off x="0" y="0"/>
+          <a:ext cx="0" cy="0"/>
+          <a:chOff x="0" y="0"/>
+          <a:chExt cx="0" cy="0"/>
+        </a:xfrm>
+      </p:grpSpPr>
+      <p:sp>
+        <p:nvSpPr>
+          <p:cNvPr id="2" name="Title 1">
+            <a:extLst>
+              <a:ext uri="{FF2B5EF4-FFF2-40B4-BE49-F238E27FC236}">
+                <a16:creationId xmlns:a16="http://schemas.microsoft.com/office/drawing/2014/main" id="{26BD7A44-9314-CBB1-3898-F7FDEA1494C4}"/>
+              </a:ext>
+            </a:extLst>
+          </p:cNvPr>
+          <p:cNvSpPr>
+            <a:spLocks noGrp="1"/>
+          </p:cNvSpPr>
+          <p:nvPr>
+            <p:ph type="title"/>
+          </p:nvPr>
+        </p:nvSpPr>
+        <p:spPr/>
+        <p:txBody>
+          <a:bodyPr/>
+          <a:lstStyle/>
+          <a:p>
+            <a:r>
+              <a:rPr lang="en-US" dirty="0"/>
+              <a:t>Medium of instructions : Python</a:t>
+            </a:r>
+            <a:endParaRPr lang="en-PK" dirty="0"/>
+          </a:p>
+        </p:txBody>
+      </p:sp>
+      <p:sp>
+        <p:nvSpPr>
+          <p:cNvPr id="3" name="Content Placeholder 2">
+            <a:extLst>
+              <a:ext uri="{FF2B5EF4-FFF2-40B4-BE49-F238E27FC236}">
+                <a16:creationId xmlns:a16="http://schemas.microsoft.com/office/drawing/2014/main" id="{A239030E-1415-17C5-1454-FB1D5D989CD3}"/>
+              </a:ext>
+            </a:extLst>
+          </p:cNvPr>
+          <p:cNvSpPr>
+            <a:spLocks noGrp="1"/>
+          </p:cNvSpPr>
+          <p:nvPr>
+            <p:ph idx="1"/>
+          </p:nvPr>
+        </p:nvSpPr>
+        <p:spPr/>
+        <p:txBody>
+          <a:bodyPr/>
+          <a:lstStyle/>
+          <a:p>
+            <a:r>
+              <a:rPr lang="en-US" dirty="0"/>
+              <a:t>Programming language act as a medium of instruction for writing an algorithm</a:t>
+            </a:r>
+          </a:p>
+          <a:p>
+            <a:r>
+              <a:rPr lang="en-US" dirty="0"/>
+              <a:t>Python is the preferred language for this course</a:t>
+            </a:r>
+            <a:endParaRPr lang="en-PK" dirty="0"/>
+          </a:p>
+        </p:txBody>
+      </p:sp>
+    </p:spTree>
+    <p:extLst>
+      <p:ext uri="{BB962C8B-B14F-4D97-AF65-F5344CB8AC3E}">
+        <p14:creationId xmlns:p14="http://schemas.microsoft.com/office/powerpoint/2010/main" val="680453330"/>
       </p:ext>
     </p:extLst>
   </p:cSld>
@@ -9944,4 +13336,299 @@
     </a:ext>
   </a:extLst>
 </a:theme>
+</file>
+
+<file path=ppt/theme/theme2.xml><?xml version="1.0" encoding="utf-8"?>
+<a:theme xmlns:a="http://schemas.openxmlformats.org/drawingml/2006/main" name="Office Theme">
+  <a:themeElements>
+    <a:clrScheme name="Office">
+      <a:dk1>
+        <a:sysClr val="windowText" lastClr="000000"/>
+      </a:dk1>
+      <a:lt1>
+        <a:sysClr val="window" lastClr="FFFFFF"/>
+      </a:lt1>
+      <a:dk2>
+        <a:srgbClr val="44546A"/>
+      </a:dk2>
+      <a:lt2>
+        <a:srgbClr val="E7E6E6"/>
+      </a:lt2>
+      <a:accent1>
+        <a:srgbClr val="4472C4"/>
+      </a:accent1>
+      <a:accent2>
+        <a:srgbClr val="ED7D31"/>
+      </a:accent2>
+      <a:accent3>
+        <a:srgbClr val="A5A5A5"/>
+      </a:accent3>
+      <a:accent4>
+        <a:srgbClr val="FFC000"/>
+      </a:accent4>
+      <a:accent5>
+        <a:srgbClr val="5B9BD5"/>
+      </a:accent5>
+      <a:accent6>
+        <a:srgbClr val="70AD47"/>
+      </a:accent6>
+      <a:hlink>
+        <a:srgbClr val="0563C1"/>
+      </a:hlink>
+      <a:folHlink>
+        <a:srgbClr val="954F72"/>
+      </a:folHlink>
+    </a:clrScheme>
+    <a:fontScheme name="Office">
+      <a:majorFont>
+        <a:latin typeface="Calibri Light" panose="020F0302020204030204"/>
+        <a:ea typeface=""/>
+        <a:cs typeface=""/>
+        <a:font script="Jpan" typeface="游ゴシック Light"/>
+        <a:font script="Hang" typeface="맑은 고딕"/>
+        <a:font script="Hans" typeface="等线 Light"/>
+        <a:font script="Hant" typeface="新細明體"/>
+        <a:font script="Arab" typeface="Times New Roman"/>
+        <a:font script="Hebr" typeface="Times New Roman"/>
+        <a:font script="Thai" typeface="Angsana New"/>
+        <a:font script="Ethi" typeface="Nyala"/>
+        <a:font script="Beng" typeface="Vrinda"/>
+        <a:font script="Gujr" typeface="Shruti"/>
+        <a:font script="Khmr" typeface="MoolBoran"/>
+        <a:font script="Knda" typeface="Tunga"/>
+        <a:font script="Guru" typeface="Raavi"/>
+        <a:font script="Cans" typeface="Euphemia"/>
+        <a:font script="Cher" typeface="Plantagenet Cherokee"/>
+        <a:font script="Yiii" typeface="Microsoft Yi Baiti"/>
+        <a:font script="Tibt" typeface="Microsoft Himalaya"/>
+        <a:font script="Thaa" typeface="MV Boli"/>
+        <a:font script="Deva" typeface="Mangal"/>
+        <a:font script="Telu" typeface="Gautami"/>
+        <a:font script="Taml" typeface="Latha"/>
+        <a:font script="Syrc" typeface="Estrangelo Edessa"/>
+        <a:font script="Orya" typeface="Kalinga"/>
+        <a:font script="Mlym" typeface="Kartika"/>
+        <a:font script="Laoo" typeface="DokChampa"/>
+        <a:font script="Sinh" typeface="Iskoola Pota"/>
+        <a:font script="Mong" typeface="Mongolian Baiti"/>
+        <a:font script="Viet" typeface="Times New Roman"/>
+        <a:font script="Uigh" typeface="Microsoft Uighur"/>
+        <a:font script="Geor" typeface="Sylfaen"/>
+        <a:font script="Armn" typeface="Arial"/>
+        <a:font script="Bugi" typeface="Leelawadee UI"/>
+        <a:font script="Bopo" typeface="Microsoft JhengHei"/>
+        <a:font script="Java" typeface="Javanese Text"/>
+        <a:font script="Lisu" typeface="Segoe UI"/>
+        <a:font script="Mymr" typeface="Myanmar Text"/>
+        <a:font script="Nkoo" typeface="Ebrima"/>
+        <a:font script="Olck" typeface="Nirmala UI"/>
+        <a:font script="Osma" typeface="Ebrima"/>
+        <a:font script="Phag" typeface="Phagspa"/>
+        <a:font script="Syrn" typeface="Estrangelo Edessa"/>
+        <a:font script="Syrj" typeface="Estrangelo Edessa"/>
+        <a:font script="Syre" typeface="Estrangelo Edessa"/>
+        <a:font script="Sora" typeface="Nirmala UI"/>
+        <a:font script="Tale" typeface="Microsoft Tai Le"/>
+        <a:font script="Talu" typeface="Microsoft New Tai Lue"/>
+        <a:font script="Tfng" typeface="Ebrima"/>
+      </a:majorFont>
+      <a:minorFont>
+        <a:latin typeface="Calibri" panose="020F0502020204030204"/>
+        <a:ea typeface=""/>
+        <a:cs typeface=""/>
+        <a:font script="Jpan" typeface="游ゴシック"/>
+        <a:font script="Hang" typeface="맑은 고딕"/>
+        <a:font script="Hans" typeface="等线"/>
+        <a:font script="Hant" typeface="新細明體"/>
+        <a:font script="Arab" typeface="Arial"/>
+        <a:font script="Hebr" typeface="Arial"/>
+        <a:font script="Thai" typeface="Cordia New"/>
+        <a:font script="Ethi" typeface="Nyala"/>
+        <a:font script="Beng" typeface="Vrinda"/>
+        <a:font script="Gujr" typeface="Shruti"/>
+        <a:font script="Khmr" typeface="DaunPenh"/>
+        <a:font script="Knda" typeface="Tunga"/>
+        <a:font script="Guru" typeface="Raavi"/>
+        <a:font script="Cans" typeface="Euphemia"/>
+        <a:font script="Cher" typeface="Plantagenet Cherokee"/>
+        <a:font script="Yiii" typeface="Microsoft Yi Baiti"/>
+        <a:font script="Tibt" typeface="Microsoft Himalaya"/>
+        <a:font script="Thaa" typeface="MV Boli"/>
+        <a:font script="Deva" typeface="Mangal"/>
+        <a:font script="Telu" typeface="Gautami"/>
+        <a:font script="Taml" typeface="Latha"/>
+        <a:font script="Syrc" typeface="Estrangelo Edessa"/>
+        <a:font script="Orya" typeface="Kalinga"/>
+        <a:font script="Mlym" typeface="Kartika"/>
+        <a:font script="Laoo" typeface="DokChampa"/>
+        <a:font script="Sinh" typeface="Iskoola Pota"/>
+        <a:font script="Mong" typeface="Mongolian Baiti"/>
+        <a:font script="Viet" typeface="Arial"/>
+        <a:font script="Uigh" typeface="Microsoft Uighur"/>
+        <a:font script="Geor" typeface="Sylfaen"/>
+        <a:font script="Armn" typeface="Arial"/>
+        <a:font script="Bugi" typeface="Leelawadee UI"/>
+        <a:font script="Bopo" typeface="Microsoft JhengHei"/>
+        <a:font script="Java" typeface="Javanese Text"/>
+        <a:font script="Lisu" typeface="Segoe UI"/>
+        <a:font script="Mymr" typeface="Myanmar Text"/>
+        <a:font script="Nkoo" typeface="Ebrima"/>
+        <a:font script="Olck" typeface="Nirmala UI"/>
+        <a:font script="Osma" typeface="Ebrima"/>
+        <a:font script="Phag" typeface="Phagspa"/>
+        <a:font script="Syrn" typeface="Estrangelo Edessa"/>
+        <a:font script="Syrj" typeface="Estrangelo Edessa"/>
+        <a:font script="Syre" typeface="Estrangelo Edessa"/>
+        <a:font script="Sora" typeface="Nirmala UI"/>
+        <a:font script="Tale" typeface="Microsoft Tai Le"/>
+        <a:font script="Talu" typeface="Microsoft New Tai Lue"/>
+        <a:font script="Tfng" typeface="Ebrima"/>
+      </a:minorFont>
+    </a:fontScheme>
+    <a:fmtScheme name="Office">
+      <a:fillStyleLst>
+        <a:solidFill>
+          <a:schemeClr val="phClr"/>
+        </a:solidFill>
+        <a:gradFill rotWithShape="1">
+          <a:gsLst>
+            <a:gs pos="0">
+              <a:schemeClr val="phClr">
+                <a:lumMod val="110000"/>
+                <a:satMod val="105000"/>
+                <a:tint val="67000"/>
+              </a:schemeClr>
+            </a:gs>
+            <a:gs pos="50000">
+              <a:schemeClr val="phClr">
+                <a:lumMod val="105000"/>
+                <a:satMod val="103000"/>
+                <a:tint val="73000"/>
+              </a:schemeClr>
+            </a:gs>
+            <a:gs pos="100000">
+              <a:schemeClr val="phClr">
+                <a:lumMod val="105000"/>
+                <a:satMod val="109000"/>
+                <a:tint val="81000"/>
+              </a:schemeClr>
+            </a:gs>
+          </a:gsLst>
+          <a:lin ang="5400000" scaled="0"/>
+        </a:gradFill>
+        <a:gradFill rotWithShape="1">
+          <a:gsLst>
+            <a:gs pos="0">
+              <a:schemeClr val="phClr">
+                <a:satMod val="103000"/>
+                <a:lumMod val="102000"/>
+                <a:tint val="94000"/>
+              </a:schemeClr>
+            </a:gs>
+            <a:gs pos="50000">
+              <a:schemeClr val="phClr">
+                <a:satMod val="110000"/>
+                <a:lumMod val="100000"/>
+                <a:shade val="100000"/>
+              </a:schemeClr>
+            </a:gs>
+            <a:gs pos="100000">
+              <a:schemeClr val="phClr">
+                <a:lumMod val="99000"/>
+                <a:satMod val="120000"/>
+                <a:shade val="78000"/>
+              </a:schemeClr>
+            </a:gs>
+          </a:gsLst>
+          <a:lin ang="5400000" scaled="0"/>
+        </a:gradFill>
+      </a:fillStyleLst>
+      <a:lnStyleLst>
+        <a:ln w="6350" cap="flat" cmpd="sng" algn="ctr">
+          <a:solidFill>
+            <a:schemeClr val="phClr"/>
+          </a:solidFill>
+          <a:prstDash val="solid"/>
+          <a:miter lim="800000"/>
+        </a:ln>
+        <a:ln w="12700" cap="flat" cmpd="sng" algn="ctr">
+          <a:solidFill>
+            <a:schemeClr val="phClr"/>
+          </a:solidFill>
+          <a:prstDash val="solid"/>
+          <a:miter lim="800000"/>
+        </a:ln>
+        <a:ln w="19050" cap="flat" cmpd="sng" algn="ctr">
+          <a:solidFill>
+            <a:schemeClr val="phClr"/>
+          </a:solidFill>
+          <a:prstDash val="solid"/>
+          <a:miter lim="800000"/>
+        </a:ln>
+      </a:lnStyleLst>
+      <a:effectStyleLst>
+        <a:effectStyle>
+          <a:effectLst/>
+        </a:effectStyle>
+        <a:effectStyle>
+          <a:effectLst/>
+        </a:effectStyle>
+        <a:effectStyle>
+          <a:effectLst>
+            <a:outerShdw blurRad="57150" dist="19050" dir="5400000" algn="ctr" rotWithShape="0">
+              <a:srgbClr val="000000">
+                <a:alpha val="63000"/>
+              </a:srgbClr>
+            </a:outerShdw>
+          </a:effectLst>
+        </a:effectStyle>
+      </a:effectStyleLst>
+      <a:bgFillStyleLst>
+        <a:solidFill>
+          <a:schemeClr val="phClr"/>
+        </a:solidFill>
+        <a:solidFill>
+          <a:schemeClr val="phClr">
+            <a:tint val="95000"/>
+            <a:satMod val="170000"/>
+          </a:schemeClr>
+        </a:solidFill>
+        <a:gradFill rotWithShape="1">
+          <a:gsLst>
+            <a:gs pos="0">
+              <a:schemeClr val="phClr">
+                <a:tint val="93000"/>
+                <a:satMod val="150000"/>
+                <a:shade val="98000"/>
+                <a:lumMod val="102000"/>
+              </a:schemeClr>
+            </a:gs>
+            <a:gs pos="50000">
+              <a:schemeClr val="phClr">
+                <a:tint val="98000"/>
+                <a:satMod val="130000"/>
+                <a:shade val="90000"/>
+                <a:lumMod val="103000"/>
+              </a:schemeClr>
+            </a:gs>
+            <a:gs pos="100000">
+              <a:schemeClr val="phClr">
+                <a:shade val="63000"/>
+                <a:satMod val="120000"/>
+              </a:schemeClr>
+            </a:gs>
+          </a:gsLst>
+          <a:lin ang="5400000" scaled="0"/>
+        </a:gradFill>
+      </a:bgFillStyleLst>
+    </a:fmtScheme>
+  </a:themeElements>
+  <a:objectDefaults/>
+  <a:extraClrSchemeLst/>
+  <a:extLst>
+    <a:ext uri="{05A4C25C-085E-4340-85A3-A5531E510DB2}">
+      <thm15:themeFamily xmlns:thm15="http://schemas.microsoft.com/office/thememl/2012/main" name="Office Theme" id="{62F939B6-93AF-4DB8-9C6B-D6C7DFDC589F}" vid="{4A3C46E8-61CC-4603-A589-7422A47A8E4A}"/>
+    </a:ext>
+  </a:extLst>
+</a:theme>
 </file>